--- a/Задача Ноя.pptx
+++ b/Задача Ноя.pptx
@@ -5,7 +5,7 @@
     <p:sldMasterId id="2147483659" r:id="rId1"/>
   </p:sldMasterIdLst>
   <p:notesMasterIdLst>
-    <p:notesMasterId r:id="rId10"/>
+    <p:notesMasterId r:id="rId25"/>
   </p:notesMasterIdLst>
   <p:sldIdLst>
     <p:sldId id="256" r:id="rId2"/>
@@ -16,23 +16,49 @@
     <p:sldId id="261" r:id="rId7"/>
     <p:sldId id="262" r:id="rId8"/>
     <p:sldId id="263" r:id="rId9"/>
+    <p:sldId id="264" r:id="rId10"/>
+    <p:sldId id="265" r:id="rId11"/>
+    <p:sldId id="266" r:id="rId12"/>
+    <p:sldId id="267" r:id="rId13"/>
+    <p:sldId id="268" r:id="rId14"/>
+    <p:sldId id="269" r:id="rId15"/>
+    <p:sldId id="270" r:id="rId16"/>
+    <p:sldId id="271" r:id="rId17"/>
+    <p:sldId id="272" r:id="rId18"/>
+    <p:sldId id="273" r:id="rId19"/>
+    <p:sldId id="274" r:id="rId20"/>
+    <p:sldId id="275" r:id="rId21"/>
+    <p:sldId id="276" r:id="rId22"/>
+    <p:sldId id="277" r:id="rId23"/>
+    <p:sldId id="278" r:id="rId24"/>
   </p:sldIdLst>
   <p:sldSz cx="9144000" cy="5143500" type="screen16x9"/>
   <p:notesSz cx="6858000" cy="9144000"/>
   <p:embeddedFontLst>
     <p:embeddedFont>
       <p:font typeface="Lato" panose="020B0604020202020204" charset="0"/>
-      <p:regular r:id="rId11"/>
-      <p:bold r:id="rId12"/>
-      <p:italic r:id="rId13"/>
-      <p:boldItalic r:id="rId14"/>
+      <p:regular r:id="rId26"/>
+      <p:bold r:id="rId27"/>
+      <p:italic r:id="rId28"/>
+      <p:boldItalic r:id="rId29"/>
+    </p:embeddedFont>
+    <p:embeddedFont>
+      <p:font typeface="Cambria Math" panose="02040503050406030204" pitchFamily="18" charset="0"/>
+      <p:regular r:id="rId30"/>
     </p:embeddedFont>
     <p:embeddedFont>
       <p:font typeface="Raleway" panose="020B0604020202020204" charset="-52"/>
-      <p:regular r:id="rId15"/>
-      <p:bold r:id="rId16"/>
-      <p:italic r:id="rId17"/>
-      <p:boldItalic r:id="rId18"/>
+      <p:regular r:id="rId31"/>
+      <p:bold r:id="rId32"/>
+      <p:italic r:id="rId33"/>
+      <p:boldItalic r:id="rId34"/>
+    </p:embeddedFont>
+    <p:embeddedFont>
+      <p:font typeface="Calibri" panose="020F0502020204030204" pitchFamily="34" charset="0"/>
+      <p:regular r:id="rId35"/>
+      <p:bold r:id="rId36"/>
+      <p:italic r:id="rId37"/>
+      <p:boldItalic r:id="rId38"/>
     </p:embeddedFont>
   </p:embeddedFontLst>
   <p:defaultTextStyle>
@@ -281,6 +307,5363 @@
     </p:ext>
   </p:extLst>
 </p:presentation>
+</file>
+
+<file path=ppt/charts/chart1.xml><?xml version="1.0" encoding="utf-8"?>
+<c:chartSpace xmlns:c="http://schemas.openxmlformats.org/drawingml/2006/chart" xmlns:a="http://schemas.openxmlformats.org/drawingml/2006/main" xmlns:r="http://schemas.openxmlformats.org/officeDocument/2006/relationships" xmlns:c16r2="http://schemas.microsoft.com/office/drawing/2015/06/chart">
+  <c:date1904 val="0"/>
+  <c:lang val="ru-RU"/>
+  <c:roundedCorners val="0"/>
+  <mc:AlternateContent xmlns:mc="http://schemas.openxmlformats.org/markup-compatibility/2006">
+    <mc:Choice xmlns:c14="http://schemas.microsoft.com/office/drawing/2007/8/2/chart" Requires="c14">
+      <c14:style val="102"/>
+    </mc:Choice>
+    <mc:Fallback>
+      <c:style val="2"/>
+    </mc:Fallback>
+  </mc:AlternateContent>
+  <c:chart>
+    <c:title>
+      <c:tx>
+        <c:rich>
+          <a:bodyPr rot="0" spcFirstLastPara="1" vertOverflow="ellipsis" vert="horz" wrap="square" anchor="ctr" anchorCtr="1"/>
+          <a:lstStyle/>
+          <a:p>
+            <a:pPr>
+              <a:defRPr sz="1400" b="0" i="0" u="none" strike="noStrike" kern="1200" spc="0" baseline="0">
+                <a:solidFill>
+                  <a:schemeClr val="bg2"/>
+                </a:solidFill>
+                <a:latin typeface="+mn-lt"/>
+                <a:ea typeface="+mn-ea"/>
+                <a:cs typeface="+mn-cs"/>
+              </a:defRPr>
+            </a:pPr>
+            <a:r>
+              <a:rPr lang="ru-RU"/>
+              <a:t>Точність Генетичного алгоритму</a:t>
+            </a:r>
+          </a:p>
+        </c:rich>
+      </c:tx>
+      <c:layout/>
+      <c:overlay val="0"/>
+      <c:spPr>
+        <a:noFill/>
+        <a:ln>
+          <a:noFill/>
+        </a:ln>
+        <a:effectLst/>
+      </c:spPr>
+      <c:txPr>
+        <a:bodyPr rot="0" spcFirstLastPara="1" vertOverflow="ellipsis" vert="horz" wrap="square" anchor="ctr" anchorCtr="1"/>
+        <a:lstStyle/>
+        <a:p>
+          <a:pPr>
+            <a:defRPr sz="1400" b="0" i="0" u="none" strike="noStrike" kern="1200" spc="0" baseline="0">
+              <a:solidFill>
+                <a:schemeClr val="bg2"/>
+              </a:solidFill>
+              <a:latin typeface="+mn-lt"/>
+              <a:ea typeface="+mn-ea"/>
+              <a:cs typeface="+mn-cs"/>
+            </a:defRPr>
+          </a:pPr>
+          <a:endParaRPr lang="ru-RU"/>
+        </a:p>
+      </c:txPr>
+    </c:title>
+    <c:autoTitleDeleted val="0"/>
+    <c:plotArea>
+      <c:layout/>
+      <c:lineChart>
+        <c:grouping val="standard"/>
+        <c:varyColors val="0"/>
+        <c:ser>
+          <c:idx val="0"/>
+          <c:order val="0"/>
+          <c:spPr>
+            <a:ln w="28575" cap="rnd">
+              <a:solidFill>
+                <a:schemeClr val="accent1"/>
+              </a:solidFill>
+              <a:round/>
+            </a:ln>
+            <a:effectLst/>
+          </c:spPr>
+          <c:marker>
+            <c:symbol val="none"/>
+          </c:marker>
+          <c:val>
+            <c:numRef>
+              <c:f>Лист1!$C$45:$C$52</c:f>
+              <c:numCache>
+                <c:formatCode>General</c:formatCode>
+                <c:ptCount val="8"/>
+                <c:pt idx="0">
+                  <c:v>95.3</c:v>
+                </c:pt>
+                <c:pt idx="1">
+                  <c:v>49.8</c:v>
+                </c:pt>
+                <c:pt idx="2">
+                  <c:v>27.2</c:v>
+                </c:pt>
+                <c:pt idx="3">
+                  <c:v>26.2</c:v>
+                </c:pt>
+                <c:pt idx="4">
+                  <c:v>16.7</c:v>
+                </c:pt>
+                <c:pt idx="5">
+                  <c:v>13.4</c:v>
+                </c:pt>
+                <c:pt idx="6">
+                  <c:v>5.6</c:v>
+                </c:pt>
+                <c:pt idx="7">
+                  <c:v>24.2</c:v>
+                </c:pt>
+              </c:numCache>
+            </c:numRef>
+          </c:val>
+          <c:smooth val="0"/>
+          <c:extLst>
+            <c:ext xmlns:c16="http://schemas.microsoft.com/office/drawing/2014/chart" uri="{C3380CC4-5D6E-409C-BE32-E72D297353CC}">
+              <c16:uniqueId val="{00000000-7E59-4075-AB4A-A701C8F3BADB}"/>
+            </c:ext>
+          </c:extLst>
+        </c:ser>
+        <c:dLbls>
+          <c:showLegendKey val="0"/>
+          <c:showVal val="0"/>
+          <c:showCatName val="0"/>
+          <c:showSerName val="0"/>
+          <c:showPercent val="0"/>
+          <c:showBubbleSize val="0"/>
+        </c:dLbls>
+        <c:smooth val="0"/>
+        <c:axId val="565641136"/>
+        <c:axId val="565640152"/>
+      </c:lineChart>
+      <c:catAx>
+        <c:axId val="565641136"/>
+        <c:scaling>
+          <c:orientation val="minMax"/>
+        </c:scaling>
+        <c:delete val="0"/>
+        <c:axPos val="b"/>
+        <c:numFmt formatCode="General" sourceLinked="1"/>
+        <c:majorTickMark val="none"/>
+        <c:minorTickMark val="none"/>
+        <c:tickLblPos val="nextTo"/>
+        <c:spPr>
+          <a:noFill/>
+          <a:ln w="9525" cap="flat" cmpd="sng" algn="ctr">
+            <a:solidFill>
+              <a:schemeClr val="tx1">
+                <a:lumMod val="15000"/>
+                <a:lumOff val="85000"/>
+              </a:schemeClr>
+            </a:solidFill>
+            <a:round/>
+          </a:ln>
+          <a:effectLst/>
+        </c:spPr>
+        <c:txPr>
+          <a:bodyPr rot="-60000000" spcFirstLastPara="1" vertOverflow="ellipsis" vert="horz" wrap="square" anchor="ctr" anchorCtr="1"/>
+          <a:lstStyle/>
+          <a:p>
+            <a:pPr>
+              <a:defRPr sz="900" b="0" i="0" u="none" strike="noStrike" kern="1200" baseline="0">
+                <a:solidFill>
+                  <a:schemeClr val="bg2"/>
+                </a:solidFill>
+                <a:latin typeface="+mn-lt"/>
+                <a:ea typeface="+mn-ea"/>
+                <a:cs typeface="+mn-cs"/>
+              </a:defRPr>
+            </a:pPr>
+            <a:endParaRPr lang="ru-RU"/>
+          </a:p>
+        </c:txPr>
+        <c:crossAx val="565640152"/>
+        <c:crosses val="autoZero"/>
+        <c:auto val="1"/>
+        <c:lblAlgn val="ctr"/>
+        <c:lblOffset val="100"/>
+        <c:noMultiLvlLbl val="0"/>
+      </c:catAx>
+      <c:valAx>
+        <c:axId val="565640152"/>
+        <c:scaling>
+          <c:orientation val="minMax"/>
+        </c:scaling>
+        <c:delete val="0"/>
+        <c:axPos val="l"/>
+        <c:majorGridlines>
+          <c:spPr>
+            <a:ln w="9525" cap="flat" cmpd="sng" algn="ctr">
+              <a:solidFill>
+                <a:schemeClr val="tx1">
+                  <a:lumMod val="15000"/>
+                  <a:lumOff val="85000"/>
+                </a:schemeClr>
+              </a:solidFill>
+              <a:round/>
+            </a:ln>
+            <a:effectLst/>
+          </c:spPr>
+        </c:majorGridlines>
+        <c:numFmt formatCode="General" sourceLinked="1"/>
+        <c:majorTickMark val="none"/>
+        <c:minorTickMark val="none"/>
+        <c:tickLblPos val="nextTo"/>
+        <c:spPr>
+          <a:noFill/>
+          <a:ln>
+            <a:noFill/>
+          </a:ln>
+          <a:effectLst/>
+        </c:spPr>
+        <c:txPr>
+          <a:bodyPr rot="-60000000" spcFirstLastPara="1" vertOverflow="ellipsis" vert="horz" wrap="square" anchor="ctr" anchorCtr="1"/>
+          <a:lstStyle/>
+          <a:p>
+            <a:pPr>
+              <a:defRPr sz="900" b="0" i="0" u="none" strike="noStrike" kern="1200" baseline="0">
+                <a:solidFill>
+                  <a:schemeClr val="bg2"/>
+                </a:solidFill>
+                <a:latin typeface="+mn-lt"/>
+                <a:ea typeface="+mn-ea"/>
+                <a:cs typeface="+mn-cs"/>
+              </a:defRPr>
+            </a:pPr>
+            <a:endParaRPr lang="ru-RU"/>
+          </a:p>
+        </c:txPr>
+        <c:crossAx val="565641136"/>
+        <c:crosses val="autoZero"/>
+        <c:crossBetween val="between"/>
+      </c:valAx>
+      <c:spPr>
+        <a:noFill/>
+        <a:ln>
+          <a:noFill/>
+        </a:ln>
+        <a:effectLst/>
+      </c:spPr>
+    </c:plotArea>
+    <c:plotVisOnly val="1"/>
+    <c:dispBlanksAs val="gap"/>
+    <c:showDLblsOverMax val="0"/>
+  </c:chart>
+  <c:spPr>
+    <a:noFill/>
+    <a:ln>
+      <a:noFill/>
+    </a:ln>
+    <a:effectLst/>
+  </c:spPr>
+  <c:txPr>
+    <a:bodyPr/>
+    <a:lstStyle/>
+    <a:p>
+      <a:pPr>
+        <a:defRPr>
+          <a:solidFill>
+            <a:schemeClr val="bg2"/>
+          </a:solidFill>
+        </a:defRPr>
+      </a:pPr>
+      <a:endParaRPr lang="ru-RU"/>
+    </a:p>
+  </c:txPr>
+  <c:externalData r:id="rId3">
+    <c:autoUpdate val="0"/>
+  </c:externalData>
+</c:chartSpace>
+</file>
+
+<file path=ppt/charts/chart2.xml><?xml version="1.0" encoding="utf-8"?>
+<c:chartSpace xmlns:c="http://schemas.openxmlformats.org/drawingml/2006/chart" xmlns:a="http://schemas.openxmlformats.org/drawingml/2006/main" xmlns:r="http://schemas.openxmlformats.org/officeDocument/2006/relationships" xmlns:c16r2="http://schemas.microsoft.com/office/drawing/2015/06/chart">
+  <c:date1904 val="0"/>
+  <c:lang val="ru-RU"/>
+  <c:roundedCorners val="0"/>
+  <mc:AlternateContent xmlns:mc="http://schemas.openxmlformats.org/markup-compatibility/2006">
+    <mc:Choice xmlns:c14="http://schemas.microsoft.com/office/drawing/2007/8/2/chart" Requires="c14">
+      <c14:style val="102"/>
+    </mc:Choice>
+    <mc:Fallback>
+      <c:style val="2"/>
+    </mc:Fallback>
+  </mc:AlternateContent>
+  <c:chart>
+    <c:title>
+      <c:tx>
+        <c:rich>
+          <a:bodyPr rot="0" spcFirstLastPara="1" vertOverflow="ellipsis" vert="horz" wrap="square" anchor="ctr" anchorCtr="1"/>
+          <a:lstStyle/>
+          <a:p>
+            <a:pPr>
+              <a:defRPr sz="1400" b="0" i="0" u="none" strike="noStrike" kern="1200" spc="0" baseline="0">
+                <a:solidFill>
+                  <a:schemeClr val="bg2"/>
+                </a:solidFill>
+                <a:latin typeface="+mn-lt"/>
+                <a:ea typeface="+mn-ea"/>
+                <a:cs typeface="+mn-cs"/>
+              </a:defRPr>
+            </a:pPr>
+            <a:r>
+              <a:rPr lang="ru-RU"/>
+              <a:t>швидкість генетичного алгоритму</a:t>
+            </a:r>
+          </a:p>
+        </c:rich>
+      </c:tx>
+      <c:layout/>
+      <c:overlay val="0"/>
+      <c:spPr>
+        <a:noFill/>
+        <a:ln>
+          <a:noFill/>
+        </a:ln>
+        <a:effectLst/>
+      </c:spPr>
+      <c:txPr>
+        <a:bodyPr rot="0" spcFirstLastPara="1" vertOverflow="ellipsis" vert="horz" wrap="square" anchor="ctr" anchorCtr="1"/>
+        <a:lstStyle/>
+        <a:p>
+          <a:pPr>
+            <a:defRPr sz="1400" b="0" i="0" u="none" strike="noStrike" kern="1200" spc="0" baseline="0">
+              <a:solidFill>
+                <a:schemeClr val="bg2"/>
+              </a:solidFill>
+              <a:latin typeface="+mn-lt"/>
+              <a:ea typeface="+mn-ea"/>
+              <a:cs typeface="+mn-cs"/>
+            </a:defRPr>
+          </a:pPr>
+          <a:endParaRPr lang="ru-RU"/>
+        </a:p>
+      </c:txPr>
+    </c:title>
+    <c:autoTitleDeleted val="0"/>
+    <c:plotArea>
+      <c:layout/>
+      <c:scatterChart>
+        <c:scatterStyle val="lineMarker"/>
+        <c:varyColors val="0"/>
+        <c:ser>
+          <c:idx val="0"/>
+          <c:order val="0"/>
+          <c:spPr>
+            <a:ln w="19050" cap="rnd">
+              <a:solidFill>
+                <a:schemeClr val="accent1"/>
+              </a:solidFill>
+              <a:round/>
+            </a:ln>
+            <a:effectLst/>
+          </c:spPr>
+          <c:marker>
+            <c:symbol val="circle"/>
+            <c:size val="5"/>
+            <c:spPr>
+              <a:solidFill>
+                <a:schemeClr val="accent1"/>
+              </a:solidFill>
+              <a:ln w="9525">
+                <a:solidFill>
+                  <a:schemeClr val="accent1"/>
+                </a:solidFill>
+              </a:ln>
+              <a:effectLst/>
+            </c:spPr>
+          </c:marker>
+          <c:xVal>
+            <c:numRef>
+              <c:f>Лист1!$A$2:$A$10</c:f>
+              <c:numCache>
+                <c:formatCode>General</c:formatCode>
+                <c:ptCount val="9"/>
+                <c:pt idx="0">
+                  <c:v>2</c:v>
+                </c:pt>
+                <c:pt idx="1">
+                  <c:v>3</c:v>
+                </c:pt>
+                <c:pt idx="2">
+                  <c:v>4</c:v>
+                </c:pt>
+                <c:pt idx="3">
+                  <c:v>5</c:v>
+                </c:pt>
+                <c:pt idx="4">
+                  <c:v>6</c:v>
+                </c:pt>
+                <c:pt idx="5">
+                  <c:v>7</c:v>
+                </c:pt>
+                <c:pt idx="6">
+                  <c:v>8</c:v>
+                </c:pt>
+                <c:pt idx="7">
+                  <c:v>9</c:v>
+                </c:pt>
+                <c:pt idx="8">
+                  <c:v>10</c:v>
+                </c:pt>
+              </c:numCache>
+            </c:numRef>
+          </c:xVal>
+          <c:yVal>
+            <c:numRef>
+              <c:f>Лист1!$L$2:$L$10</c:f>
+              <c:numCache>
+                <c:formatCode>General</c:formatCode>
+                <c:ptCount val="9"/>
+                <c:pt idx="0">
+                  <c:v>7.3299999999999993E-4</c:v>
+                </c:pt>
+                <c:pt idx="1">
+                  <c:v>1.3620000000000001E-3</c:v>
+                </c:pt>
+                <c:pt idx="2">
+                  <c:v>1.5470000000000002E-3</c:v>
+                </c:pt>
+                <c:pt idx="3">
+                  <c:v>1.0249999999999999E-3</c:v>
+                </c:pt>
+                <c:pt idx="4">
+                  <c:v>9.6100000000000005E-4</c:v>
+                </c:pt>
+                <c:pt idx="5">
+                  <c:v>1.8569999999999999E-3</c:v>
+                </c:pt>
+                <c:pt idx="6">
+                  <c:v>2.4120000000000001E-3</c:v>
+                </c:pt>
+                <c:pt idx="7">
+                  <c:v>2.4819999999999998E-3</c:v>
+                </c:pt>
+                <c:pt idx="8">
+                  <c:v>4.4359999999999998E-3</c:v>
+                </c:pt>
+              </c:numCache>
+            </c:numRef>
+          </c:yVal>
+          <c:smooth val="0"/>
+          <c:extLst>
+            <c:ext xmlns:c16="http://schemas.microsoft.com/office/drawing/2014/chart" uri="{C3380CC4-5D6E-409C-BE32-E72D297353CC}">
+              <c16:uniqueId val="{00000000-CBD3-4C57-A26E-A0BC3B8E8A26}"/>
+            </c:ext>
+          </c:extLst>
+        </c:ser>
+        <c:dLbls>
+          <c:showLegendKey val="0"/>
+          <c:showVal val="0"/>
+          <c:showCatName val="0"/>
+          <c:showSerName val="0"/>
+          <c:showPercent val="0"/>
+          <c:showBubbleSize val="0"/>
+        </c:dLbls>
+        <c:axId val="574115128"/>
+        <c:axId val="574112504"/>
+      </c:scatterChart>
+      <c:valAx>
+        <c:axId val="574115128"/>
+        <c:scaling>
+          <c:orientation val="minMax"/>
+        </c:scaling>
+        <c:delete val="0"/>
+        <c:axPos val="b"/>
+        <c:majorGridlines>
+          <c:spPr>
+            <a:ln w="9525" cap="flat" cmpd="sng" algn="ctr">
+              <a:solidFill>
+                <a:schemeClr val="tx1">
+                  <a:lumMod val="15000"/>
+                  <a:lumOff val="85000"/>
+                </a:schemeClr>
+              </a:solidFill>
+              <a:round/>
+            </a:ln>
+            <a:effectLst/>
+          </c:spPr>
+        </c:majorGridlines>
+        <c:numFmt formatCode="General" sourceLinked="1"/>
+        <c:majorTickMark val="none"/>
+        <c:minorTickMark val="none"/>
+        <c:tickLblPos val="nextTo"/>
+        <c:spPr>
+          <a:noFill/>
+          <a:ln w="9525" cap="flat" cmpd="sng" algn="ctr">
+            <a:solidFill>
+              <a:schemeClr val="tx1">
+                <a:lumMod val="25000"/>
+                <a:lumOff val="75000"/>
+              </a:schemeClr>
+            </a:solidFill>
+            <a:round/>
+          </a:ln>
+          <a:effectLst/>
+        </c:spPr>
+        <c:txPr>
+          <a:bodyPr rot="-60000000" spcFirstLastPara="1" vertOverflow="ellipsis" vert="horz" wrap="square" anchor="ctr" anchorCtr="1"/>
+          <a:lstStyle/>
+          <a:p>
+            <a:pPr>
+              <a:defRPr sz="900" b="0" i="0" u="none" strike="noStrike" kern="1200" baseline="0">
+                <a:solidFill>
+                  <a:schemeClr val="bg2"/>
+                </a:solidFill>
+                <a:latin typeface="+mn-lt"/>
+                <a:ea typeface="+mn-ea"/>
+                <a:cs typeface="+mn-cs"/>
+              </a:defRPr>
+            </a:pPr>
+            <a:endParaRPr lang="ru-RU"/>
+          </a:p>
+        </c:txPr>
+        <c:crossAx val="574112504"/>
+        <c:crosses val="autoZero"/>
+        <c:crossBetween val="midCat"/>
+      </c:valAx>
+      <c:valAx>
+        <c:axId val="574112504"/>
+        <c:scaling>
+          <c:orientation val="minMax"/>
+        </c:scaling>
+        <c:delete val="0"/>
+        <c:axPos val="l"/>
+        <c:majorGridlines>
+          <c:spPr>
+            <a:ln w="9525" cap="flat" cmpd="sng" algn="ctr">
+              <a:solidFill>
+                <a:schemeClr val="tx1">
+                  <a:lumMod val="15000"/>
+                  <a:lumOff val="85000"/>
+                </a:schemeClr>
+              </a:solidFill>
+              <a:round/>
+            </a:ln>
+            <a:effectLst/>
+          </c:spPr>
+        </c:majorGridlines>
+        <c:numFmt formatCode="General" sourceLinked="1"/>
+        <c:majorTickMark val="none"/>
+        <c:minorTickMark val="none"/>
+        <c:tickLblPos val="nextTo"/>
+        <c:spPr>
+          <a:noFill/>
+          <a:ln w="9525" cap="flat" cmpd="sng" algn="ctr">
+            <a:solidFill>
+              <a:schemeClr val="tx1">
+                <a:lumMod val="25000"/>
+                <a:lumOff val="75000"/>
+              </a:schemeClr>
+            </a:solidFill>
+            <a:round/>
+          </a:ln>
+          <a:effectLst/>
+        </c:spPr>
+        <c:txPr>
+          <a:bodyPr rot="-60000000" spcFirstLastPara="1" vertOverflow="ellipsis" vert="horz" wrap="square" anchor="ctr" anchorCtr="1"/>
+          <a:lstStyle/>
+          <a:p>
+            <a:pPr>
+              <a:defRPr sz="900" b="0" i="0" u="none" strike="noStrike" kern="1200" baseline="0">
+                <a:solidFill>
+                  <a:schemeClr val="bg2"/>
+                </a:solidFill>
+                <a:latin typeface="+mn-lt"/>
+                <a:ea typeface="+mn-ea"/>
+                <a:cs typeface="+mn-cs"/>
+              </a:defRPr>
+            </a:pPr>
+            <a:endParaRPr lang="ru-RU"/>
+          </a:p>
+        </c:txPr>
+        <c:crossAx val="574115128"/>
+        <c:crosses val="autoZero"/>
+        <c:crossBetween val="midCat"/>
+      </c:valAx>
+      <c:spPr>
+        <a:noFill/>
+        <a:ln>
+          <a:noFill/>
+        </a:ln>
+        <a:effectLst/>
+      </c:spPr>
+    </c:plotArea>
+    <c:plotVisOnly val="1"/>
+    <c:dispBlanksAs val="gap"/>
+    <c:showDLblsOverMax val="0"/>
+  </c:chart>
+  <c:spPr>
+    <a:noFill/>
+    <a:ln>
+      <a:noFill/>
+    </a:ln>
+    <a:effectLst/>
+  </c:spPr>
+  <c:txPr>
+    <a:bodyPr/>
+    <a:lstStyle/>
+    <a:p>
+      <a:pPr>
+        <a:defRPr>
+          <a:solidFill>
+            <a:schemeClr val="bg2"/>
+          </a:solidFill>
+        </a:defRPr>
+      </a:pPr>
+      <a:endParaRPr lang="ru-RU"/>
+    </a:p>
+  </c:txPr>
+  <c:externalData r:id="rId3">
+    <c:autoUpdate val="0"/>
+  </c:externalData>
+</c:chartSpace>
+</file>
+
+<file path=ppt/charts/chart3.xml><?xml version="1.0" encoding="utf-8"?>
+<c:chartSpace xmlns:c="http://schemas.openxmlformats.org/drawingml/2006/chart" xmlns:a="http://schemas.openxmlformats.org/drawingml/2006/main" xmlns:r="http://schemas.openxmlformats.org/officeDocument/2006/relationships" xmlns:c16r2="http://schemas.microsoft.com/office/drawing/2015/06/chart">
+  <c:date1904 val="0"/>
+  <c:lang val="ru-RU"/>
+  <c:roundedCorners val="0"/>
+  <mc:AlternateContent xmlns:mc="http://schemas.openxmlformats.org/markup-compatibility/2006">
+    <mc:Choice xmlns:c14="http://schemas.microsoft.com/office/drawing/2007/8/2/chart" Requires="c14">
+      <c14:style val="102"/>
+    </mc:Choice>
+    <mc:Fallback>
+      <c:style val="2"/>
+    </mc:Fallback>
+  </mc:AlternateContent>
+  <c:chart>
+    <c:title>
+      <c:tx>
+        <c:rich>
+          <a:bodyPr rot="0" spcFirstLastPara="1" vertOverflow="ellipsis" vert="horz" wrap="square" anchor="ctr" anchorCtr="1"/>
+          <a:lstStyle/>
+          <a:p>
+            <a:pPr>
+              <a:defRPr sz="1400" b="0" i="0" u="none" strike="noStrike" kern="1200" spc="0" baseline="0">
+                <a:solidFill>
+                  <a:schemeClr val="bg2"/>
+                </a:solidFill>
+                <a:latin typeface="+mn-lt"/>
+                <a:ea typeface="+mn-ea"/>
+                <a:cs typeface="+mn-cs"/>
+              </a:defRPr>
+            </a:pPr>
+            <a:r>
+              <a:rPr lang="ru-RU"/>
+              <a:t>точність алгоритму мурашиних колоній</a:t>
+            </a:r>
+          </a:p>
+        </c:rich>
+      </c:tx>
+      <c:layout/>
+      <c:overlay val="0"/>
+      <c:spPr>
+        <a:noFill/>
+        <a:ln>
+          <a:noFill/>
+        </a:ln>
+        <a:effectLst/>
+      </c:spPr>
+      <c:txPr>
+        <a:bodyPr rot="0" spcFirstLastPara="1" vertOverflow="ellipsis" vert="horz" wrap="square" anchor="ctr" anchorCtr="1"/>
+        <a:lstStyle/>
+        <a:p>
+          <a:pPr>
+            <a:defRPr sz="1400" b="0" i="0" u="none" strike="noStrike" kern="1200" spc="0" baseline="0">
+              <a:solidFill>
+                <a:schemeClr val="bg2"/>
+              </a:solidFill>
+              <a:latin typeface="+mn-lt"/>
+              <a:ea typeface="+mn-ea"/>
+              <a:cs typeface="+mn-cs"/>
+            </a:defRPr>
+          </a:pPr>
+          <a:endParaRPr lang="ru-RU"/>
+        </a:p>
+      </c:txPr>
+    </c:title>
+    <c:autoTitleDeleted val="0"/>
+    <c:plotArea>
+      <c:layout/>
+      <c:lineChart>
+        <c:grouping val="standard"/>
+        <c:varyColors val="0"/>
+        <c:ser>
+          <c:idx val="0"/>
+          <c:order val="0"/>
+          <c:spPr>
+            <a:ln w="28575" cap="rnd">
+              <a:solidFill>
+                <a:schemeClr val="accent1"/>
+              </a:solidFill>
+              <a:round/>
+            </a:ln>
+            <a:effectLst/>
+          </c:spPr>
+          <c:marker>
+            <c:symbol val="none"/>
+          </c:marker>
+          <c:val>
+            <c:numRef>
+              <c:f>Лист1!$D$45:$D$52</c:f>
+              <c:numCache>
+                <c:formatCode>General</c:formatCode>
+                <c:ptCount val="8"/>
+                <c:pt idx="0">
+                  <c:v>100</c:v>
+                </c:pt>
+                <c:pt idx="1">
+                  <c:v>85.5</c:v>
+                </c:pt>
+                <c:pt idx="2">
+                  <c:v>86.9</c:v>
+                </c:pt>
+                <c:pt idx="3">
+                  <c:v>49.9</c:v>
+                </c:pt>
+                <c:pt idx="4">
+                  <c:v>87.7</c:v>
+                </c:pt>
+                <c:pt idx="5">
+                  <c:v>57.8</c:v>
+                </c:pt>
+                <c:pt idx="6">
+                  <c:v>92.3</c:v>
+                </c:pt>
+                <c:pt idx="7">
+                  <c:v>48.3</c:v>
+                </c:pt>
+              </c:numCache>
+            </c:numRef>
+          </c:val>
+          <c:smooth val="0"/>
+          <c:extLst>
+            <c:ext xmlns:c16="http://schemas.microsoft.com/office/drawing/2014/chart" uri="{C3380CC4-5D6E-409C-BE32-E72D297353CC}">
+              <c16:uniqueId val="{00000000-A3B1-433A-9B6F-A47C0E9E03EC}"/>
+            </c:ext>
+          </c:extLst>
+        </c:ser>
+        <c:dLbls>
+          <c:showLegendKey val="0"/>
+          <c:showVal val="0"/>
+          <c:showCatName val="0"/>
+          <c:showSerName val="0"/>
+          <c:showPercent val="0"/>
+          <c:showBubbleSize val="0"/>
+        </c:dLbls>
+        <c:smooth val="0"/>
+        <c:axId val="574211464"/>
+        <c:axId val="574213432"/>
+      </c:lineChart>
+      <c:catAx>
+        <c:axId val="574211464"/>
+        <c:scaling>
+          <c:orientation val="minMax"/>
+        </c:scaling>
+        <c:delete val="0"/>
+        <c:axPos val="b"/>
+        <c:majorTickMark val="none"/>
+        <c:minorTickMark val="none"/>
+        <c:tickLblPos val="nextTo"/>
+        <c:spPr>
+          <a:noFill/>
+          <a:ln w="9525" cap="flat" cmpd="sng" algn="ctr">
+            <a:solidFill>
+              <a:schemeClr val="tx1">
+                <a:lumMod val="15000"/>
+                <a:lumOff val="85000"/>
+              </a:schemeClr>
+            </a:solidFill>
+            <a:round/>
+          </a:ln>
+          <a:effectLst/>
+        </c:spPr>
+        <c:txPr>
+          <a:bodyPr rot="-60000000" spcFirstLastPara="1" vertOverflow="ellipsis" vert="horz" wrap="square" anchor="ctr" anchorCtr="1"/>
+          <a:lstStyle/>
+          <a:p>
+            <a:pPr>
+              <a:defRPr sz="900" b="0" i="0" u="none" strike="noStrike" kern="1200" baseline="0">
+                <a:solidFill>
+                  <a:schemeClr val="bg2"/>
+                </a:solidFill>
+                <a:latin typeface="+mn-lt"/>
+                <a:ea typeface="+mn-ea"/>
+                <a:cs typeface="+mn-cs"/>
+              </a:defRPr>
+            </a:pPr>
+            <a:endParaRPr lang="ru-RU"/>
+          </a:p>
+        </c:txPr>
+        <c:crossAx val="574213432"/>
+        <c:crosses val="autoZero"/>
+        <c:auto val="1"/>
+        <c:lblAlgn val="ctr"/>
+        <c:lblOffset val="100"/>
+        <c:noMultiLvlLbl val="0"/>
+      </c:catAx>
+      <c:valAx>
+        <c:axId val="574213432"/>
+        <c:scaling>
+          <c:orientation val="minMax"/>
+        </c:scaling>
+        <c:delete val="0"/>
+        <c:axPos val="l"/>
+        <c:majorGridlines>
+          <c:spPr>
+            <a:ln w="9525" cap="flat" cmpd="sng" algn="ctr">
+              <a:solidFill>
+                <a:schemeClr val="tx1">
+                  <a:lumMod val="15000"/>
+                  <a:lumOff val="85000"/>
+                </a:schemeClr>
+              </a:solidFill>
+              <a:round/>
+            </a:ln>
+            <a:effectLst/>
+          </c:spPr>
+        </c:majorGridlines>
+        <c:numFmt formatCode="General" sourceLinked="1"/>
+        <c:majorTickMark val="none"/>
+        <c:minorTickMark val="none"/>
+        <c:tickLblPos val="nextTo"/>
+        <c:spPr>
+          <a:noFill/>
+          <a:ln>
+            <a:noFill/>
+          </a:ln>
+          <a:effectLst/>
+        </c:spPr>
+        <c:txPr>
+          <a:bodyPr rot="-60000000" spcFirstLastPara="1" vertOverflow="ellipsis" vert="horz" wrap="square" anchor="ctr" anchorCtr="1"/>
+          <a:lstStyle/>
+          <a:p>
+            <a:pPr>
+              <a:defRPr sz="900" b="0" i="0" u="none" strike="noStrike" kern="1200" baseline="0">
+                <a:solidFill>
+                  <a:schemeClr val="bg2"/>
+                </a:solidFill>
+                <a:latin typeface="+mn-lt"/>
+                <a:ea typeface="+mn-ea"/>
+                <a:cs typeface="+mn-cs"/>
+              </a:defRPr>
+            </a:pPr>
+            <a:endParaRPr lang="ru-RU"/>
+          </a:p>
+        </c:txPr>
+        <c:crossAx val="574211464"/>
+        <c:crosses val="autoZero"/>
+        <c:crossBetween val="between"/>
+      </c:valAx>
+      <c:spPr>
+        <a:noFill/>
+        <a:ln>
+          <a:noFill/>
+        </a:ln>
+        <a:effectLst/>
+      </c:spPr>
+    </c:plotArea>
+    <c:plotVisOnly val="1"/>
+    <c:dispBlanksAs val="gap"/>
+    <c:showDLblsOverMax val="0"/>
+  </c:chart>
+  <c:spPr>
+    <a:noFill/>
+    <a:ln>
+      <a:noFill/>
+    </a:ln>
+    <a:effectLst/>
+  </c:spPr>
+  <c:txPr>
+    <a:bodyPr/>
+    <a:lstStyle/>
+    <a:p>
+      <a:pPr>
+        <a:defRPr>
+          <a:solidFill>
+            <a:schemeClr val="bg2"/>
+          </a:solidFill>
+        </a:defRPr>
+      </a:pPr>
+      <a:endParaRPr lang="ru-RU"/>
+    </a:p>
+  </c:txPr>
+  <c:externalData r:id="rId3">
+    <c:autoUpdate val="0"/>
+  </c:externalData>
+</c:chartSpace>
+</file>
+
+<file path=ppt/charts/chart4.xml><?xml version="1.0" encoding="utf-8"?>
+<c:chartSpace xmlns:c="http://schemas.openxmlformats.org/drawingml/2006/chart" xmlns:a="http://schemas.openxmlformats.org/drawingml/2006/main" xmlns:r="http://schemas.openxmlformats.org/officeDocument/2006/relationships" xmlns:c16r2="http://schemas.microsoft.com/office/drawing/2015/06/chart">
+  <c:date1904 val="0"/>
+  <c:lang val="ru-RU"/>
+  <c:roundedCorners val="0"/>
+  <mc:AlternateContent xmlns:mc="http://schemas.openxmlformats.org/markup-compatibility/2006">
+    <mc:Choice xmlns:c14="http://schemas.microsoft.com/office/drawing/2007/8/2/chart" Requires="c14">
+      <c14:style val="102"/>
+    </mc:Choice>
+    <mc:Fallback>
+      <c:style val="2"/>
+    </mc:Fallback>
+  </mc:AlternateContent>
+  <c:chart>
+    <c:title>
+      <c:tx>
+        <c:rich>
+          <a:bodyPr rot="0" spcFirstLastPara="1" vertOverflow="ellipsis" vert="horz" wrap="square" anchor="ctr" anchorCtr="1"/>
+          <a:lstStyle/>
+          <a:p>
+            <a:pPr>
+              <a:defRPr sz="1400" b="0" i="0" u="none" strike="noStrike" kern="1200" spc="0" baseline="0">
+                <a:solidFill>
+                  <a:schemeClr val="bg2"/>
+                </a:solidFill>
+                <a:latin typeface="+mn-lt"/>
+                <a:ea typeface="+mn-ea"/>
+                <a:cs typeface="+mn-cs"/>
+              </a:defRPr>
+            </a:pPr>
+            <a:r>
+              <a:rPr lang="ru-RU"/>
+              <a:t>швидкість алгоритму мурашиних колоній</a:t>
+            </a:r>
+          </a:p>
+        </c:rich>
+      </c:tx>
+      <c:layout/>
+      <c:overlay val="0"/>
+      <c:spPr>
+        <a:noFill/>
+        <a:ln>
+          <a:noFill/>
+        </a:ln>
+        <a:effectLst/>
+      </c:spPr>
+      <c:txPr>
+        <a:bodyPr rot="0" spcFirstLastPara="1" vertOverflow="ellipsis" vert="horz" wrap="square" anchor="ctr" anchorCtr="1"/>
+        <a:lstStyle/>
+        <a:p>
+          <a:pPr>
+            <a:defRPr sz="1400" b="0" i="0" u="none" strike="noStrike" kern="1200" spc="0" baseline="0">
+              <a:solidFill>
+                <a:schemeClr val="bg2"/>
+              </a:solidFill>
+              <a:latin typeface="+mn-lt"/>
+              <a:ea typeface="+mn-ea"/>
+              <a:cs typeface="+mn-cs"/>
+            </a:defRPr>
+          </a:pPr>
+          <a:endParaRPr lang="ru-RU"/>
+        </a:p>
+      </c:txPr>
+    </c:title>
+    <c:autoTitleDeleted val="0"/>
+    <c:plotArea>
+      <c:layout/>
+      <c:scatterChart>
+        <c:scatterStyle val="lineMarker"/>
+        <c:varyColors val="0"/>
+        <c:ser>
+          <c:idx val="0"/>
+          <c:order val="0"/>
+          <c:spPr>
+            <a:ln w="19050" cap="rnd">
+              <a:solidFill>
+                <a:schemeClr val="accent1"/>
+              </a:solidFill>
+              <a:round/>
+            </a:ln>
+            <a:effectLst/>
+          </c:spPr>
+          <c:marker>
+            <c:symbol val="circle"/>
+            <c:size val="5"/>
+            <c:spPr>
+              <a:solidFill>
+                <a:schemeClr val="accent1"/>
+              </a:solidFill>
+              <a:ln w="9525">
+                <a:solidFill>
+                  <a:schemeClr val="accent1"/>
+                </a:solidFill>
+              </a:ln>
+              <a:effectLst/>
+            </c:spPr>
+          </c:marker>
+          <c:xVal>
+            <c:numRef>
+              <c:f>Лист1!$A$16:$A$23</c:f>
+              <c:numCache>
+                <c:formatCode>General</c:formatCode>
+                <c:ptCount val="8"/>
+                <c:pt idx="0">
+                  <c:v>3</c:v>
+                </c:pt>
+                <c:pt idx="1">
+                  <c:v>4</c:v>
+                </c:pt>
+                <c:pt idx="2">
+                  <c:v>5</c:v>
+                </c:pt>
+                <c:pt idx="3">
+                  <c:v>6</c:v>
+                </c:pt>
+                <c:pt idx="4">
+                  <c:v>7</c:v>
+                </c:pt>
+                <c:pt idx="5">
+                  <c:v>8</c:v>
+                </c:pt>
+                <c:pt idx="6">
+                  <c:v>9</c:v>
+                </c:pt>
+                <c:pt idx="7">
+                  <c:v>10</c:v>
+                </c:pt>
+              </c:numCache>
+            </c:numRef>
+          </c:xVal>
+          <c:yVal>
+            <c:numRef>
+              <c:f>Лист1!$L$16:$L$23</c:f>
+              <c:numCache>
+                <c:formatCode>General</c:formatCode>
+                <c:ptCount val="8"/>
+                <c:pt idx="0">
+                  <c:v>1.3530000000000003E-3</c:v>
+                </c:pt>
+                <c:pt idx="1">
+                  <c:v>2.5590000000000001E-3</c:v>
+                </c:pt>
+                <c:pt idx="2">
+                  <c:v>2.5209999999999998E-3</c:v>
+                </c:pt>
+                <c:pt idx="3">
+                  <c:v>3.3760000000000005E-3</c:v>
+                </c:pt>
+                <c:pt idx="4">
+                  <c:v>3.4320000000000002E-3</c:v>
+                </c:pt>
+                <c:pt idx="5">
+                  <c:v>3.9220000000000001E-3</c:v>
+                </c:pt>
+                <c:pt idx="6">
+                  <c:v>3.7250000000000004E-3</c:v>
+                </c:pt>
+                <c:pt idx="7">
+                  <c:v>6.2310000000000004E-3</c:v>
+                </c:pt>
+              </c:numCache>
+            </c:numRef>
+          </c:yVal>
+          <c:smooth val="0"/>
+          <c:extLst>
+            <c:ext xmlns:c16="http://schemas.microsoft.com/office/drawing/2014/chart" uri="{C3380CC4-5D6E-409C-BE32-E72D297353CC}">
+              <c16:uniqueId val="{00000000-4CBA-41F5-9B09-6D1A612401A5}"/>
+            </c:ext>
+          </c:extLst>
+        </c:ser>
+        <c:dLbls>
+          <c:showLegendKey val="0"/>
+          <c:showVal val="0"/>
+          <c:showCatName val="0"/>
+          <c:showSerName val="0"/>
+          <c:showPercent val="0"/>
+          <c:showBubbleSize val="0"/>
+        </c:dLbls>
+        <c:axId val="566295328"/>
+        <c:axId val="566291392"/>
+      </c:scatterChart>
+      <c:valAx>
+        <c:axId val="566295328"/>
+        <c:scaling>
+          <c:orientation val="minMax"/>
+        </c:scaling>
+        <c:delete val="0"/>
+        <c:axPos val="b"/>
+        <c:majorGridlines>
+          <c:spPr>
+            <a:ln w="9525" cap="flat" cmpd="sng" algn="ctr">
+              <a:solidFill>
+                <a:schemeClr val="tx1">
+                  <a:lumMod val="15000"/>
+                  <a:lumOff val="85000"/>
+                </a:schemeClr>
+              </a:solidFill>
+              <a:round/>
+            </a:ln>
+            <a:effectLst/>
+          </c:spPr>
+        </c:majorGridlines>
+        <c:numFmt formatCode="General" sourceLinked="1"/>
+        <c:majorTickMark val="none"/>
+        <c:minorTickMark val="none"/>
+        <c:tickLblPos val="nextTo"/>
+        <c:spPr>
+          <a:noFill/>
+          <a:ln w="9525" cap="flat" cmpd="sng" algn="ctr">
+            <a:solidFill>
+              <a:schemeClr val="tx1">
+                <a:lumMod val="25000"/>
+                <a:lumOff val="75000"/>
+              </a:schemeClr>
+            </a:solidFill>
+            <a:round/>
+          </a:ln>
+          <a:effectLst/>
+        </c:spPr>
+        <c:txPr>
+          <a:bodyPr rot="-60000000" spcFirstLastPara="1" vertOverflow="ellipsis" vert="horz" wrap="square" anchor="ctr" anchorCtr="1"/>
+          <a:lstStyle/>
+          <a:p>
+            <a:pPr>
+              <a:defRPr sz="900" b="0" i="0" u="none" strike="noStrike" kern="1200" baseline="0">
+                <a:solidFill>
+                  <a:schemeClr val="bg2"/>
+                </a:solidFill>
+                <a:latin typeface="+mn-lt"/>
+                <a:ea typeface="+mn-ea"/>
+                <a:cs typeface="+mn-cs"/>
+              </a:defRPr>
+            </a:pPr>
+            <a:endParaRPr lang="ru-RU"/>
+          </a:p>
+        </c:txPr>
+        <c:crossAx val="566291392"/>
+        <c:crosses val="autoZero"/>
+        <c:crossBetween val="midCat"/>
+      </c:valAx>
+      <c:valAx>
+        <c:axId val="566291392"/>
+        <c:scaling>
+          <c:orientation val="minMax"/>
+        </c:scaling>
+        <c:delete val="0"/>
+        <c:axPos val="l"/>
+        <c:majorGridlines>
+          <c:spPr>
+            <a:ln w="9525" cap="flat" cmpd="sng" algn="ctr">
+              <a:solidFill>
+                <a:schemeClr val="tx1">
+                  <a:lumMod val="15000"/>
+                  <a:lumOff val="85000"/>
+                </a:schemeClr>
+              </a:solidFill>
+              <a:round/>
+            </a:ln>
+            <a:effectLst/>
+          </c:spPr>
+        </c:majorGridlines>
+        <c:numFmt formatCode="General" sourceLinked="1"/>
+        <c:majorTickMark val="none"/>
+        <c:minorTickMark val="none"/>
+        <c:tickLblPos val="nextTo"/>
+        <c:spPr>
+          <a:noFill/>
+          <a:ln w="9525" cap="flat" cmpd="sng" algn="ctr">
+            <a:solidFill>
+              <a:schemeClr val="tx1">
+                <a:lumMod val="25000"/>
+                <a:lumOff val="75000"/>
+              </a:schemeClr>
+            </a:solidFill>
+            <a:round/>
+          </a:ln>
+          <a:effectLst/>
+        </c:spPr>
+        <c:txPr>
+          <a:bodyPr rot="-60000000" spcFirstLastPara="1" vertOverflow="ellipsis" vert="horz" wrap="square" anchor="ctr" anchorCtr="1"/>
+          <a:lstStyle/>
+          <a:p>
+            <a:pPr>
+              <a:defRPr sz="900" b="0" i="0" u="none" strike="noStrike" kern="1200" baseline="0">
+                <a:solidFill>
+                  <a:schemeClr val="bg2"/>
+                </a:solidFill>
+                <a:latin typeface="+mn-lt"/>
+                <a:ea typeface="+mn-ea"/>
+                <a:cs typeface="+mn-cs"/>
+              </a:defRPr>
+            </a:pPr>
+            <a:endParaRPr lang="ru-RU"/>
+          </a:p>
+        </c:txPr>
+        <c:crossAx val="566295328"/>
+        <c:crosses val="autoZero"/>
+        <c:crossBetween val="midCat"/>
+      </c:valAx>
+      <c:spPr>
+        <a:noFill/>
+        <a:ln>
+          <a:noFill/>
+        </a:ln>
+        <a:effectLst/>
+      </c:spPr>
+    </c:plotArea>
+    <c:plotVisOnly val="1"/>
+    <c:dispBlanksAs val="gap"/>
+    <c:showDLblsOverMax val="0"/>
+  </c:chart>
+  <c:spPr>
+    <a:noFill/>
+    <a:ln>
+      <a:noFill/>
+    </a:ln>
+    <a:effectLst/>
+  </c:spPr>
+  <c:txPr>
+    <a:bodyPr/>
+    <a:lstStyle/>
+    <a:p>
+      <a:pPr>
+        <a:defRPr>
+          <a:solidFill>
+            <a:schemeClr val="bg2"/>
+          </a:solidFill>
+        </a:defRPr>
+      </a:pPr>
+      <a:endParaRPr lang="ru-RU"/>
+    </a:p>
+  </c:txPr>
+  <c:externalData r:id="rId3">
+    <c:autoUpdate val="0"/>
+  </c:externalData>
+</c:chartSpace>
+</file>
+
+<file path=ppt/charts/chart5.xml><?xml version="1.0" encoding="utf-8"?>
+<c:chartSpace xmlns:c="http://schemas.openxmlformats.org/drawingml/2006/chart" xmlns:a="http://schemas.openxmlformats.org/drawingml/2006/main" xmlns:r="http://schemas.openxmlformats.org/officeDocument/2006/relationships" xmlns:c16r2="http://schemas.microsoft.com/office/drawing/2015/06/chart">
+  <c:date1904 val="0"/>
+  <c:lang val="ru-RU"/>
+  <c:roundedCorners val="0"/>
+  <mc:AlternateContent xmlns:mc="http://schemas.openxmlformats.org/markup-compatibility/2006">
+    <mc:Choice xmlns:c14="http://schemas.microsoft.com/office/drawing/2007/8/2/chart" Requires="c14">
+      <c14:style val="102"/>
+    </mc:Choice>
+    <mc:Fallback>
+      <c:style val="2"/>
+    </mc:Fallback>
+  </mc:AlternateContent>
+  <c:chart>
+    <c:title>
+      <c:tx>
+        <c:rich>
+          <a:bodyPr rot="0" spcFirstLastPara="1" vertOverflow="ellipsis" vert="horz" wrap="square" anchor="ctr" anchorCtr="1"/>
+          <a:lstStyle/>
+          <a:p>
+            <a:pPr>
+              <a:defRPr sz="1400" b="0" i="0" u="none" strike="noStrike" kern="1200" spc="0" baseline="0">
+                <a:solidFill>
+                  <a:schemeClr val="bg2"/>
+                </a:solidFill>
+                <a:latin typeface="+mn-lt"/>
+                <a:ea typeface="+mn-ea"/>
+                <a:cs typeface="+mn-cs"/>
+              </a:defRPr>
+            </a:pPr>
+            <a:r>
+              <a:rPr lang="ru-RU"/>
+              <a:t>порівняльна характеристика двох алгоритмів</a:t>
+            </a:r>
+          </a:p>
+        </c:rich>
+      </c:tx>
+      <c:layout>
+        <c:manualLayout>
+          <c:xMode val="edge"/>
+          <c:yMode val="edge"/>
+          <c:x val="0.11770122484689413"/>
+          <c:y val="3.2407407407407406E-2"/>
+        </c:manualLayout>
+      </c:layout>
+      <c:overlay val="0"/>
+      <c:spPr>
+        <a:noFill/>
+        <a:ln>
+          <a:noFill/>
+        </a:ln>
+        <a:effectLst/>
+      </c:spPr>
+      <c:txPr>
+        <a:bodyPr rot="0" spcFirstLastPara="1" vertOverflow="ellipsis" vert="horz" wrap="square" anchor="ctr" anchorCtr="1"/>
+        <a:lstStyle/>
+        <a:p>
+          <a:pPr>
+            <a:defRPr sz="1400" b="0" i="0" u="none" strike="noStrike" kern="1200" spc="0" baseline="0">
+              <a:solidFill>
+                <a:schemeClr val="bg2"/>
+              </a:solidFill>
+              <a:latin typeface="+mn-lt"/>
+              <a:ea typeface="+mn-ea"/>
+              <a:cs typeface="+mn-cs"/>
+            </a:defRPr>
+          </a:pPr>
+          <a:endParaRPr lang="ru-RU"/>
+        </a:p>
+      </c:txPr>
+    </c:title>
+    <c:autoTitleDeleted val="0"/>
+    <c:plotArea>
+      <c:layout/>
+      <c:barChart>
+        <c:barDir val="bar"/>
+        <c:grouping val="clustered"/>
+        <c:varyColors val="0"/>
+        <c:ser>
+          <c:idx val="0"/>
+          <c:order val="0"/>
+          <c:spPr>
+            <a:solidFill>
+              <a:schemeClr val="accent1"/>
+            </a:solidFill>
+            <a:ln>
+              <a:noFill/>
+            </a:ln>
+            <a:effectLst/>
+          </c:spPr>
+          <c:invertIfNegative val="0"/>
+          <c:cat>
+            <c:numRef>
+              <c:f>Лист1!$A$2:$A$10</c:f>
+              <c:numCache>
+                <c:formatCode>General</c:formatCode>
+                <c:ptCount val="9"/>
+                <c:pt idx="0">
+                  <c:v>2</c:v>
+                </c:pt>
+                <c:pt idx="1">
+                  <c:v>3</c:v>
+                </c:pt>
+                <c:pt idx="2">
+                  <c:v>4</c:v>
+                </c:pt>
+                <c:pt idx="3">
+                  <c:v>5</c:v>
+                </c:pt>
+                <c:pt idx="4">
+                  <c:v>6</c:v>
+                </c:pt>
+                <c:pt idx="5">
+                  <c:v>7</c:v>
+                </c:pt>
+                <c:pt idx="6">
+                  <c:v>8</c:v>
+                </c:pt>
+                <c:pt idx="7">
+                  <c:v>9</c:v>
+                </c:pt>
+                <c:pt idx="8">
+                  <c:v>10</c:v>
+                </c:pt>
+              </c:numCache>
+            </c:numRef>
+          </c:cat>
+          <c:val>
+            <c:numRef>
+              <c:f>Лист1!$L$2:$L$10</c:f>
+              <c:numCache>
+                <c:formatCode>General</c:formatCode>
+                <c:ptCount val="9"/>
+                <c:pt idx="0">
+                  <c:v>7.3299999999999993E-4</c:v>
+                </c:pt>
+                <c:pt idx="1">
+                  <c:v>1.3620000000000001E-3</c:v>
+                </c:pt>
+                <c:pt idx="2">
+                  <c:v>1.5470000000000002E-3</c:v>
+                </c:pt>
+                <c:pt idx="3">
+                  <c:v>1.0249999999999999E-3</c:v>
+                </c:pt>
+                <c:pt idx="4">
+                  <c:v>9.6100000000000005E-4</c:v>
+                </c:pt>
+                <c:pt idx="5">
+                  <c:v>1.8569999999999999E-3</c:v>
+                </c:pt>
+                <c:pt idx="6">
+                  <c:v>2.4120000000000001E-3</c:v>
+                </c:pt>
+                <c:pt idx="7">
+                  <c:v>2.4819999999999998E-3</c:v>
+                </c:pt>
+                <c:pt idx="8">
+                  <c:v>4.4359999999999998E-3</c:v>
+                </c:pt>
+              </c:numCache>
+            </c:numRef>
+          </c:val>
+          <c:extLst>
+            <c:ext xmlns:c16="http://schemas.microsoft.com/office/drawing/2014/chart" uri="{C3380CC4-5D6E-409C-BE32-E72D297353CC}">
+              <c16:uniqueId val="{00000000-2030-4D3D-87C3-C5AC7F6753FF}"/>
+            </c:ext>
+          </c:extLst>
+        </c:ser>
+        <c:ser>
+          <c:idx val="1"/>
+          <c:order val="1"/>
+          <c:spPr>
+            <a:solidFill>
+              <a:schemeClr val="tx1"/>
+            </a:solidFill>
+            <a:ln>
+              <a:noFill/>
+            </a:ln>
+            <a:effectLst/>
+          </c:spPr>
+          <c:invertIfNegative val="0"/>
+          <c:cat>
+            <c:numRef>
+              <c:f>Лист1!$A$2:$A$10</c:f>
+              <c:numCache>
+                <c:formatCode>General</c:formatCode>
+                <c:ptCount val="9"/>
+                <c:pt idx="0">
+                  <c:v>2</c:v>
+                </c:pt>
+                <c:pt idx="1">
+                  <c:v>3</c:v>
+                </c:pt>
+                <c:pt idx="2">
+                  <c:v>4</c:v>
+                </c:pt>
+                <c:pt idx="3">
+                  <c:v>5</c:v>
+                </c:pt>
+                <c:pt idx="4">
+                  <c:v>6</c:v>
+                </c:pt>
+                <c:pt idx="5">
+                  <c:v>7</c:v>
+                </c:pt>
+                <c:pt idx="6">
+                  <c:v>8</c:v>
+                </c:pt>
+                <c:pt idx="7">
+                  <c:v>9</c:v>
+                </c:pt>
+                <c:pt idx="8">
+                  <c:v>10</c:v>
+                </c:pt>
+              </c:numCache>
+            </c:numRef>
+          </c:cat>
+          <c:val>
+            <c:numRef>
+              <c:f>Лист1!$N$2:$N$10</c:f>
+              <c:numCache>
+                <c:formatCode>General</c:formatCode>
+                <c:ptCount val="9"/>
+                <c:pt idx="1">
+                  <c:v>1.3530000000000003E-3</c:v>
+                </c:pt>
+                <c:pt idx="2">
+                  <c:v>2.5590000000000001E-3</c:v>
+                </c:pt>
+                <c:pt idx="3">
+                  <c:v>2.5209999999999998E-3</c:v>
+                </c:pt>
+                <c:pt idx="4">
+                  <c:v>3.3760000000000005E-3</c:v>
+                </c:pt>
+                <c:pt idx="5">
+                  <c:v>3.4320000000000002E-3</c:v>
+                </c:pt>
+                <c:pt idx="6">
+                  <c:v>3.9220000000000001E-3</c:v>
+                </c:pt>
+                <c:pt idx="7">
+                  <c:v>3.7250000000000004E-3</c:v>
+                </c:pt>
+                <c:pt idx="8">
+                  <c:v>6.2310000000000004E-3</c:v>
+                </c:pt>
+              </c:numCache>
+            </c:numRef>
+          </c:val>
+          <c:extLst>
+            <c:ext xmlns:c16="http://schemas.microsoft.com/office/drawing/2014/chart" uri="{C3380CC4-5D6E-409C-BE32-E72D297353CC}">
+              <c16:uniqueId val="{00000001-2030-4D3D-87C3-C5AC7F6753FF}"/>
+            </c:ext>
+          </c:extLst>
+        </c:ser>
+        <c:dLbls>
+          <c:showLegendKey val="0"/>
+          <c:showVal val="0"/>
+          <c:showCatName val="0"/>
+          <c:showSerName val="0"/>
+          <c:showPercent val="0"/>
+          <c:showBubbleSize val="0"/>
+        </c:dLbls>
+        <c:gapWidth val="182"/>
+        <c:axId val="660413064"/>
+        <c:axId val="660421920"/>
+      </c:barChart>
+      <c:catAx>
+        <c:axId val="660413064"/>
+        <c:scaling>
+          <c:orientation val="minMax"/>
+        </c:scaling>
+        <c:delete val="0"/>
+        <c:axPos val="l"/>
+        <c:numFmt formatCode="General" sourceLinked="1"/>
+        <c:majorTickMark val="none"/>
+        <c:minorTickMark val="none"/>
+        <c:tickLblPos val="nextTo"/>
+        <c:spPr>
+          <a:noFill/>
+          <a:ln w="9525" cap="flat" cmpd="sng" algn="ctr">
+            <a:solidFill>
+              <a:schemeClr val="tx1">
+                <a:lumMod val="15000"/>
+                <a:lumOff val="85000"/>
+              </a:schemeClr>
+            </a:solidFill>
+            <a:round/>
+          </a:ln>
+          <a:effectLst/>
+        </c:spPr>
+        <c:txPr>
+          <a:bodyPr rot="-60000000" spcFirstLastPara="1" vertOverflow="ellipsis" vert="horz" wrap="square" anchor="ctr" anchorCtr="1"/>
+          <a:lstStyle/>
+          <a:p>
+            <a:pPr>
+              <a:defRPr sz="900" b="0" i="0" u="none" strike="noStrike" kern="1200" baseline="0">
+                <a:solidFill>
+                  <a:schemeClr val="bg2"/>
+                </a:solidFill>
+                <a:latin typeface="+mn-lt"/>
+                <a:ea typeface="+mn-ea"/>
+                <a:cs typeface="+mn-cs"/>
+              </a:defRPr>
+            </a:pPr>
+            <a:endParaRPr lang="ru-RU"/>
+          </a:p>
+        </c:txPr>
+        <c:crossAx val="660421920"/>
+        <c:crosses val="autoZero"/>
+        <c:auto val="1"/>
+        <c:lblAlgn val="ctr"/>
+        <c:lblOffset val="100"/>
+        <c:noMultiLvlLbl val="0"/>
+      </c:catAx>
+      <c:valAx>
+        <c:axId val="660421920"/>
+        <c:scaling>
+          <c:orientation val="minMax"/>
+        </c:scaling>
+        <c:delete val="0"/>
+        <c:axPos val="b"/>
+        <c:majorGridlines>
+          <c:spPr>
+            <a:ln w="9525" cap="flat" cmpd="sng" algn="ctr">
+              <a:solidFill>
+                <a:schemeClr val="tx1">
+                  <a:lumMod val="15000"/>
+                  <a:lumOff val="85000"/>
+                </a:schemeClr>
+              </a:solidFill>
+              <a:round/>
+            </a:ln>
+            <a:effectLst/>
+          </c:spPr>
+        </c:majorGridlines>
+        <c:numFmt formatCode="General" sourceLinked="1"/>
+        <c:majorTickMark val="none"/>
+        <c:minorTickMark val="none"/>
+        <c:tickLblPos val="nextTo"/>
+        <c:spPr>
+          <a:noFill/>
+          <a:ln>
+            <a:noFill/>
+          </a:ln>
+          <a:effectLst/>
+        </c:spPr>
+        <c:txPr>
+          <a:bodyPr rot="-60000000" spcFirstLastPara="1" vertOverflow="ellipsis" vert="horz" wrap="square" anchor="ctr" anchorCtr="1"/>
+          <a:lstStyle/>
+          <a:p>
+            <a:pPr>
+              <a:defRPr sz="900" b="0" i="0" u="none" strike="noStrike" kern="1200" baseline="0">
+                <a:solidFill>
+                  <a:schemeClr val="bg2"/>
+                </a:solidFill>
+                <a:latin typeface="+mn-lt"/>
+                <a:ea typeface="+mn-ea"/>
+                <a:cs typeface="+mn-cs"/>
+              </a:defRPr>
+            </a:pPr>
+            <a:endParaRPr lang="ru-RU"/>
+          </a:p>
+        </c:txPr>
+        <c:crossAx val="660413064"/>
+        <c:crosses val="autoZero"/>
+        <c:crossBetween val="between"/>
+      </c:valAx>
+      <c:spPr>
+        <a:noFill/>
+        <a:ln>
+          <a:noFill/>
+        </a:ln>
+        <a:effectLst/>
+      </c:spPr>
+    </c:plotArea>
+    <c:plotVisOnly val="1"/>
+    <c:dispBlanksAs val="gap"/>
+    <c:showDLblsOverMax val="0"/>
+  </c:chart>
+  <c:spPr>
+    <a:noFill/>
+    <a:ln>
+      <a:noFill/>
+    </a:ln>
+    <a:effectLst/>
+  </c:spPr>
+  <c:txPr>
+    <a:bodyPr/>
+    <a:lstStyle/>
+    <a:p>
+      <a:pPr>
+        <a:defRPr>
+          <a:solidFill>
+            <a:schemeClr val="bg2"/>
+          </a:solidFill>
+        </a:defRPr>
+      </a:pPr>
+      <a:endParaRPr lang="ru-RU"/>
+    </a:p>
+  </c:txPr>
+  <c:externalData r:id="rId3">
+    <c:autoUpdate val="0"/>
+  </c:externalData>
+</c:chartSpace>
+</file>
+
+<file path=ppt/charts/chart6.xml><?xml version="1.0" encoding="utf-8"?>
+<c:chartSpace xmlns:c="http://schemas.openxmlformats.org/drawingml/2006/chart" xmlns:a="http://schemas.openxmlformats.org/drawingml/2006/main" xmlns:r="http://schemas.openxmlformats.org/officeDocument/2006/relationships" xmlns:c16r2="http://schemas.microsoft.com/office/drawing/2015/06/chart">
+  <c:date1904 val="0"/>
+  <c:lang val="ru-RU"/>
+  <c:roundedCorners val="0"/>
+  <mc:AlternateContent xmlns:mc="http://schemas.openxmlformats.org/markup-compatibility/2006">
+    <mc:Choice xmlns:c14="http://schemas.microsoft.com/office/drawing/2007/8/2/chart" Requires="c14">
+      <c14:style val="102"/>
+    </mc:Choice>
+    <mc:Fallback>
+      <c:style val="2"/>
+    </mc:Fallback>
+  </mc:AlternateContent>
+  <c:chart>
+    <c:title>
+      <c:tx>
+        <c:rich>
+          <a:bodyPr rot="0" spcFirstLastPara="1" vertOverflow="ellipsis" vert="horz" wrap="square" anchor="ctr" anchorCtr="1"/>
+          <a:lstStyle/>
+          <a:p>
+            <a:pPr>
+              <a:defRPr sz="1400" b="0" i="0" u="none" strike="noStrike" kern="1200" spc="0" baseline="0">
+                <a:solidFill>
+                  <a:schemeClr val="bg2"/>
+                </a:solidFill>
+                <a:latin typeface="+mn-lt"/>
+                <a:ea typeface="+mn-ea"/>
+                <a:cs typeface="+mn-cs"/>
+              </a:defRPr>
+            </a:pPr>
+            <a:r>
+              <a:rPr lang="ru-RU"/>
+              <a:t>Точність алгоритмів</a:t>
+            </a:r>
+          </a:p>
+        </c:rich>
+      </c:tx>
+      <c:layout>
+        <c:manualLayout>
+          <c:xMode val="edge"/>
+          <c:yMode val="edge"/>
+          <c:x val="0.30668044619422574"/>
+          <c:y val="6.4814814814814811E-2"/>
+        </c:manualLayout>
+      </c:layout>
+      <c:overlay val="0"/>
+      <c:spPr>
+        <a:noFill/>
+        <a:ln>
+          <a:noFill/>
+        </a:ln>
+        <a:effectLst/>
+      </c:spPr>
+      <c:txPr>
+        <a:bodyPr rot="0" spcFirstLastPara="1" vertOverflow="ellipsis" vert="horz" wrap="square" anchor="ctr" anchorCtr="1"/>
+        <a:lstStyle/>
+        <a:p>
+          <a:pPr>
+            <a:defRPr sz="1400" b="0" i="0" u="none" strike="noStrike" kern="1200" spc="0" baseline="0">
+              <a:solidFill>
+                <a:schemeClr val="bg2"/>
+              </a:solidFill>
+              <a:latin typeface="+mn-lt"/>
+              <a:ea typeface="+mn-ea"/>
+              <a:cs typeface="+mn-cs"/>
+            </a:defRPr>
+          </a:pPr>
+          <a:endParaRPr lang="ru-RU"/>
+        </a:p>
+      </c:txPr>
+    </c:title>
+    <c:autoTitleDeleted val="0"/>
+    <c:plotArea>
+      <c:layout/>
+      <c:barChart>
+        <c:barDir val="col"/>
+        <c:grouping val="clustered"/>
+        <c:varyColors val="0"/>
+        <c:ser>
+          <c:idx val="0"/>
+          <c:order val="0"/>
+          <c:spPr>
+            <a:solidFill>
+              <a:schemeClr val="tx1"/>
+            </a:solidFill>
+            <a:ln>
+              <a:noFill/>
+            </a:ln>
+            <a:effectLst/>
+          </c:spPr>
+          <c:invertIfNegative val="0"/>
+          <c:cat>
+            <c:numRef>
+              <c:f>Лист1!$B$45:$B$52</c:f>
+              <c:numCache>
+                <c:formatCode>General</c:formatCode>
+                <c:ptCount val="8"/>
+                <c:pt idx="0">
+                  <c:v>3</c:v>
+                </c:pt>
+                <c:pt idx="1">
+                  <c:v>4</c:v>
+                </c:pt>
+                <c:pt idx="2">
+                  <c:v>5</c:v>
+                </c:pt>
+                <c:pt idx="3">
+                  <c:v>6</c:v>
+                </c:pt>
+                <c:pt idx="4">
+                  <c:v>7</c:v>
+                </c:pt>
+                <c:pt idx="5">
+                  <c:v>8</c:v>
+                </c:pt>
+                <c:pt idx="6">
+                  <c:v>9</c:v>
+                </c:pt>
+                <c:pt idx="7">
+                  <c:v>10</c:v>
+                </c:pt>
+              </c:numCache>
+            </c:numRef>
+          </c:cat>
+          <c:val>
+            <c:numRef>
+              <c:f>Лист1!$C$45:$C$52</c:f>
+              <c:numCache>
+                <c:formatCode>General</c:formatCode>
+                <c:ptCount val="8"/>
+                <c:pt idx="0">
+                  <c:v>95.3</c:v>
+                </c:pt>
+                <c:pt idx="1">
+                  <c:v>49.8</c:v>
+                </c:pt>
+                <c:pt idx="2">
+                  <c:v>27.2</c:v>
+                </c:pt>
+                <c:pt idx="3">
+                  <c:v>26.2</c:v>
+                </c:pt>
+                <c:pt idx="4">
+                  <c:v>16.7</c:v>
+                </c:pt>
+                <c:pt idx="5">
+                  <c:v>13.4</c:v>
+                </c:pt>
+                <c:pt idx="6">
+                  <c:v>5.6</c:v>
+                </c:pt>
+                <c:pt idx="7">
+                  <c:v>24.2</c:v>
+                </c:pt>
+              </c:numCache>
+            </c:numRef>
+          </c:val>
+          <c:extLst>
+            <c:ext xmlns:c16="http://schemas.microsoft.com/office/drawing/2014/chart" uri="{C3380CC4-5D6E-409C-BE32-E72D297353CC}">
+              <c16:uniqueId val="{00000000-5D3D-4702-9DA8-F7CECDD1FBF3}"/>
+            </c:ext>
+          </c:extLst>
+        </c:ser>
+        <c:ser>
+          <c:idx val="1"/>
+          <c:order val="1"/>
+          <c:spPr>
+            <a:solidFill>
+              <a:schemeClr val="accent1"/>
+            </a:solidFill>
+            <a:ln>
+              <a:noFill/>
+            </a:ln>
+            <a:effectLst/>
+          </c:spPr>
+          <c:invertIfNegative val="0"/>
+          <c:cat>
+            <c:numRef>
+              <c:f>Лист1!$B$45:$B$52</c:f>
+              <c:numCache>
+                <c:formatCode>General</c:formatCode>
+                <c:ptCount val="8"/>
+                <c:pt idx="0">
+                  <c:v>3</c:v>
+                </c:pt>
+                <c:pt idx="1">
+                  <c:v>4</c:v>
+                </c:pt>
+                <c:pt idx="2">
+                  <c:v>5</c:v>
+                </c:pt>
+                <c:pt idx="3">
+                  <c:v>6</c:v>
+                </c:pt>
+                <c:pt idx="4">
+                  <c:v>7</c:v>
+                </c:pt>
+                <c:pt idx="5">
+                  <c:v>8</c:v>
+                </c:pt>
+                <c:pt idx="6">
+                  <c:v>9</c:v>
+                </c:pt>
+                <c:pt idx="7">
+                  <c:v>10</c:v>
+                </c:pt>
+              </c:numCache>
+            </c:numRef>
+          </c:cat>
+          <c:val>
+            <c:numRef>
+              <c:f>Лист1!$D$45:$D$52</c:f>
+              <c:numCache>
+                <c:formatCode>General</c:formatCode>
+                <c:ptCount val="8"/>
+                <c:pt idx="0">
+                  <c:v>100</c:v>
+                </c:pt>
+                <c:pt idx="1">
+                  <c:v>85.5</c:v>
+                </c:pt>
+                <c:pt idx="2">
+                  <c:v>86.9</c:v>
+                </c:pt>
+                <c:pt idx="3">
+                  <c:v>49.9</c:v>
+                </c:pt>
+                <c:pt idx="4">
+                  <c:v>87.7</c:v>
+                </c:pt>
+                <c:pt idx="5">
+                  <c:v>57.8</c:v>
+                </c:pt>
+                <c:pt idx="6">
+                  <c:v>92.3</c:v>
+                </c:pt>
+                <c:pt idx="7">
+                  <c:v>48.3</c:v>
+                </c:pt>
+              </c:numCache>
+            </c:numRef>
+          </c:val>
+          <c:extLst>
+            <c:ext xmlns:c16="http://schemas.microsoft.com/office/drawing/2014/chart" uri="{C3380CC4-5D6E-409C-BE32-E72D297353CC}">
+              <c16:uniqueId val="{00000001-5D3D-4702-9DA8-F7CECDD1FBF3}"/>
+            </c:ext>
+          </c:extLst>
+        </c:ser>
+        <c:dLbls>
+          <c:showLegendKey val="0"/>
+          <c:showVal val="0"/>
+          <c:showCatName val="0"/>
+          <c:showSerName val="0"/>
+          <c:showPercent val="0"/>
+          <c:showBubbleSize val="0"/>
+        </c:dLbls>
+        <c:gapWidth val="219"/>
+        <c:overlap val="-27"/>
+        <c:axId val="565634576"/>
+        <c:axId val="565631624"/>
+      </c:barChart>
+      <c:catAx>
+        <c:axId val="565634576"/>
+        <c:scaling>
+          <c:orientation val="minMax"/>
+        </c:scaling>
+        <c:delete val="0"/>
+        <c:axPos val="b"/>
+        <c:numFmt formatCode="General" sourceLinked="1"/>
+        <c:majorTickMark val="none"/>
+        <c:minorTickMark val="none"/>
+        <c:tickLblPos val="nextTo"/>
+        <c:spPr>
+          <a:noFill/>
+          <a:ln w="9525" cap="flat" cmpd="sng" algn="ctr">
+            <a:solidFill>
+              <a:schemeClr val="tx1">
+                <a:lumMod val="15000"/>
+                <a:lumOff val="85000"/>
+              </a:schemeClr>
+            </a:solidFill>
+            <a:round/>
+          </a:ln>
+          <a:effectLst/>
+        </c:spPr>
+        <c:txPr>
+          <a:bodyPr rot="-60000000" spcFirstLastPara="1" vertOverflow="ellipsis" vert="horz" wrap="square" anchor="ctr" anchorCtr="1"/>
+          <a:lstStyle/>
+          <a:p>
+            <a:pPr>
+              <a:defRPr sz="900" b="0" i="0" u="none" strike="noStrike" kern="1200" baseline="0">
+                <a:solidFill>
+                  <a:schemeClr val="bg2"/>
+                </a:solidFill>
+                <a:latin typeface="+mn-lt"/>
+                <a:ea typeface="+mn-ea"/>
+                <a:cs typeface="+mn-cs"/>
+              </a:defRPr>
+            </a:pPr>
+            <a:endParaRPr lang="ru-RU"/>
+          </a:p>
+        </c:txPr>
+        <c:crossAx val="565631624"/>
+        <c:crosses val="autoZero"/>
+        <c:auto val="1"/>
+        <c:lblAlgn val="ctr"/>
+        <c:lblOffset val="100"/>
+        <c:noMultiLvlLbl val="0"/>
+      </c:catAx>
+      <c:valAx>
+        <c:axId val="565631624"/>
+        <c:scaling>
+          <c:orientation val="minMax"/>
+        </c:scaling>
+        <c:delete val="0"/>
+        <c:axPos val="l"/>
+        <c:majorGridlines>
+          <c:spPr>
+            <a:ln w="9525" cap="flat" cmpd="sng" algn="ctr">
+              <a:solidFill>
+                <a:schemeClr val="tx1">
+                  <a:lumMod val="15000"/>
+                  <a:lumOff val="85000"/>
+                </a:schemeClr>
+              </a:solidFill>
+              <a:round/>
+            </a:ln>
+            <a:effectLst/>
+          </c:spPr>
+        </c:majorGridlines>
+        <c:numFmt formatCode="General" sourceLinked="1"/>
+        <c:majorTickMark val="none"/>
+        <c:minorTickMark val="none"/>
+        <c:tickLblPos val="nextTo"/>
+        <c:spPr>
+          <a:noFill/>
+          <a:ln>
+            <a:noFill/>
+          </a:ln>
+          <a:effectLst/>
+        </c:spPr>
+        <c:txPr>
+          <a:bodyPr rot="-60000000" spcFirstLastPara="1" vertOverflow="ellipsis" vert="horz" wrap="square" anchor="ctr" anchorCtr="1"/>
+          <a:lstStyle/>
+          <a:p>
+            <a:pPr>
+              <a:defRPr sz="900" b="0" i="0" u="none" strike="noStrike" kern="1200" baseline="0">
+                <a:solidFill>
+                  <a:schemeClr val="bg2"/>
+                </a:solidFill>
+                <a:latin typeface="+mn-lt"/>
+                <a:ea typeface="+mn-ea"/>
+                <a:cs typeface="+mn-cs"/>
+              </a:defRPr>
+            </a:pPr>
+            <a:endParaRPr lang="ru-RU"/>
+          </a:p>
+        </c:txPr>
+        <c:crossAx val="565634576"/>
+        <c:crosses val="autoZero"/>
+        <c:crossBetween val="between"/>
+      </c:valAx>
+      <c:spPr>
+        <a:noFill/>
+        <a:ln>
+          <a:noFill/>
+        </a:ln>
+        <a:effectLst/>
+      </c:spPr>
+    </c:plotArea>
+    <c:plotVisOnly val="1"/>
+    <c:dispBlanksAs val="gap"/>
+    <c:showDLblsOverMax val="0"/>
+  </c:chart>
+  <c:spPr>
+    <a:noFill/>
+    <a:ln>
+      <a:noFill/>
+    </a:ln>
+    <a:effectLst/>
+  </c:spPr>
+  <c:txPr>
+    <a:bodyPr/>
+    <a:lstStyle/>
+    <a:p>
+      <a:pPr>
+        <a:defRPr>
+          <a:solidFill>
+            <a:schemeClr val="bg2"/>
+          </a:solidFill>
+        </a:defRPr>
+      </a:pPr>
+      <a:endParaRPr lang="ru-RU"/>
+    </a:p>
+  </c:txPr>
+  <c:externalData r:id="rId3">
+    <c:autoUpdate val="0"/>
+  </c:externalData>
+</c:chartSpace>
+</file>
+
+<file path=ppt/charts/colors1.xml><?xml version="1.0" encoding="utf-8"?>
+<cs:colorStyle xmlns:cs="http://schemas.microsoft.com/office/drawing/2012/chartStyle" xmlns:a="http://schemas.openxmlformats.org/drawingml/2006/main" meth="cycle" id="10">
+  <a:schemeClr val="accent1"/>
+  <a:schemeClr val="accent2"/>
+  <a:schemeClr val="accent3"/>
+  <a:schemeClr val="accent4"/>
+  <a:schemeClr val="accent5"/>
+  <a:schemeClr val="accent6"/>
+  <cs:variation/>
+  <cs:variation>
+    <a:lumMod val="60000"/>
+  </cs:variation>
+  <cs:variation>
+    <a:lumMod val="80000"/>
+    <a:lumOff val="20000"/>
+  </cs:variation>
+  <cs:variation>
+    <a:lumMod val="80000"/>
+  </cs:variation>
+  <cs:variation>
+    <a:lumMod val="60000"/>
+    <a:lumOff val="40000"/>
+  </cs:variation>
+  <cs:variation>
+    <a:lumMod val="50000"/>
+  </cs:variation>
+  <cs:variation>
+    <a:lumMod val="70000"/>
+    <a:lumOff val="30000"/>
+  </cs:variation>
+  <cs:variation>
+    <a:lumMod val="70000"/>
+  </cs:variation>
+  <cs:variation>
+    <a:lumMod val="50000"/>
+    <a:lumOff val="50000"/>
+  </cs:variation>
+</cs:colorStyle>
+</file>
+
+<file path=ppt/charts/colors2.xml><?xml version="1.0" encoding="utf-8"?>
+<cs:colorStyle xmlns:cs="http://schemas.microsoft.com/office/drawing/2012/chartStyle" xmlns:a="http://schemas.openxmlformats.org/drawingml/2006/main" meth="cycle" id="10">
+  <a:schemeClr val="accent1"/>
+  <a:schemeClr val="accent2"/>
+  <a:schemeClr val="accent3"/>
+  <a:schemeClr val="accent4"/>
+  <a:schemeClr val="accent5"/>
+  <a:schemeClr val="accent6"/>
+  <cs:variation/>
+  <cs:variation>
+    <a:lumMod val="60000"/>
+  </cs:variation>
+  <cs:variation>
+    <a:lumMod val="80000"/>
+    <a:lumOff val="20000"/>
+  </cs:variation>
+  <cs:variation>
+    <a:lumMod val="80000"/>
+  </cs:variation>
+  <cs:variation>
+    <a:lumMod val="60000"/>
+    <a:lumOff val="40000"/>
+  </cs:variation>
+  <cs:variation>
+    <a:lumMod val="50000"/>
+  </cs:variation>
+  <cs:variation>
+    <a:lumMod val="70000"/>
+    <a:lumOff val="30000"/>
+  </cs:variation>
+  <cs:variation>
+    <a:lumMod val="70000"/>
+  </cs:variation>
+  <cs:variation>
+    <a:lumMod val="50000"/>
+    <a:lumOff val="50000"/>
+  </cs:variation>
+</cs:colorStyle>
+</file>
+
+<file path=ppt/charts/colors3.xml><?xml version="1.0" encoding="utf-8"?>
+<cs:colorStyle xmlns:cs="http://schemas.microsoft.com/office/drawing/2012/chartStyle" xmlns:a="http://schemas.openxmlformats.org/drawingml/2006/main" meth="cycle" id="10">
+  <a:schemeClr val="accent1"/>
+  <a:schemeClr val="accent2"/>
+  <a:schemeClr val="accent3"/>
+  <a:schemeClr val="accent4"/>
+  <a:schemeClr val="accent5"/>
+  <a:schemeClr val="accent6"/>
+  <cs:variation/>
+  <cs:variation>
+    <a:lumMod val="60000"/>
+  </cs:variation>
+  <cs:variation>
+    <a:lumMod val="80000"/>
+    <a:lumOff val="20000"/>
+  </cs:variation>
+  <cs:variation>
+    <a:lumMod val="80000"/>
+  </cs:variation>
+  <cs:variation>
+    <a:lumMod val="60000"/>
+    <a:lumOff val="40000"/>
+  </cs:variation>
+  <cs:variation>
+    <a:lumMod val="50000"/>
+  </cs:variation>
+  <cs:variation>
+    <a:lumMod val="70000"/>
+    <a:lumOff val="30000"/>
+  </cs:variation>
+  <cs:variation>
+    <a:lumMod val="70000"/>
+  </cs:variation>
+  <cs:variation>
+    <a:lumMod val="50000"/>
+    <a:lumOff val="50000"/>
+  </cs:variation>
+</cs:colorStyle>
+</file>
+
+<file path=ppt/charts/colors4.xml><?xml version="1.0" encoding="utf-8"?>
+<cs:colorStyle xmlns:cs="http://schemas.microsoft.com/office/drawing/2012/chartStyle" xmlns:a="http://schemas.openxmlformats.org/drawingml/2006/main" meth="cycle" id="10">
+  <a:schemeClr val="accent1"/>
+  <a:schemeClr val="accent2"/>
+  <a:schemeClr val="accent3"/>
+  <a:schemeClr val="accent4"/>
+  <a:schemeClr val="accent5"/>
+  <a:schemeClr val="accent6"/>
+  <cs:variation/>
+  <cs:variation>
+    <a:lumMod val="60000"/>
+  </cs:variation>
+  <cs:variation>
+    <a:lumMod val="80000"/>
+    <a:lumOff val="20000"/>
+  </cs:variation>
+  <cs:variation>
+    <a:lumMod val="80000"/>
+  </cs:variation>
+  <cs:variation>
+    <a:lumMod val="60000"/>
+    <a:lumOff val="40000"/>
+  </cs:variation>
+  <cs:variation>
+    <a:lumMod val="50000"/>
+  </cs:variation>
+  <cs:variation>
+    <a:lumMod val="70000"/>
+    <a:lumOff val="30000"/>
+  </cs:variation>
+  <cs:variation>
+    <a:lumMod val="70000"/>
+  </cs:variation>
+  <cs:variation>
+    <a:lumMod val="50000"/>
+    <a:lumOff val="50000"/>
+  </cs:variation>
+</cs:colorStyle>
+</file>
+
+<file path=ppt/charts/colors5.xml><?xml version="1.0" encoding="utf-8"?>
+<cs:colorStyle xmlns:cs="http://schemas.microsoft.com/office/drawing/2012/chartStyle" xmlns:a="http://schemas.openxmlformats.org/drawingml/2006/main" meth="cycle" id="10">
+  <a:schemeClr val="accent1"/>
+  <a:schemeClr val="accent2"/>
+  <a:schemeClr val="accent3"/>
+  <a:schemeClr val="accent4"/>
+  <a:schemeClr val="accent5"/>
+  <a:schemeClr val="accent6"/>
+  <cs:variation/>
+  <cs:variation>
+    <a:lumMod val="60000"/>
+  </cs:variation>
+  <cs:variation>
+    <a:lumMod val="80000"/>
+    <a:lumOff val="20000"/>
+  </cs:variation>
+  <cs:variation>
+    <a:lumMod val="80000"/>
+  </cs:variation>
+  <cs:variation>
+    <a:lumMod val="60000"/>
+    <a:lumOff val="40000"/>
+  </cs:variation>
+  <cs:variation>
+    <a:lumMod val="50000"/>
+  </cs:variation>
+  <cs:variation>
+    <a:lumMod val="70000"/>
+    <a:lumOff val="30000"/>
+  </cs:variation>
+  <cs:variation>
+    <a:lumMod val="70000"/>
+  </cs:variation>
+  <cs:variation>
+    <a:lumMod val="50000"/>
+    <a:lumOff val="50000"/>
+  </cs:variation>
+</cs:colorStyle>
+</file>
+
+<file path=ppt/charts/colors6.xml><?xml version="1.0" encoding="utf-8"?>
+<cs:colorStyle xmlns:cs="http://schemas.microsoft.com/office/drawing/2012/chartStyle" xmlns:a="http://schemas.openxmlformats.org/drawingml/2006/main" meth="cycle" id="10">
+  <a:schemeClr val="accent1"/>
+  <a:schemeClr val="accent2"/>
+  <a:schemeClr val="accent3"/>
+  <a:schemeClr val="accent4"/>
+  <a:schemeClr val="accent5"/>
+  <a:schemeClr val="accent6"/>
+  <cs:variation/>
+  <cs:variation>
+    <a:lumMod val="60000"/>
+  </cs:variation>
+  <cs:variation>
+    <a:lumMod val="80000"/>
+    <a:lumOff val="20000"/>
+  </cs:variation>
+  <cs:variation>
+    <a:lumMod val="80000"/>
+  </cs:variation>
+  <cs:variation>
+    <a:lumMod val="60000"/>
+    <a:lumOff val="40000"/>
+  </cs:variation>
+  <cs:variation>
+    <a:lumMod val="50000"/>
+  </cs:variation>
+  <cs:variation>
+    <a:lumMod val="70000"/>
+    <a:lumOff val="30000"/>
+  </cs:variation>
+  <cs:variation>
+    <a:lumMod val="70000"/>
+  </cs:variation>
+  <cs:variation>
+    <a:lumMod val="50000"/>
+    <a:lumOff val="50000"/>
+  </cs:variation>
+</cs:colorStyle>
+</file>
+
+<file path=ppt/charts/style1.xml><?xml version="1.0" encoding="utf-8"?>
+<cs:chartStyle xmlns:cs="http://schemas.microsoft.com/office/drawing/2012/chartStyle" xmlns:a="http://schemas.openxmlformats.org/drawingml/2006/main" id="227">
+  <cs:axisTitle>
+    <cs:lnRef idx="0"/>
+    <cs:fillRef idx="0"/>
+    <cs:effectRef idx="0"/>
+    <cs:fontRef idx="minor">
+      <a:schemeClr val="tx1">
+        <a:lumMod val="65000"/>
+        <a:lumOff val="35000"/>
+      </a:schemeClr>
+    </cs:fontRef>
+    <cs:defRPr sz="1000" kern="1200"/>
+  </cs:axisTitle>
+  <cs:categoryAxis>
+    <cs:lnRef idx="0"/>
+    <cs:fillRef idx="0"/>
+    <cs:effectRef idx="0"/>
+    <cs:fontRef idx="minor">
+      <a:schemeClr val="tx1">
+        <a:lumMod val="65000"/>
+        <a:lumOff val="35000"/>
+      </a:schemeClr>
+    </cs:fontRef>
+    <cs:spPr>
+      <a:ln w="9525" cap="flat" cmpd="sng" algn="ctr">
+        <a:solidFill>
+          <a:schemeClr val="tx1">
+            <a:lumMod val="15000"/>
+            <a:lumOff val="85000"/>
+          </a:schemeClr>
+        </a:solidFill>
+        <a:round/>
+      </a:ln>
+    </cs:spPr>
+    <cs:defRPr sz="900" kern="1200"/>
+  </cs:categoryAxis>
+  <cs:chartArea mods="allowNoFillOverride allowNoLineOverride">
+    <cs:lnRef idx="0"/>
+    <cs:fillRef idx="0"/>
+    <cs:effectRef idx="0"/>
+    <cs:fontRef idx="minor">
+      <a:schemeClr val="tx1"/>
+    </cs:fontRef>
+    <cs:spPr>
+      <a:solidFill>
+        <a:schemeClr val="bg1"/>
+      </a:solidFill>
+      <a:ln w="9525" cap="flat" cmpd="sng" algn="ctr">
+        <a:solidFill>
+          <a:schemeClr val="tx1">
+            <a:lumMod val="15000"/>
+            <a:lumOff val="85000"/>
+          </a:schemeClr>
+        </a:solidFill>
+        <a:round/>
+      </a:ln>
+    </cs:spPr>
+    <cs:defRPr sz="1000" kern="1200"/>
+  </cs:chartArea>
+  <cs:dataLabel>
+    <cs:lnRef idx="0"/>
+    <cs:fillRef idx="0"/>
+    <cs:effectRef idx="0"/>
+    <cs:fontRef idx="minor">
+      <a:schemeClr val="tx1">
+        <a:lumMod val="75000"/>
+        <a:lumOff val="25000"/>
+      </a:schemeClr>
+    </cs:fontRef>
+    <cs:defRPr sz="900" kern="1200"/>
+  </cs:dataLabel>
+  <cs:dataLabelCallout>
+    <cs:lnRef idx="0"/>
+    <cs:fillRef idx="0"/>
+    <cs:effectRef idx="0"/>
+    <cs:fontRef idx="minor">
+      <a:schemeClr val="dk1">
+        <a:lumMod val="65000"/>
+        <a:lumOff val="35000"/>
+      </a:schemeClr>
+    </cs:fontRef>
+    <cs:spPr>
+      <a:solidFill>
+        <a:schemeClr val="lt1"/>
+      </a:solidFill>
+      <a:ln>
+        <a:solidFill>
+          <a:schemeClr val="dk1">
+            <a:lumMod val="25000"/>
+            <a:lumOff val="75000"/>
+          </a:schemeClr>
+        </a:solidFill>
+      </a:ln>
+    </cs:spPr>
+    <cs:defRPr sz="900" kern="1200"/>
+    <cs:bodyPr rot="0" spcFirstLastPara="1" vertOverflow="clip" horzOverflow="clip" vert="horz" wrap="square" lIns="36576" tIns="18288" rIns="36576" bIns="18288" anchor="ctr" anchorCtr="1">
+      <a:spAutoFit/>
+    </cs:bodyPr>
+  </cs:dataLabelCallout>
+  <cs:dataPoint>
+    <cs:lnRef idx="0"/>
+    <cs:fillRef idx="1">
+      <cs:styleClr val="auto"/>
+    </cs:fillRef>
+    <cs:effectRef idx="0"/>
+    <cs:fontRef idx="minor">
+      <a:schemeClr val="tx1"/>
+    </cs:fontRef>
+    <cs:spPr>
+      <a:solidFill>
+        <a:schemeClr val="phClr"/>
+      </a:solidFill>
+    </cs:spPr>
+  </cs:dataPoint>
+  <cs:dataPoint3D>
+    <cs:lnRef idx="0"/>
+    <cs:fillRef idx="1">
+      <cs:styleClr val="auto"/>
+    </cs:fillRef>
+    <cs:effectRef idx="0"/>
+    <cs:fontRef idx="minor">
+      <a:schemeClr val="tx1"/>
+    </cs:fontRef>
+    <cs:spPr>
+      <a:solidFill>
+        <a:schemeClr val="phClr"/>
+      </a:solidFill>
+    </cs:spPr>
+  </cs:dataPoint3D>
+  <cs:dataPointLine>
+    <cs:lnRef idx="0">
+      <cs:styleClr val="auto"/>
+    </cs:lnRef>
+    <cs:fillRef idx="1"/>
+    <cs:effectRef idx="0"/>
+    <cs:fontRef idx="minor">
+      <a:schemeClr val="tx1"/>
+    </cs:fontRef>
+    <cs:spPr>
+      <a:ln w="28575" cap="rnd">
+        <a:solidFill>
+          <a:schemeClr val="phClr"/>
+        </a:solidFill>
+        <a:round/>
+      </a:ln>
+    </cs:spPr>
+  </cs:dataPointLine>
+  <cs:dataPointMarker>
+    <cs:lnRef idx="0">
+      <cs:styleClr val="auto"/>
+    </cs:lnRef>
+    <cs:fillRef idx="1">
+      <cs:styleClr val="auto"/>
+    </cs:fillRef>
+    <cs:effectRef idx="0"/>
+    <cs:fontRef idx="minor">
+      <a:schemeClr val="tx1"/>
+    </cs:fontRef>
+    <cs:spPr>
+      <a:solidFill>
+        <a:schemeClr val="phClr"/>
+      </a:solidFill>
+      <a:ln w="9525">
+        <a:solidFill>
+          <a:schemeClr val="phClr"/>
+        </a:solidFill>
+      </a:ln>
+    </cs:spPr>
+  </cs:dataPointMarker>
+  <cs:dataPointMarkerLayout symbol="circle" size="5"/>
+  <cs:dataPointWireframe>
+    <cs:lnRef idx="0">
+      <cs:styleClr val="auto"/>
+    </cs:lnRef>
+    <cs:fillRef idx="1"/>
+    <cs:effectRef idx="0"/>
+    <cs:fontRef idx="minor">
+      <a:schemeClr val="tx1"/>
+    </cs:fontRef>
+    <cs:spPr>
+      <a:ln w="9525" cap="rnd">
+        <a:solidFill>
+          <a:schemeClr val="phClr"/>
+        </a:solidFill>
+        <a:round/>
+      </a:ln>
+    </cs:spPr>
+  </cs:dataPointWireframe>
+  <cs:dataTable>
+    <cs:lnRef idx="0"/>
+    <cs:fillRef idx="0"/>
+    <cs:effectRef idx="0"/>
+    <cs:fontRef idx="minor">
+      <a:schemeClr val="tx1">
+        <a:lumMod val="65000"/>
+        <a:lumOff val="35000"/>
+      </a:schemeClr>
+    </cs:fontRef>
+    <cs:spPr>
+      <a:noFill/>
+      <a:ln w="9525" cap="flat" cmpd="sng" algn="ctr">
+        <a:solidFill>
+          <a:schemeClr val="tx1">
+            <a:lumMod val="15000"/>
+            <a:lumOff val="85000"/>
+          </a:schemeClr>
+        </a:solidFill>
+        <a:round/>
+      </a:ln>
+    </cs:spPr>
+    <cs:defRPr sz="900" kern="1200"/>
+  </cs:dataTable>
+  <cs:downBar>
+    <cs:lnRef idx="0"/>
+    <cs:fillRef idx="0"/>
+    <cs:effectRef idx="0"/>
+    <cs:fontRef idx="minor">
+      <a:schemeClr val="dk1"/>
+    </cs:fontRef>
+    <cs:spPr>
+      <a:solidFill>
+        <a:schemeClr val="dk1">
+          <a:lumMod val="65000"/>
+          <a:lumOff val="35000"/>
+        </a:schemeClr>
+      </a:solidFill>
+      <a:ln w="9525">
+        <a:solidFill>
+          <a:schemeClr val="tx1">
+            <a:lumMod val="65000"/>
+            <a:lumOff val="35000"/>
+          </a:schemeClr>
+        </a:solidFill>
+      </a:ln>
+    </cs:spPr>
+  </cs:downBar>
+  <cs:dropLine>
+    <cs:lnRef idx="0"/>
+    <cs:fillRef idx="0"/>
+    <cs:effectRef idx="0"/>
+    <cs:fontRef idx="minor">
+      <a:schemeClr val="tx1"/>
+    </cs:fontRef>
+    <cs:spPr>
+      <a:ln w="9525" cap="flat" cmpd="sng" algn="ctr">
+        <a:solidFill>
+          <a:schemeClr val="tx1">
+            <a:lumMod val="35000"/>
+            <a:lumOff val="65000"/>
+          </a:schemeClr>
+        </a:solidFill>
+        <a:round/>
+      </a:ln>
+    </cs:spPr>
+  </cs:dropLine>
+  <cs:errorBar>
+    <cs:lnRef idx="0"/>
+    <cs:fillRef idx="0"/>
+    <cs:effectRef idx="0"/>
+    <cs:fontRef idx="minor">
+      <a:schemeClr val="tx1"/>
+    </cs:fontRef>
+    <cs:spPr>
+      <a:ln w="9525" cap="flat" cmpd="sng" algn="ctr">
+        <a:solidFill>
+          <a:schemeClr val="tx1">
+            <a:lumMod val="65000"/>
+            <a:lumOff val="35000"/>
+          </a:schemeClr>
+        </a:solidFill>
+        <a:round/>
+      </a:ln>
+    </cs:spPr>
+  </cs:errorBar>
+  <cs:floor>
+    <cs:lnRef idx="0"/>
+    <cs:fillRef idx="0"/>
+    <cs:effectRef idx="0"/>
+    <cs:fontRef idx="minor">
+      <a:schemeClr val="tx1"/>
+    </cs:fontRef>
+    <cs:spPr>
+      <a:noFill/>
+      <a:ln>
+        <a:noFill/>
+      </a:ln>
+    </cs:spPr>
+  </cs:floor>
+  <cs:gridlineMajor>
+    <cs:lnRef idx="0"/>
+    <cs:fillRef idx="0"/>
+    <cs:effectRef idx="0"/>
+    <cs:fontRef idx="minor">
+      <a:schemeClr val="tx1"/>
+    </cs:fontRef>
+    <cs:spPr>
+      <a:ln w="9525" cap="flat" cmpd="sng" algn="ctr">
+        <a:solidFill>
+          <a:schemeClr val="tx1">
+            <a:lumMod val="15000"/>
+            <a:lumOff val="85000"/>
+          </a:schemeClr>
+        </a:solidFill>
+        <a:round/>
+      </a:ln>
+    </cs:spPr>
+  </cs:gridlineMajor>
+  <cs:gridlineMinor>
+    <cs:lnRef idx="0"/>
+    <cs:fillRef idx="0"/>
+    <cs:effectRef idx="0"/>
+    <cs:fontRef idx="minor">
+      <a:schemeClr val="tx1"/>
+    </cs:fontRef>
+    <cs:spPr>
+      <a:ln w="9525" cap="flat" cmpd="sng" algn="ctr">
+        <a:solidFill>
+          <a:schemeClr val="tx1">
+            <a:lumMod val="5000"/>
+            <a:lumOff val="95000"/>
+          </a:schemeClr>
+        </a:solidFill>
+        <a:round/>
+      </a:ln>
+    </cs:spPr>
+  </cs:gridlineMinor>
+  <cs:hiLoLine>
+    <cs:lnRef idx="0"/>
+    <cs:fillRef idx="0"/>
+    <cs:effectRef idx="0"/>
+    <cs:fontRef idx="minor">
+      <a:schemeClr val="tx1"/>
+    </cs:fontRef>
+    <cs:spPr>
+      <a:ln w="9525" cap="flat" cmpd="sng" algn="ctr">
+        <a:solidFill>
+          <a:schemeClr val="tx1">
+            <a:lumMod val="75000"/>
+            <a:lumOff val="25000"/>
+          </a:schemeClr>
+        </a:solidFill>
+        <a:round/>
+      </a:ln>
+    </cs:spPr>
+  </cs:hiLoLine>
+  <cs:leaderLine>
+    <cs:lnRef idx="0"/>
+    <cs:fillRef idx="0"/>
+    <cs:effectRef idx="0"/>
+    <cs:fontRef idx="minor">
+      <a:schemeClr val="tx1"/>
+    </cs:fontRef>
+    <cs:spPr>
+      <a:ln w="9525" cap="flat" cmpd="sng" algn="ctr">
+        <a:solidFill>
+          <a:schemeClr val="tx1">
+            <a:lumMod val="35000"/>
+            <a:lumOff val="65000"/>
+          </a:schemeClr>
+        </a:solidFill>
+        <a:round/>
+      </a:ln>
+    </cs:spPr>
+  </cs:leaderLine>
+  <cs:legend>
+    <cs:lnRef idx="0"/>
+    <cs:fillRef idx="0"/>
+    <cs:effectRef idx="0"/>
+    <cs:fontRef idx="minor">
+      <a:schemeClr val="tx1">
+        <a:lumMod val="65000"/>
+        <a:lumOff val="35000"/>
+      </a:schemeClr>
+    </cs:fontRef>
+    <cs:defRPr sz="900" kern="1200"/>
+  </cs:legend>
+  <cs:plotArea mods="allowNoFillOverride allowNoLineOverride">
+    <cs:lnRef idx="0"/>
+    <cs:fillRef idx="0"/>
+    <cs:effectRef idx="0"/>
+    <cs:fontRef idx="minor">
+      <a:schemeClr val="tx1"/>
+    </cs:fontRef>
+  </cs:plotArea>
+  <cs:plotArea3D mods="allowNoFillOverride allowNoLineOverride">
+    <cs:lnRef idx="0"/>
+    <cs:fillRef idx="0"/>
+    <cs:effectRef idx="0"/>
+    <cs:fontRef idx="minor">
+      <a:schemeClr val="tx1"/>
+    </cs:fontRef>
+  </cs:plotArea3D>
+  <cs:seriesAxis>
+    <cs:lnRef idx="0"/>
+    <cs:fillRef idx="0"/>
+    <cs:effectRef idx="0"/>
+    <cs:fontRef idx="minor">
+      <a:schemeClr val="tx1">
+        <a:lumMod val="65000"/>
+        <a:lumOff val="35000"/>
+      </a:schemeClr>
+    </cs:fontRef>
+    <cs:defRPr sz="900" kern="1200"/>
+  </cs:seriesAxis>
+  <cs:seriesLine>
+    <cs:lnRef idx="0"/>
+    <cs:fillRef idx="0"/>
+    <cs:effectRef idx="0"/>
+    <cs:fontRef idx="minor">
+      <a:schemeClr val="tx1"/>
+    </cs:fontRef>
+    <cs:spPr>
+      <a:ln w="9525" cap="flat" cmpd="sng" algn="ctr">
+        <a:solidFill>
+          <a:schemeClr val="tx1">
+            <a:lumMod val="35000"/>
+            <a:lumOff val="65000"/>
+          </a:schemeClr>
+        </a:solidFill>
+        <a:round/>
+      </a:ln>
+    </cs:spPr>
+  </cs:seriesLine>
+  <cs:title>
+    <cs:lnRef idx="0"/>
+    <cs:fillRef idx="0"/>
+    <cs:effectRef idx="0"/>
+    <cs:fontRef idx="minor">
+      <a:schemeClr val="tx1">
+        <a:lumMod val="65000"/>
+        <a:lumOff val="35000"/>
+      </a:schemeClr>
+    </cs:fontRef>
+    <cs:defRPr sz="1400" b="0" kern="1200" spc="0" baseline="0"/>
+  </cs:title>
+  <cs:trendline>
+    <cs:lnRef idx="0">
+      <cs:styleClr val="auto"/>
+    </cs:lnRef>
+    <cs:fillRef idx="0"/>
+    <cs:effectRef idx="0"/>
+    <cs:fontRef idx="minor">
+      <a:schemeClr val="tx1"/>
+    </cs:fontRef>
+    <cs:spPr>
+      <a:ln w="19050" cap="rnd">
+        <a:solidFill>
+          <a:schemeClr val="phClr"/>
+        </a:solidFill>
+        <a:prstDash val="sysDot"/>
+      </a:ln>
+    </cs:spPr>
+  </cs:trendline>
+  <cs:trendlineLabel>
+    <cs:lnRef idx="0"/>
+    <cs:fillRef idx="0"/>
+    <cs:effectRef idx="0"/>
+    <cs:fontRef idx="minor">
+      <a:schemeClr val="tx1">
+        <a:lumMod val="65000"/>
+        <a:lumOff val="35000"/>
+      </a:schemeClr>
+    </cs:fontRef>
+    <cs:defRPr sz="900" kern="1200"/>
+  </cs:trendlineLabel>
+  <cs:upBar>
+    <cs:lnRef idx="0"/>
+    <cs:fillRef idx="0"/>
+    <cs:effectRef idx="0"/>
+    <cs:fontRef idx="minor">
+      <a:schemeClr val="dk1"/>
+    </cs:fontRef>
+    <cs:spPr>
+      <a:solidFill>
+        <a:schemeClr val="lt1"/>
+      </a:solidFill>
+      <a:ln w="9525">
+        <a:solidFill>
+          <a:schemeClr val="tx1">
+            <a:lumMod val="15000"/>
+            <a:lumOff val="85000"/>
+          </a:schemeClr>
+        </a:solidFill>
+      </a:ln>
+    </cs:spPr>
+  </cs:upBar>
+  <cs:valueAxis>
+    <cs:lnRef idx="0"/>
+    <cs:fillRef idx="0"/>
+    <cs:effectRef idx="0"/>
+    <cs:fontRef idx="minor">
+      <a:schemeClr val="tx1">
+        <a:lumMod val="65000"/>
+        <a:lumOff val="35000"/>
+      </a:schemeClr>
+    </cs:fontRef>
+    <cs:defRPr sz="900" kern="1200"/>
+  </cs:valueAxis>
+  <cs:wall>
+    <cs:lnRef idx="0"/>
+    <cs:fillRef idx="0"/>
+    <cs:effectRef idx="0"/>
+    <cs:fontRef idx="minor">
+      <a:schemeClr val="tx1"/>
+    </cs:fontRef>
+    <cs:spPr>
+      <a:noFill/>
+      <a:ln>
+        <a:noFill/>
+      </a:ln>
+    </cs:spPr>
+  </cs:wall>
+</cs:chartStyle>
+</file>
+
+<file path=ppt/charts/style2.xml><?xml version="1.0" encoding="utf-8"?>
+<cs:chartStyle xmlns:cs="http://schemas.microsoft.com/office/drawing/2012/chartStyle" xmlns:a="http://schemas.openxmlformats.org/drawingml/2006/main" id="240">
+  <cs:axisTitle>
+    <cs:lnRef idx="0"/>
+    <cs:fillRef idx="0"/>
+    <cs:effectRef idx="0"/>
+    <cs:fontRef idx="minor">
+      <a:schemeClr val="tx1">
+        <a:lumMod val="65000"/>
+        <a:lumOff val="35000"/>
+      </a:schemeClr>
+    </cs:fontRef>
+    <cs:defRPr sz="1000" kern="1200"/>
+  </cs:axisTitle>
+  <cs:categoryAxis>
+    <cs:lnRef idx="0"/>
+    <cs:fillRef idx="0"/>
+    <cs:effectRef idx="0"/>
+    <cs:fontRef idx="minor">
+      <a:schemeClr val="tx1">
+        <a:lumMod val="65000"/>
+        <a:lumOff val="35000"/>
+      </a:schemeClr>
+    </cs:fontRef>
+    <cs:spPr>
+      <a:ln w="9525" cap="flat" cmpd="sng" algn="ctr">
+        <a:solidFill>
+          <a:schemeClr val="tx1">
+            <a:lumMod val="25000"/>
+            <a:lumOff val="75000"/>
+          </a:schemeClr>
+        </a:solidFill>
+        <a:round/>
+      </a:ln>
+    </cs:spPr>
+    <cs:defRPr sz="900" kern="1200"/>
+  </cs:categoryAxis>
+  <cs:chartArea mods="allowNoFillOverride allowNoLineOverride">
+    <cs:lnRef idx="0"/>
+    <cs:fillRef idx="0"/>
+    <cs:effectRef idx="0"/>
+    <cs:fontRef idx="minor">
+      <a:schemeClr val="tx1"/>
+    </cs:fontRef>
+    <cs:spPr>
+      <a:solidFill>
+        <a:schemeClr val="bg1"/>
+      </a:solidFill>
+      <a:ln w="9525" cap="flat" cmpd="sng" algn="ctr">
+        <a:solidFill>
+          <a:schemeClr val="tx1">
+            <a:lumMod val="15000"/>
+            <a:lumOff val="85000"/>
+          </a:schemeClr>
+        </a:solidFill>
+        <a:round/>
+      </a:ln>
+    </cs:spPr>
+    <cs:defRPr sz="1000" kern="1200"/>
+  </cs:chartArea>
+  <cs:dataLabel>
+    <cs:lnRef idx="0"/>
+    <cs:fillRef idx="0"/>
+    <cs:effectRef idx="0"/>
+    <cs:fontRef idx="minor">
+      <a:schemeClr val="tx1">
+        <a:lumMod val="75000"/>
+        <a:lumOff val="25000"/>
+      </a:schemeClr>
+    </cs:fontRef>
+    <cs:defRPr sz="900" kern="1200"/>
+  </cs:dataLabel>
+  <cs:dataLabelCallout>
+    <cs:lnRef idx="0"/>
+    <cs:fillRef idx="0"/>
+    <cs:effectRef idx="0"/>
+    <cs:fontRef idx="minor">
+      <a:schemeClr val="dk1">
+        <a:lumMod val="65000"/>
+        <a:lumOff val="35000"/>
+      </a:schemeClr>
+    </cs:fontRef>
+    <cs:spPr>
+      <a:solidFill>
+        <a:schemeClr val="lt1"/>
+      </a:solidFill>
+      <a:ln>
+        <a:solidFill>
+          <a:schemeClr val="dk1">
+            <a:lumMod val="25000"/>
+            <a:lumOff val="75000"/>
+          </a:schemeClr>
+        </a:solidFill>
+      </a:ln>
+    </cs:spPr>
+    <cs:defRPr sz="900" kern="1200"/>
+    <cs:bodyPr rot="0" spcFirstLastPara="1" vertOverflow="clip" horzOverflow="clip" vert="horz" wrap="square" lIns="36576" tIns="18288" rIns="36576" bIns="18288" anchor="ctr" anchorCtr="1">
+      <a:spAutoFit/>
+    </cs:bodyPr>
+  </cs:dataLabelCallout>
+  <cs:dataPoint>
+    <cs:lnRef idx="0"/>
+    <cs:fillRef idx="1">
+      <cs:styleClr val="auto"/>
+    </cs:fillRef>
+    <cs:effectRef idx="0"/>
+    <cs:fontRef idx="minor">
+      <a:schemeClr val="tx1"/>
+    </cs:fontRef>
+  </cs:dataPoint>
+  <cs:dataPoint3D>
+    <cs:lnRef idx="0"/>
+    <cs:fillRef idx="1">
+      <cs:styleClr val="auto"/>
+    </cs:fillRef>
+    <cs:effectRef idx="0"/>
+    <cs:fontRef idx="minor">
+      <a:schemeClr val="tx1"/>
+    </cs:fontRef>
+  </cs:dataPoint3D>
+  <cs:dataPointLine>
+    <cs:lnRef idx="0">
+      <cs:styleClr val="auto"/>
+    </cs:lnRef>
+    <cs:fillRef idx="1"/>
+    <cs:effectRef idx="0"/>
+    <cs:fontRef idx="minor">
+      <a:schemeClr val="tx1"/>
+    </cs:fontRef>
+    <cs:spPr>
+      <a:ln w="19050" cap="rnd">
+        <a:solidFill>
+          <a:schemeClr val="phClr"/>
+        </a:solidFill>
+        <a:round/>
+      </a:ln>
+    </cs:spPr>
+  </cs:dataPointLine>
+  <cs:dataPointMarker>
+    <cs:lnRef idx="0">
+      <cs:styleClr val="auto"/>
+    </cs:lnRef>
+    <cs:fillRef idx="1">
+      <cs:styleClr val="auto"/>
+    </cs:fillRef>
+    <cs:effectRef idx="0"/>
+    <cs:fontRef idx="minor">
+      <a:schemeClr val="tx1"/>
+    </cs:fontRef>
+    <cs:spPr>
+      <a:ln w="9525">
+        <a:solidFill>
+          <a:schemeClr val="phClr"/>
+        </a:solidFill>
+      </a:ln>
+    </cs:spPr>
+  </cs:dataPointMarker>
+  <cs:dataPointMarkerLayout symbol="circle" size="5"/>
+  <cs:dataPointWireframe>
+    <cs:lnRef idx="0">
+      <cs:styleClr val="auto"/>
+    </cs:lnRef>
+    <cs:fillRef idx="0"/>
+    <cs:effectRef idx="0"/>
+    <cs:fontRef idx="minor">
+      <a:schemeClr val="dk1"/>
+    </cs:fontRef>
+    <cs:spPr>
+      <a:ln w="9525" cap="rnd">
+        <a:solidFill>
+          <a:schemeClr val="phClr"/>
+        </a:solidFill>
+        <a:round/>
+      </a:ln>
+    </cs:spPr>
+  </cs:dataPointWireframe>
+  <cs:dataTable>
+    <cs:lnRef idx="0"/>
+    <cs:fillRef idx="0"/>
+    <cs:effectRef idx="0"/>
+    <cs:fontRef idx="minor">
+      <a:schemeClr val="tx1">
+        <a:lumMod val="65000"/>
+        <a:lumOff val="35000"/>
+      </a:schemeClr>
+    </cs:fontRef>
+    <cs:spPr>
+      <a:noFill/>
+      <a:ln w="9525" cap="flat" cmpd="sng" algn="ctr">
+        <a:solidFill>
+          <a:schemeClr val="tx1">
+            <a:lumMod val="15000"/>
+            <a:lumOff val="85000"/>
+          </a:schemeClr>
+        </a:solidFill>
+        <a:round/>
+      </a:ln>
+    </cs:spPr>
+    <cs:defRPr sz="900" kern="1200"/>
+  </cs:dataTable>
+  <cs:downBar>
+    <cs:lnRef idx="0"/>
+    <cs:fillRef idx="0"/>
+    <cs:effectRef idx="0"/>
+    <cs:fontRef idx="minor">
+      <a:schemeClr val="tx1"/>
+    </cs:fontRef>
+    <cs:spPr>
+      <a:solidFill>
+        <a:schemeClr val="dk1">
+          <a:lumMod val="75000"/>
+          <a:lumOff val="25000"/>
+        </a:schemeClr>
+      </a:solidFill>
+      <a:ln w="9525" cap="flat" cmpd="sng" algn="ctr">
+        <a:solidFill>
+          <a:schemeClr val="tx1">
+            <a:lumMod val="65000"/>
+            <a:lumOff val="35000"/>
+          </a:schemeClr>
+        </a:solidFill>
+        <a:round/>
+      </a:ln>
+    </cs:spPr>
+  </cs:downBar>
+  <cs:dropLine>
+    <cs:lnRef idx="0"/>
+    <cs:fillRef idx="0"/>
+    <cs:effectRef idx="0"/>
+    <cs:fontRef idx="minor">
+      <a:schemeClr val="tx1"/>
+    </cs:fontRef>
+    <cs:spPr>
+      <a:ln w="9525" cap="flat" cmpd="sng" algn="ctr">
+        <a:solidFill>
+          <a:schemeClr val="tx1">
+            <a:lumMod val="35000"/>
+            <a:lumOff val="65000"/>
+          </a:schemeClr>
+        </a:solidFill>
+        <a:round/>
+      </a:ln>
+    </cs:spPr>
+  </cs:dropLine>
+  <cs:errorBar>
+    <cs:lnRef idx="0"/>
+    <cs:fillRef idx="0"/>
+    <cs:effectRef idx="0"/>
+    <cs:fontRef idx="minor">
+      <a:schemeClr val="tx1"/>
+    </cs:fontRef>
+    <cs:spPr>
+      <a:ln w="9525" cap="flat" cmpd="sng" algn="ctr">
+        <a:solidFill>
+          <a:schemeClr val="tx1">
+            <a:lumMod val="65000"/>
+            <a:lumOff val="35000"/>
+          </a:schemeClr>
+        </a:solidFill>
+        <a:round/>
+      </a:ln>
+    </cs:spPr>
+  </cs:errorBar>
+  <cs:floor>
+    <cs:lnRef idx="0"/>
+    <cs:fillRef idx="0"/>
+    <cs:effectRef idx="0"/>
+    <cs:fontRef idx="minor">
+      <a:schemeClr val="tx1"/>
+    </cs:fontRef>
+    <cs:spPr>
+      <a:noFill/>
+      <a:ln>
+        <a:noFill/>
+      </a:ln>
+    </cs:spPr>
+  </cs:floor>
+  <cs:gridlineMajor>
+    <cs:lnRef idx="0"/>
+    <cs:fillRef idx="0"/>
+    <cs:effectRef idx="0"/>
+    <cs:fontRef idx="minor">
+      <a:schemeClr val="tx1"/>
+    </cs:fontRef>
+    <cs:spPr>
+      <a:ln w="9525" cap="flat" cmpd="sng" algn="ctr">
+        <a:solidFill>
+          <a:schemeClr val="tx1">
+            <a:lumMod val="15000"/>
+            <a:lumOff val="85000"/>
+          </a:schemeClr>
+        </a:solidFill>
+        <a:round/>
+      </a:ln>
+    </cs:spPr>
+  </cs:gridlineMajor>
+  <cs:gridlineMinor>
+    <cs:lnRef idx="0"/>
+    <cs:fillRef idx="0"/>
+    <cs:effectRef idx="0"/>
+    <cs:fontRef idx="minor">
+      <a:schemeClr val="tx1"/>
+    </cs:fontRef>
+    <cs:spPr>
+      <a:ln w="9525" cap="flat" cmpd="sng" algn="ctr">
+        <a:solidFill>
+          <a:schemeClr val="tx1">
+            <a:lumMod val="5000"/>
+            <a:lumOff val="95000"/>
+          </a:schemeClr>
+        </a:solidFill>
+        <a:round/>
+      </a:ln>
+    </cs:spPr>
+  </cs:gridlineMinor>
+  <cs:hiLoLine>
+    <cs:lnRef idx="0"/>
+    <cs:fillRef idx="0"/>
+    <cs:effectRef idx="0"/>
+    <cs:fontRef idx="minor">
+      <a:schemeClr val="tx1"/>
+    </cs:fontRef>
+    <cs:spPr>
+      <a:ln w="9525" cap="flat" cmpd="sng" algn="ctr">
+        <a:solidFill>
+          <a:schemeClr val="tx1">
+            <a:lumMod val="50000"/>
+            <a:lumOff val="50000"/>
+          </a:schemeClr>
+        </a:solidFill>
+        <a:round/>
+      </a:ln>
+    </cs:spPr>
+  </cs:hiLoLine>
+  <cs:leaderLine>
+    <cs:lnRef idx="0"/>
+    <cs:fillRef idx="0"/>
+    <cs:effectRef idx="0"/>
+    <cs:fontRef idx="minor">
+      <a:schemeClr val="tx1"/>
+    </cs:fontRef>
+    <cs:spPr>
+      <a:ln w="9525" cap="flat" cmpd="sng" algn="ctr">
+        <a:solidFill>
+          <a:schemeClr val="tx1">
+            <a:lumMod val="35000"/>
+            <a:lumOff val="65000"/>
+          </a:schemeClr>
+        </a:solidFill>
+        <a:round/>
+      </a:ln>
+    </cs:spPr>
+  </cs:leaderLine>
+  <cs:legend>
+    <cs:lnRef idx="0"/>
+    <cs:fillRef idx="0"/>
+    <cs:effectRef idx="0"/>
+    <cs:fontRef idx="minor">
+      <a:schemeClr val="tx1">
+        <a:lumMod val="65000"/>
+        <a:lumOff val="35000"/>
+      </a:schemeClr>
+    </cs:fontRef>
+    <cs:defRPr sz="900" kern="1200"/>
+  </cs:legend>
+  <cs:plotArea mods="allowNoFillOverride allowNoLineOverride">
+    <cs:lnRef idx="0"/>
+    <cs:fillRef idx="0"/>
+    <cs:effectRef idx="0"/>
+    <cs:fontRef idx="minor">
+      <a:schemeClr val="tx1"/>
+    </cs:fontRef>
+  </cs:plotArea>
+  <cs:plotArea3D mods="allowNoFillOverride allowNoLineOverride">
+    <cs:lnRef idx="0"/>
+    <cs:fillRef idx="0"/>
+    <cs:effectRef idx="0"/>
+    <cs:fontRef idx="minor">
+      <a:schemeClr val="tx1"/>
+    </cs:fontRef>
+  </cs:plotArea3D>
+  <cs:seriesAxis>
+    <cs:lnRef idx="0"/>
+    <cs:fillRef idx="0"/>
+    <cs:effectRef idx="0"/>
+    <cs:fontRef idx="minor">
+      <a:schemeClr val="tx1">
+        <a:lumMod val="65000"/>
+        <a:lumOff val="35000"/>
+      </a:schemeClr>
+    </cs:fontRef>
+    <cs:defRPr sz="900" kern="1200"/>
+  </cs:seriesAxis>
+  <cs:seriesLine>
+    <cs:lnRef idx="0"/>
+    <cs:fillRef idx="0"/>
+    <cs:effectRef idx="0"/>
+    <cs:fontRef idx="minor">
+      <a:schemeClr val="tx1"/>
+    </cs:fontRef>
+    <cs:spPr>
+      <a:ln w="9525" cap="flat" cmpd="sng" algn="ctr">
+        <a:solidFill>
+          <a:schemeClr val="tx1">
+            <a:lumMod val="35000"/>
+            <a:lumOff val="65000"/>
+          </a:schemeClr>
+        </a:solidFill>
+        <a:round/>
+      </a:ln>
+    </cs:spPr>
+  </cs:seriesLine>
+  <cs:title>
+    <cs:lnRef idx="0"/>
+    <cs:fillRef idx="0"/>
+    <cs:effectRef idx="0"/>
+    <cs:fontRef idx="minor">
+      <a:schemeClr val="tx1">
+        <a:lumMod val="65000"/>
+        <a:lumOff val="35000"/>
+      </a:schemeClr>
+    </cs:fontRef>
+    <cs:defRPr sz="1400" b="0" kern="1200" spc="0" baseline="0"/>
+  </cs:title>
+  <cs:trendline>
+    <cs:lnRef idx="0">
+      <cs:styleClr val="auto"/>
+    </cs:lnRef>
+    <cs:fillRef idx="0"/>
+    <cs:effectRef idx="0"/>
+    <cs:fontRef idx="minor">
+      <a:schemeClr val="tx1"/>
+    </cs:fontRef>
+    <cs:spPr>
+      <a:ln w="19050" cap="rnd">
+        <a:solidFill>
+          <a:schemeClr val="phClr"/>
+        </a:solidFill>
+        <a:prstDash val="sysDot"/>
+      </a:ln>
+    </cs:spPr>
+  </cs:trendline>
+  <cs:trendlineLabel>
+    <cs:lnRef idx="0"/>
+    <cs:fillRef idx="0"/>
+    <cs:effectRef idx="0"/>
+    <cs:fontRef idx="minor">
+      <a:schemeClr val="tx1">
+        <a:lumMod val="65000"/>
+        <a:lumOff val="35000"/>
+      </a:schemeClr>
+    </cs:fontRef>
+    <cs:defRPr sz="900" kern="1200"/>
+  </cs:trendlineLabel>
+  <cs:upBar>
+    <cs:lnRef idx="0"/>
+    <cs:fillRef idx="0"/>
+    <cs:effectRef idx="0"/>
+    <cs:fontRef idx="minor">
+      <a:schemeClr val="tx1"/>
+    </cs:fontRef>
+    <cs:spPr>
+      <a:solidFill>
+        <a:schemeClr val="lt1"/>
+      </a:solidFill>
+      <a:ln w="9525" cap="flat" cmpd="sng" algn="ctr">
+        <a:solidFill>
+          <a:schemeClr val="tx1">
+            <a:lumMod val="65000"/>
+            <a:lumOff val="35000"/>
+          </a:schemeClr>
+        </a:solidFill>
+        <a:round/>
+      </a:ln>
+    </cs:spPr>
+  </cs:upBar>
+  <cs:valueAxis>
+    <cs:lnRef idx="0"/>
+    <cs:fillRef idx="0"/>
+    <cs:effectRef idx="0"/>
+    <cs:fontRef idx="minor">
+      <a:schemeClr val="tx1">
+        <a:lumMod val="65000"/>
+        <a:lumOff val="35000"/>
+      </a:schemeClr>
+    </cs:fontRef>
+    <cs:spPr>
+      <a:ln w="9525" cap="flat" cmpd="sng" algn="ctr">
+        <a:solidFill>
+          <a:schemeClr val="tx1">
+            <a:lumMod val="25000"/>
+            <a:lumOff val="75000"/>
+          </a:schemeClr>
+        </a:solidFill>
+        <a:round/>
+      </a:ln>
+    </cs:spPr>
+    <cs:defRPr sz="900" kern="1200"/>
+  </cs:valueAxis>
+  <cs:wall>
+    <cs:lnRef idx="0"/>
+    <cs:fillRef idx="0"/>
+    <cs:effectRef idx="0"/>
+    <cs:fontRef idx="minor">
+      <a:schemeClr val="tx1"/>
+    </cs:fontRef>
+    <cs:spPr>
+      <a:noFill/>
+      <a:ln>
+        <a:noFill/>
+      </a:ln>
+    </cs:spPr>
+  </cs:wall>
+</cs:chartStyle>
+</file>
+
+<file path=ppt/charts/style3.xml><?xml version="1.0" encoding="utf-8"?>
+<cs:chartStyle xmlns:cs="http://schemas.microsoft.com/office/drawing/2012/chartStyle" xmlns:a="http://schemas.openxmlformats.org/drawingml/2006/main" id="227">
+  <cs:axisTitle>
+    <cs:lnRef idx="0"/>
+    <cs:fillRef idx="0"/>
+    <cs:effectRef idx="0"/>
+    <cs:fontRef idx="minor">
+      <a:schemeClr val="tx1">
+        <a:lumMod val="65000"/>
+        <a:lumOff val="35000"/>
+      </a:schemeClr>
+    </cs:fontRef>
+    <cs:defRPr sz="1000" kern="1200"/>
+  </cs:axisTitle>
+  <cs:categoryAxis>
+    <cs:lnRef idx="0"/>
+    <cs:fillRef idx="0"/>
+    <cs:effectRef idx="0"/>
+    <cs:fontRef idx="minor">
+      <a:schemeClr val="tx1">
+        <a:lumMod val="65000"/>
+        <a:lumOff val="35000"/>
+      </a:schemeClr>
+    </cs:fontRef>
+    <cs:spPr>
+      <a:ln w="9525" cap="flat" cmpd="sng" algn="ctr">
+        <a:solidFill>
+          <a:schemeClr val="tx1">
+            <a:lumMod val="15000"/>
+            <a:lumOff val="85000"/>
+          </a:schemeClr>
+        </a:solidFill>
+        <a:round/>
+      </a:ln>
+    </cs:spPr>
+    <cs:defRPr sz="900" kern="1200"/>
+  </cs:categoryAxis>
+  <cs:chartArea mods="allowNoFillOverride allowNoLineOverride">
+    <cs:lnRef idx="0"/>
+    <cs:fillRef idx="0"/>
+    <cs:effectRef idx="0"/>
+    <cs:fontRef idx="minor">
+      <a:schemeClr val="tx1"/>
+    </cs:fontRef>
+    <cs:spPr>
+      <a:solidFill>
+        <a:schemeClr val="bg1"/>
+      </a:solidFill>
+      <a:ln w="9525" cap="flat" cmpd="sng" algn="ctr">
+        <a:solidFill>
+          <a:schemeClr val="tx1">
+            <a:lumMod val="15000"/>
+            <a:lumOff val="85000"/>
+          </a:schemeClr>
+        </a:solidFill>
+        <a:round/>
+      </a:ln>
+    </cs:spPr>
+    <cs:defRPr sz="1000" kern="1200"/>
+  </cs:chartArea>
+  <cs:dataLabel>
+    <cs:lnRef idx="0"/>
+    <cs:fillRef idx="0"/>
+    <cs:effectRef idx="0"/>
+    <cs:fontRef idx="minor">
+      <a:schemeClr val="tx1">
+        <a:lumMod val="75000"/>
+        <a:lumOff val="25000"/>
+      </a:schemeClr>
+    </cs:fontRef>
+    <cs:defRPr sz="900" kern="1200"/>
+  </cs:dataLabel>
+  <cs:dataLabelCallout>
+    <cs:lnRef idx="0"/>
+    <cs:fillRef idx="0"/>
+    <cs:effectRef idx="0"/>
+    <cs:fontRef idx="minor">
+      <a:schemeClr val="dk1">
+        <a:lumMod val="65000"/>
+        <a:lumOff val="35000"/>
+      </a:schemeClr>
+    </cs:fontRef>
+    <cs:spPr>
+      <a:solidFill>
+        <a:schemeClr val="lt1"/>
+      </a:solidFill>
+      <a:ln>
+        <a:solidFill>
+          <a:schemeClr val="dk1">
+            <a:lumMod val="25000"/>
+            <a:lumOff val="75000"/>
+          </a:schemeClr>
+        </a:solidFill>
+      </a:ln>
+    </cs:spPr>
+    <cs:defRPr sz="900" kern="1200"/>
+    <cs:bodyPr rot="0" spcFirstLastPara="1" vertOverflow="clip" horzOverflow="clip" vert="horz" wrap="square" lIns="36576" tIns="18288" rIns="36576" bIns="18288" anchor="ctr" anchorCtr="1">
+      <a:spAutoFit/>
+    </cs:bodyPr>
+  </cs:dataLabelCallout>
+  <cs:dataPoint>
+    <cs:lnRef idx="0"/>
+    <cs:fillRef idx="1">
+      <cs:styleClr val="auto"/>
+    </cs:fillRef>
+    <cs:effectRef idx="0"/>
+    <cs:fontRef idx="minor">
+      <a:schemeClr val="tx1"/>
+    </cs:fontRef>
+    <cs:spPr>
+      <a:solidFill>
+        <a:schemeClr val="phClr"/>
+      </a:solidFill>
+    </cs:spPr>
+  </cs:dataPoint>
+  <cs:dataPoint3D>
+    <cs:lnRef idx="0"/>
+    <cs:fillRef idx="1">
+      <cs:styleClr val="auto"/>
+    </cs:fillRef>
+    <cs:effectRef idx="0"/>
+    <cs:fontRef idx="minor">
+      <a:schemeClr val="tx1"/>
+    </cs:fontRef>
+    <cs:spPr>
+      <a:solidFill>
+        <a:schemeClr val="phClr"/>
+      </a:solidFill>
+    </cs:spPr>
+  </cs:dataPoint3D>
+  <cs:dataPointLine>
+    <cs:lnRef idx="0">
+      <cs:styleClr val="auto"/>
+    </cs:lnRef>
+    <cs:fillRef idx="1"/>
+    <cs:effectRef idx="0"/>
+    <cs:fontRef idx="minor">
+      <a:schemeClr val="tx1"/>
+    </cs:fontRef>
+    <cs:spPr>
+      <a:ln w="28575" cap="rnd">
+        <a:solidFill>
+          <a:schemeClr val="phClr"/>
+        </a:solidFill>
+        <a:round/>
+      </a:ln>
+    </cs:spPr>
+  </cs:dataPointLine>
+  <cs:dataPointMarker>
+    <cs:lnRef idx="0">
+      <cs:styleClr val="auto"/>
+    </cs:lnRef>
+    <cs:fillRef idx="1">
+      <cs:styleClr val="auto"/>
+    </cs:fillRef>
+    <cs:effectRef idx="0"/>
+    <cs:fontRef idx="minor">
+      <a:schemeClr val="tx1"/>
+    </cs:fontRef>
+    <cs:spPr>
+      <a:solidFill>
+        <a:schemeClr val="phClr"/>
+      </a:solidFill>
+      <a:ln w="9525">
+        <a:solidFill>
+          <a:schemeClr val="phClr"/>
+        </a:solidFill>
+      </a:ln>
+    </cs:spPr>
+  </cs:dataPointMarker>
+  <cs:dataPointMarkerLayout symbol="circle" size="5"/>
+  <cs:dataPointWireframe>
+    <cs:lnRef idx="0">
+      <cs:styleClr val="auto"/>
+    </cs:lnRef>
+    <cs:fillRef idx="1"/>
+    <cs:effectRef idx="0"/>
+    <cs:fontRef idx="minor">
+      <a:schemeClr val="tx1"/>
+    </cs:fontRef>
+    <cs:spPr>
+      <a:ln w="9525" cap="rnd">
+        <a:solidFill>
+          <a:schemeClr val="phClr"/>
+        </a:solidFill>
+        <a:round/>
+      </a:ln>
+    </cs:spPr>
+  </cs:dataPointWireframe>
+  <cs:dataTable>
+    <cs:lnRef idx="0"/>
+    <cs:fillRef idx="0"/>
+    <cs:effectRef idx="0"/>
+    <cs:fontRef idx="minor">
+      <a:schemeClr val="tx1">
+        <a:lumMod val="65000"/>
+        <a:lumOff val="35000"/>
+      </a:schemeClr>
+    </cs:fontRef>
+    <cs:spPr>
+      <a:noFill/>
+      <a:ln w="9525" cap="flat" cmpd="sng" algn="ctr">
+        <a:solidFill>
+          <a:schemeClr val="tx1">
+            <a:lumMod val="15000"/>
+            <a:lumOff val="85000"/>
+          </a:schemeClr>
+        </a:solidFill>
+        <a:round/>
+      </a:ln>
+    </cs:spPr>
+    <cs:defRPr sz="900" kern="1200"/>
+  </cs:dataTable>
+  <cs:downBar>
+    <cs:lnRef idx="0"/>
+    <cs:fillRef idx="0"/>
+    <cs:effectRef idx="0"/>
+    <cs:fontRef idx="minor">
+      <a:schemeClr val="dk1"/>
+    </cs:fontRef>
+    <cs:spPr>
+      <a:solidFill>
+        <a:schemeClr val="dk1">
+          <a:lumMod val="65000"/>
+          <a:lumOff val="35000"/>
+        </a:schemeClr>
+      </a:solidFill>
+      <a:ln w="9525">
+        <a:solidFill>
+          <a:schemeClr val="tx1">
+            <a:lumMod val="65000"/>
+            <a:lumOff val="35000"/>
+          </a:schemeClr>
+        </a:solidFill>
+      </a:ln>
+    </cs:spPr>
+  </cs:downBar>
+  <cs:dropLine>
+    <cs:lnRef idx="0"/>
+    <cs:fillRef idx="0"/>
+    <cs:effectRef idx="0"/>
+    <cs:fontRef idx="minor">
+      <a:schemeClr val="tx1"/>
+    </cs:fontRef>
+    <cs:spPr>
+      <a:ln w="9525" cap="flat" cmpd="sng" algn="ctr">
+        <a:solidFill>
+          <a:schemeClr val="tx1">
+            <a:lumMod val="35000"/>
+            <a:lumOff val="65000"/>
+          </a:schemeClr>
+        </a:solidFill>
+        <a:round/>
+      </a:ln>
+    </cs:spPr>
+  </cs:dropLine>
+  <cs:errorBar>
+    <cs:lnRef idx="0"/>
+    <cs:fillRef idx="0"/>
+    <cs:effectRef idx="0"/>
+    <cs:fontRef idx="minor">
+      <a:schemeClr val="tx1"/>
+    </cs:fontRef>
+    <cs:spPr>
+      <a:ln w="9525" cap="flat" cmpd="sng" algn="ctr">
+        <a:solidFill>
+          <a:schemeClr val="tx1">
+            <a:lumMod val="65000"/>
+            <a:lumOff val="35000"/>
+          </a:schemeClr>
+        </a:solidFill>
+        <a:round/>
+      </a:ln>
+    </cs:spPr>
+  </cs:errorBar>
+  <cs:floor>
+    <cs:lnRef idx="0"/>
+    <cs:fillRef idx="0"/>
+    <cs:effectRef idx="0"/>
+    <cs:fontRef idx="minor">
+      <a:schemeClr val="tx1"/>
+    </cs:fontRef>
+    <cs:spPr>
+      <a:noFill/>
+      <a:ln>
+        <a:noFill/>
+      </a:ln>
+    </cs:spPr>
+  </cs:floor>
+  <cs:gridlineMajor>
+    <cs:lnRef idx="0"/>
+    <cs:fillRef idx="0"/>
+    <cs:effectRef idx="0"/>
+    <cs:fontRef idx="minor">
+      <a:schemeClr val="tx1"/>
+    </cs:fontRef>
+    <cs:spPr>
+      <a:ln w="9525" cap="flat" cmpd="sng" algn="ctr">
+        <a:solidFill>
+          <a:schemeClr val="tx1">
+            <a:lumMod val="15000"/>
+            <a:lumOff val="85000"/>
+          </a:schemeClr>
+        </a:solidFill>
+        <a:round/>
+      </a:ln>
+    </cs:spPr>
+  </cs:gridlineMajor>
+  <cs:gridlineMinor>
+    <cs:lnRef idx="0"/>
+    <cs:fillRef idx="0"/>
+    <cs:effectRef idx="0"/>
+    <cs:fontRef idx="minor">
+      <a:schemeClr val="tx1"/>
+    </cs:fontRef>
+    <cs:spPr>
+      <a:ln w="9525" cap="flat" cmpd="sng" algn="ctr">
+        <a:solidFill>
+          <a:schemeClr val="tx1">
+            <a:lumMod val="5000"/>
+            <a:lumOff val="95000"/>
+          </a:schemeClr>
+        </a:solidFill>
+        <a:round/>
+      </a:ln>
+    </cs:spPr>
+  </cs:gridlineMinor>
+  <cs:hiLoLine>
+    <cs:lnRef idx="0"/>
+    <cs:fillRef idx="0"/>
+    <cs:effectRef idx="0"/>
+    <cs:fontRef idx="minor">
+      <a:schemeClr val="tx1"/>
+    </cs:fontRef>
+    <cs:spPr>
+      <a:ln w="9525" cap="flat" cmpd="sng" algn="ctr">
+        <a:solidFill>
+          <a:schemeClr val="tx1">
+            <a:lumMod val="75000"/>
+            <a:lumOff val="25000"/>
+          </a:schemeClr>
+        </a:solidFill>
+        <a:round/>
+      </a:ln>
+    </cs:spPr>
+  </cs:hiLoLine>
+  <cs:leaderLine>
+    <cs:lnRef idx="0"/>
+    <cs:fillRef idx="0"/>
+    <cs:effectRef idx="0"/>
+    <cs:fontRef idx="minor">
+      <a:schemeClr val="tx1"/>
+    </cs:fontRef>
+    <cs:spPr>
+      <a:ln w="9525" cap="flat" cmpd="sng" algn="ctr">
+        <a:solidFill>
+          <a:schemeClr val="tx1">
+            <a:lumMod val="35000"/>
+            <a:lumOff val="65000"/>
+          </a:schemeClr>
+        </a:solidFill>
+        <a:round/>
+      </a:ln>
+    </cs:spPr>
+  </cs:leaderLine>
+  <cs:legend>
+    <cs:lnRef idx="0"/>
+    <cs:fillRef idx="0"/>
+    <cs:effectRef idx="0"/>
+    <cs:fontRef idx="minor">
+      <a:schemeClr val="tx1">
+        <a:lumMod val="65000"/>
+        <a:lumOff val="35000"/>
+      </a:schemeClr>
+    </cs:fontRef>
+    <cs:defRPr sz="900" kern="1200"/>
+  </cs:legend>
+  <cs:plotArea mods="allowNoFillOverride allowNoLineOverride">
+    <cs:lnRef idx="0"/>
+    <cs:fillRef idx="0"/>
+    <cs:effectRef idx="0"/>
+    <cs:fontRef idx="minor">
+      <a:schemeClr val="tx1"/>
+    </cs:fontRef>
+  </cs:plotArea>
+  <cs:plotArea3D mods="allowNoFillOverride allowNoLineOverride">
+    <cs:lnRef idx="0"/>
+    <cs:fillRef idx="0"/>
+    <cs:effectRef idx="0"/>
+    <cs:fontRef idx="minor">
+      <a:schemeClr val="tx1"/>
+    </cs:fontRef>
+  </cs:plotArea3D>
+  <cs:seriesAxis>
+    <cs:lnRef idx="0"/>
+    <cs:fillRef idx="0"/>
+    <cs:effectRef idx="0"/>
+    <cs:fontRef idx="minor">
+      <a:schemeClr val="tx1">
+        <a:lumMod val="65000"/>
+        <a:lumOff val="35000"/>
+      </a:schemeClr>
+    </cs:fontRef>
+    <cs:defRPr sz="900" kern="1200"/>
+  </cs:seriesAxis>
+  <cs:seriesLine>
+    <cs:lnRef idx="0"/>
+    <cs:fillRef idx="0"/>
+    <cs:effectRef idx="0"/>
+    <cs:fontRef idx="minor">
+      <a:schemeClr val="tx1"/>
+    </cs:fontRef>
+    <cs:spPr>
+      <a:ln w="9525" cap="flat" cmpd="sng" algn="ctr">
+        <a:solidFill>
+          <a:schemeClr val="tx1">
+            <a:lumMod val="35000"/>
+            <a:lumOff val="65000"/>
+          </a:schemeClr>
+        </a:solidFill>
+        <a:round/>
+      </a:ln>
+    </cs:spPr>
+  </cs:seriesLine>
+  <cs:title>
+    <cs:lnRef idx="0"/>
+    <cs:fillRef idx="0"/>
+    <cs:effectRef idx="0"/>
+    <cs:fontRef idx="minor">
+      <a:schemeClr val="tx1">
+        <a:lumMod val="65000"/>
+        <a:lumOff val="35000"/>
+      </a:schemeClr>
+    </cs:fontRef>
+    <cs:defRPr sz="1400" b="0" kern="1200" spc="0" baseline="0"/>
+  </cs:title>
+  <cs:trendline>
+    <cs:lnRef idx="0">
+      <cs:styleClr val="auto"/>
+    </cs:lnRef>
+    <cs:fillRef idx="0"/>
+    <cs:effectRef idx="0"/>
+    <cs:fontRef idx="minor">
+      <a:schemeClr val="tx1"/>
+    </cs:fontRef>
+    <cs:spPr>
+      <a:ln w="19050" cap="rnd">
+        <a:solidFill>
+          <a:schemeClr val="phClr"/>
+        </a:solidFill>
+        <a:prstDash val="sysDot"/>
+      </a:ln>
+    </cs:spPr>
+  </cs:trendline>
+  <cs:trendlineLabel>
+    <cs:lnRef idx="0"/>
+    <cs:fillRef idx="0"/>
+    <cs:effectRef idx="0"/>
+    <cs:fontRef idx="minor">
+      <a:schemeClr val="tx1">
+        <a:lumMod val="65000"/>
+        <a:lumOff val="35000"/>
+      </a:schemeClr>
+    </cs:fontRef>
+    <cs:defRPr sz="900" kern="1200"/>
+  </cs:trendlineLabel>
+  <cs:upBar>
+    <cs:lnRef idx="0"/>
+    <cs:fillRef idx="0"/>
+    <cs:effectRef idx="0"/>
+    <cs:fontRef idx="minor">
+      <a:schemeClr val="dk1"/>
+    </cs:fontRef>
+    <cs:spPr>
+      <a:solidFill>
+        <a:schemeClr val="lt1"/>
+      </a:solidFill>
+      <a:ln w="9525">
+        <a:solidFill>
+          <a:schemeClr val="tx1">
+            <a:lumMod val="15000"/>
+            <a:lumOff val="85000"/>
+          </a:schemeClr>
+        </a:solidFill>
+      </a:ln>
+    </cs:spPr>
+  </cs:upBar>
+  <cs:valueAxis>
+    <cs:lnRef idx="0"/>
+    <cs:fillRef idx="0"/>
+    <cs:effectRef idx="0"/>
+    <cs:fontRef idx="minor">
+      <a:schemeClr val="tx1">
+        <a:lumMod val="65000"/>
+        <a:lumOff val="35000"/>
+      </a:schemeClr>
+    </cs:fontRef>
+    <cs:defRPr sz="900" kern="1200"/>
+  </cs:valueAxis>
+  <cs:wall>
+    <cs:lnRef idx="0"/>
+    <cs:fillRef idx="0"/>
+    <cs:effectRef idx="0"/>
+    <cs:fontRef idx="minor">
+      <a:schemeClr val="tx1"/>
+    </cs:fontRef>
+    <cs:spPr>
+      <a:noFill/>
+      <a:ln>
+        <a:noFill/>
+      </a:ln>
+    </cs:spPr>
+  </cs:wall>
+</cs:chartStyle>
+</file>
+
+<file path=ppt/charts/style4.xml><?xml version="1.0" encoding="utf-8"?>
+<cs:chartStyle xmlns:cs="http://schemas.microsoft.com/office/drawing/2012/chartStyle" xmlns:a="http://schemas.openxmlformats.org/drawingml/2006/main" id="240">
+  <cs:axisTitle>
+    <cs:lnRef idx="0"/>
+    <cs:fillRef idx="0"/>
+    <cs:effectRef idx="0"/>
+    <cs:fontRef idx="minor">
+      <a:schemeClr val="tx1">
+        <a:lumMod val="65000"/>
+        <a:lumOff val="35000"/>
+      </a:schemeClr>
+    </cs:fontRef>
+    <cs:defRPr sz="1000" kern="1200"/>
+  </cs:axisTitle>
+  <cs:categoryAxis>
+    <cs:lnRef idx="0"/>
+    <cs:fillRef idx="0"/>
+    <cs:effectRef idx="0"/>
+    <cs:fontRef idx="minor">
+      <a:schemeClr val="tx1">
+        <a:lumMod val="65000"/>
+        <a:lumOff val="35000"/>
+      </a:schemeClr>
+    </cs:fontRef>
+    <cs:spPr>
+      <a:ln w="9525" cap="flat" cmpd="sng" algn="ctr">
+        <a:solidFill>
+          <a:schemeClr val="tx1">
+            <a:lumMod val="25000"/>
+            <a:lumOff val="75000"/>
+          </a:schemeClr>
+        </a:solidFill>
+        <a:round/>
+      </a:ln>
+    </cs:spPr>
+    <cs:defRPr sz="900" kern="1200"/>
+  </cs:categoryAxis>
+  <cs:chartArea mods="allowNoFillOverride allowNoLineOverride">
+    <cs:lnRef idx="0"/>
+    <cs:fillRef idx="0"/>
+    <cs:effectRef idx="0"/>
+    <cs:fontRef idx="minor">
+      <a:schemeClr val="tx1"/>
+    </cs:fontRef>
+    <cs:spPr>
+      <a:solidFill>
+        <a:schemeClr val="bg1"/>
+      </a:solidFill>
+      <a:ln w="9525" cap="flat" cmpd="sng" algn="ctr">
+        <a:solidFill>
+          <a:schemeClr val="tx1">
+            <a:lumMod val="15000"/>
+            <a:lumOff val="85000"/>
+          </a:schemeClr>
+        </a:solidFill>
+        <a:round/>
+      </a:ln>
+    </cs:spPr>
+    <cs:defRPr sz="1000" kern="1200"/>
+  </cs:chartArea>
+  <cs:dataLabel>
+    <cs:lnRef idx="0"/>
+    <cs:fillRef idx="0"/>
+    <cs:effectRef idx="0"/>
+    <cs:fontRef idx="minor">
+      <a:schemeClr val="tx1">
+        <a:lumMod val="75000"/>
+        <a:lumOff val="25000"/>
+      </a:schemeClr>
+    </cs:fontRef>
+    <cs:defRPr sz="900" kern="1200"/>
+  </cs:dataLabel>
+  <cs:dataLabelCallout>
+    <cs:lnRef idx="0"/>
+    <cs:fillRef idx="0"/>
+    <cs:effectRef idx="0"/>
+    <cs:fontRef idx="minor">
+      <a:schemeClr val="dk1">
+        <a:lumMod val="65000"/>
+        <a:lumOff val="35000"/>
+      </a:schemeClr>
+    </cs:fontRef>
+    <cs:spPr>
+      <a:solidFill>
+        <a:schemeClr val="lt1"/>
+      </a:solidFill>
+      <a:ln>
+        <a:solidFill>
+          <a:schemeClr val="dk1">
+            <a:lumMod val="25000"/>
+            <a:lumOff val="75000"/>
+          </a:schemeClr>
+        </a:solidFill>
+      </a:ln>
+    </cs:spPr>
+    <cs:defRPr sz="900" kern="1200"/>
+    <cs:bodyPr rot="0" spcFirstLastPara="1" vertOverflow="clip" horzOverflow="clip" vert="horz" wrap="square" lIns="36576" tIns="18288" rIns="36576" bIns="18288" anchor="ctr" anchorCtr="1">
+      <a:spAutoFit/>
+    </cs:bodyPr>
+  </cs:dataLabelCallout>
+  <cs:dataPoint>
+    <cs:lnRef idx="0"/>
+    <cs:fillRef idx="1">
+      <cs:styleClr val="auto"/>
+    </cs:fillRef>
+    <cs:effectRef idx="0"/>
+    <cs:fontRef idx="minor">
+      <a:schemeClr val="tx1"/>
+    </cs:fontRef>
+  </cs:dataPoint>
+  <cs:dataPoint3D>
+    <cs:lnRef idx="0"/>
+    <cs:fillRef idx="1">
+      <cs:styleClr val="auto"/>
+    </cs:fillRef>
+    <cs:effectRef idx="0"/>
+    <cs:fontRef idx="minor">
+      <a:schemeClr val="tx1"/>
+    </cs:fontRef>
+  </cs:dataPoint3D>
+  <cs:dataPointLine>
+    <cs:lnRef idx="0">
+      <cs:styleClr val="auto"/>
+    </cs:lnRef>
+    <cs:fillRef idx="1"/>
+    <cs:effectRef idx="0"/>
+    <cs:fontRef idx="minor">
+      <a:schemeClr val="tx1"/>
+    </cs:fontRef>
+    <cs:spPr>
+      <a:ln w="19050" cap="rnd">
+        <a:solidFill>
+          <a:schemeClr val="phClr"/>
+        </a:solidFill>
+        <a:round/>
+      </a:ln>
+    </cs:spPr>
+  </cs:dataPointLine>
+  <cs:dataPointMarker>
+    <cs:lnRef idx="0">
+      <cs:styleClr val="auto"/>
+    </cs:lnRef>
+    <cs:fillRef idx="1">
+      <cs:styleClr val="auto"/>
+    </cs:fillRef>
+    <cs:effectRef idx="0"/>
+    <cs:fontRef idx="minor">
+      <a:schemeClr val="tx1"/>
+    </cs:fontRef>
+    <cs:spPr>
+      <a:ln w="9525">
+        <a:solidFill>
+          <a:schemeClr val="phClr"/>
+        </a:solidFill>
+      </a:ln>
+    </cs:spPr>
+  </cs:dataPointMarker>
+  <cs:dataPointMarkerLayout symbol="circle" size="5"/>
+  <cs:dataPointWireframe>
+    <cs:lnRef idx="0">
+      <cs:styleClr val="auto"/>
+    </cs:lnRef>
+    <cs:fillRef idx="0"/>
+    <cs:effectRef idx="0"/>
+    <cs:fontRef idx="minor">
+      <a:schemeClr val="dk1"/>
+    </cs:fontRef>
+    <cs:spPr>
+      <a:ln w="9525" cap="rnd">
+        <a:solidFill>
+          <a:schemeClr val="phClr"/>
+        </a:solidFill>
+        <a:round/>
+      </a:ln>
+    </cs:spPr>
+  </cs:dataPointWireframe>
+  <cs:dataTable>
+    <cs:lnRef idx="0"/>
+    <cs:fillRef idx="0"/>
+    <cs:effectRef idx="0"/>
+    <cs:fontRef idx="minor">
+      <a:schemeClr val="tx1">
+        <a:lumMod val="65000"/>
+        <a:lumOff val="35000"/>
+      </a:schemeClr>
+    </cs:fontRef>
+    <cs:spPr>
+      <a:noFill/>
+      <a:ln w="9525" cap="flat" cmpd="sng" algn="ctr">
+        <a:solidFill>
+          <a:schemeClr val="tx1">
+            <a:lumMod val="15000"/>
+            <a:lumOff val="85000"/>
+          </a:schemeClr>
+        </a:solidFill>
+        <a:round/>
+      </a:ln>
+    </cs:spPr>
+    <cs:defRPr sz="900" kern="1200"/>
+  </cs:dataTable>
+  <cs:downBar>
+    <cs:lnRef idx="0"/>
+    <cs:fillRef idx="0"/>
+    <cs:effectRef idx="0"/>
+    <cs:fontRef idx="minor">
+      <a:schemeClr val="tx1"/>
+    </cs:fontRef>
+    <cs:spPr>
+      <a:solidFill>
+        <a:schemeClr val="dk1">
+          <a:lumMod val="75000"/>
+          <a:lumOff val="25000"/>
+        </a:schemeClr>
+      </a:solidFill>
+      <a:ln w="9525" cap="flat" cmpd="sng" algn="ctr">
+        <a:solidFill>
+          <a:schemeClr val="tx1">
+            <a:lumMod val="65000"/>
+            <a:lumOff val="35000"/>
+          </a:schemeClr>
+        </a:solidFill>
+        <a:round/>
+      </a:ln>
+    </cs:spPr>
+  </cs:downBar>
+  <cs:dropLine>
+    <cs:lnRef idx="0"/>
+    <cs:fillRef idx="0"/>
+    <cs:effectRef idx="0"/>
+    <cs:fontRef idx="minor">
+      <a:schemeClr val="tx1"/>
+    </cs:fontRef>
+    <cs:spPr>
+      <a:ln w="9525" cap="flat" cmpd="sng" algn="ctr">
+        <a:solidFill>
+          <a:schemeClr val="tx1">
+            <a:lumMod val="35000"/>
+            <a:lumOff val="65000"/>
+          </a:schemeClr>
+        </a:solidFill>
+        <a:round/>
+      </a:ln>
+    </cs:spPr>
+  </cs:dropLine>
+  <cs:errorBar>
+    <cs:lnRef idx="0"/>
+    <cs:fillRef idx="0"/>
+    <cs:effectRef idx="0"/>
+    <cs:fontRef idx="minor">
+      <a:schemeClr val="tx1"/>
+    </cs:fontRef>
+    <cs:spPr>
+      <a:ln w="9525" cap="flat" cmpd="sng" algn="ctr">
+        <a:solidFill>
+          <a:schemeClr val="tx1">
+            <a:lumMod val="65000"/>
+            <a:lumOff val="35000"/>
+          </a:schemeClr>
+        </a:solidFill>
+        <a:round/>
+      </a:ln>
+    </cs:spPr>
+  </cs:errorBar>
+  <cs:floor>
+    <cs:lnRef idx="0"/>
+    <cs:fillRef idx="0"/>
+    <cs:effectRef idx="0"/>
+    <cs:fontRef idx="minor">
+      <a:schemeClr val="tx1"/>
+    </cs:fontRef>
+    <cs:spPr>
+      <a:noFill/>
+      <a:ln>
+        <a:noFill/>
+      </a:ln>
+    </cs:spPr>
+  </cs:floor>
+  <cs:gridlineMajor>
+    <cs:lnRef idx="0"/>
+    <cs:fillRef idx="0"/>
+    <cs:effectRef idx="0"/>
+    <cs:fontRef idx="minor">
+      <a:schemeClr val="tx1"/>
+    </cs:fontRef>
+    <cs:spPr>
+      <a:ln w="9525" cap="flat" cmpd="sng" algn="ctr">
+        <a:solidFill>
+          <a:schemeClr val="tx1">
+            <a:lumMod val="15000"/>
+            <a:lumOff val="85000"/>
+          </a:schemeClr>
+        </a:solidFill>
+        <a:round/>
+      </a:ln>
+    </cs:spPr>
+  </cs:gridlineMajor>
+  <cs:gridlineMinor>
+    <cs:lnRef idx="0"/>
+    <cs:fillRef idx="0"/>
+    <cs:effectRef idx="0"/>
+    <cs:fontRef idx="minor">
+      <a:schemeClr val="tx1"/>
+    </cs:fontRef>
+    <cs:spPr>
+      <a:ln w="9525" cap="flat" cmpd="sng" algn="ctr">
+        <a:solidFill>
+          <a:schemeClr val="tx1">
+            <a:lumMod val="5000"/>
+            <a:lumOff val="95000"/>
+          </a:schemeClr>
+        </a:solidFill>
+        <a:round/>
+      </a:ln>
+    </cs:spPr>
+  </cs:gridlineMinor>
+  <cs:hiLoLine>
+    <cs:lnRef idx="0"/>
+    <cs:fillRef idx="0"/>
+    <cs:effectRef idx="0"/>
+    <cs:fontRef idx="minor">
+      <a:schemeClr val="tx1"/>
+    </cs:fontRef>
+    <cs:spPr>
+      <a:ln w="9525" cap="flat" cmpd="sng" algn="ctr">
+        <a:solidFill>
+          <a:schemeClr val="tx1">
+            <a:lumMod val="50000"/>
+            <a:lumOff val="50000"/>
+          </a:schemeClr>
+        </a:solidFill>
+        <a:round/>
+      </a:ln>
+    </cs:spPr>
+  </cs:hiLoLine>
+  <cs:leaderLine>
+    <cs:lnRef idx="0"/>
+    <cs:fillRef idx="0"/>
+    <cs:effectRef idx="0"/>
+    <cs:fontRef idx="minor">
+      <a:schemeClr val="tx1"/>
+    </cs:fontRef>
+    <cs:spPr>
+      <a:ln w="9525" cap="flat" cmpd="sng" algn="ctr">
+        <a:solidFill>
+          <a:schemeClr val="tx1">
+            <a:lumMod val="35000"/>
+            <a:lumOff val="65000"/>
+          </a:schemeClr>
+        </a:solidFill>
+        <a:round/>
+      </a:ln>
+    </cs:spPr>
+  </cs:leaderLine>
+  <cs:legend>
+    <cs:lnRef idx="0"/>
+    <cs:fillRef idx="0"/>
+    <cs:effectRef idx="0"/>
+    <cs:fontRef idx="minor">
+      <a:schemeClr val="tx1">
+        <a:lumMod val="65000"/>
+        <a:lumOff val="35000"/>
+      </a:schemeClr>
+    </cs:fontRef>
+    <cs:defRPr sz="900" kern="1200"/>
+  </cs:legend>
+  <cs:plotArea mods="allowNoFillOverride allowNoLineOverride">
+    <cs:lnRef idx="0"/>
+    <cs:fillRef idx="0"/>
+    <cs:effectRef idx="0"/>
+    <cs:fontRef idx="minor">
+      <a:schemeClr val="tx1"/>
+    </cs:fontRef>
+  </cs:plotArea>
+  <cs:plotArea3D mods="allowNoFillOverride allowNoLineOverride">
+    <cs:lnRef idx="0"/>
+    <cs:fillRef idx="0"/>
+    <cs:effectRef idx="0"/>
+    <cs:fontRef idx="minor">
+      <a:schemeClr val="tx1"/>
+    </cs:fontRef>
+  </cs:plotArea3D>
+  <cs:seriesAxis>
+    <cs:lnRef idx="0"/>
+    <cs:fillRef idx="0"/>
+    <cs:effectRef idx="0"/>
+    <cs:fontRef idx="minor">
+      <a:schemeClr val="tx1">
+        <a:lumMod val="65000"/>
+        <a:lumOff val="35000"/>
+      </a:schemeClr>
+    </cs:fontRef>
+    <cs:defRPr sz="900" kern="1200"/>
+  </cs:seriesAxis>
+  <cs:seriesLine>
+    <cs:lnRef idx="0"/>
+    <cs:fillRef idx="0"/>
+    <cs:effectRef idx="0"/>
+    <cs:fontRef idx="minor">
+      <a:schemeClr val="tx1"/>
+    </cs:fontRef>
+    <cs:spPr>
+      <a:ln w="9525" cap="flat" cmpd="sng" algn="ctr">
+        <a:solidFill>
+          <a:schemeClr val="tx1">
+            <a:lumMod val="35000"/>
+            <a:lumOff val="65000"/>
+          </a:schemeClr>
+        </a:solidFill>
+        <a:round/>
+      </a:ln>
+    </cs:spPr>
+  </cs:seriesLine>
+  <cs:title>
+    <cs:lnRef idx="0"/>
+    <cs:fillRef idx="0"/>
+    <cs:effectRef idx="0"/>
+    <cs:fontRef idx="minor">
+      <a:schemeClr val="tx1">
+        <a:lumMod val="65000"/>
+        <a:lumOff val="35000"/>
+      </a:schemeClr>
+    </cs:fontRef>
+    <cs:defRPr sz="1400" b="0" kern="1200" spc="0" baseline="0"/>
+  </cs:title>
+  <cs:trendline>
+    <cs:lnRef idx="0">
+      <cs:styleClr val="auto"/>
+    </cs:lnRef>
+    <cs:fillRef idx="0"/>
+    <cs:effectRef idx="0"/>
+    <cs:fontRef idx="minor">
+      <a:schemeClr val="tx1"/>
+    </cs:fontRef>
+    <cs:spPr>
+      <a:ln w="19050" cap="rnd">
+        <a:solidFill>
+          <a:schemeClr val="phClr"/>
+        </a:solidFill>
+        <a:prstDash val="sysDot"/>
+      </a:ln>
+    </cs:spPr>
+  </cs:trendline>
+  <cs:trendlineLabel>
+    <cs:lnRef idx="0"/>
+    <cs:fillRef idx="0"/>
+    <cs:effectRef idx="0"/>
+    <cs:fontRef idx="minor">
+      <a:schemeClr val="tx1">
+        <a:lumMod val="65000"/>
+        <a:lumOff val="35000"/>
+      </a:schemeClr>
+    </cs:fontRef>
+    <cs:defRPr sz="900" kern="1200"/>
+  </cs:trendlineLabel>
+  <cs:upBar>
+    <cs:lnRef idx="0"/>
+    <cs:fillRef idx="0"/>
+    <cs:effectRef idx="0"/>
+    <cs:fontRef idx="minor">
+      <a:schemeClr val="tx1"/>
+    </cs:fontRef>
+    <cs:spPr>
+      <a:solidFill>
+        <a:schemeClr val="lt1"/>
+      </a:solidFill>
+      <a:ln w="9525" cap="flat" cmpd="sng" algn="ctr">
+        <a:solidFill>
+          <a:schemeClr val="tx1">
+            <a:lumMod val="65000"/>
+            <a:lumOff val="35000"/>
+          </a:schemeClr>
+        </a:solidFill>
+        <a:round/>
+      </a:ln>
+    </cs:spPr>
+  </cs:upBar>
+  <cs:valueAxis>
+    <cs:lnRef idx="0"/>
+    <cs:fillRef idx="0"/>
+    <cs:effectRef idx="0"/>
+    <cs:fontRef idx="minor">
+      <a:schemeClr val="tx1">
+        <a:lumMod val="65000"/>
+        <a:lumOff val="35000"/>
+      </a:schemeClr>
+    </cs:fontRef>
+    <cs:spPr>
+      <a:ln w="9525" cap="flat" cmpd="sng" algn="ctr">
+        <a:solidFill>
+          <a:schemeClr val="tx1">
+            <a:lumMod val="25000"/>
+            <a:lumOff val="75000"/>
+          </a:schemeClr>
+        </a:solidFill>
+        <a:round/>
+      </a:ln>
+    </cs:spPr>
+    <cs:defRPr sz="900" kern="1200"/>
+  </cs:valueAxis>
+  <cs:wall>
+    <cs:lnRef idx="0"/>
+    <cs:fillRef idx="0"/>
+    <cs:effectRef idx="0"/>
+    <cs:fontRef idx="minor">
+      <a:schemeClr val="tx1"/>
+    </cs:fontRef>
+    <cs:spPr>
+      <a:noFill/>
+      <a:ln>
+        <a:noFill/>
+      </a:ln>
+    </cs:spPr>
+  </cs:wall>
+</cs:chartStyle>
+</file>
+
+<file path=ppt/charts/style5.xml><?xml version="1.0" encoding="utf-8"?>
+<cs:chartStyle xmlns:cs="http://schemas.microsoft.com/office/drawing/2012/chartStyle" xmlns:a="http://schemas.openxmlformats.org/drawingml/2006/main" id="216">
+  <cs:axisTitle>
+    <cs:lnRef idx="0"/>
+    <cs:fillRef idx="0"/>
+    <cs:effectRef idx="0"/>
+    <cs:fontRef idx="minor">
+      <a:schemeClr val="tx1">
+        <a:lumMod val="65000"/>
+        <a:lumOff val="35000"/>
+      </a:schemeClr>
+    </cs:fontRef>
+    <cs:defRPr sz="1000" kern="1200"/>
+  </cs:axisTitle>
+  <cs:categoryAxis>
+    <cs:lnRef idx="0"/>
+    <cs:fillRef idx="0"/>
+    <cs:effectRef idx="0"/>
+    <cs:fontRef idx="minor">
+      <a:schemeClr val="tx1">
+        <a:lumMod val="65000"/>
+        <a:lumOff val="35000"/>
+      </a:schemeClr>
+    </cs:fontRef>
+    <cs:spPr>
+      <a:ln w="9525" cap="flat" cmpd="sng" algn="ctr">
+        <a:solidFill>
+          <a:schemeClr val="tx1">
+            <a:lumMod val="15000"/>
+            <a:lumOff val="85000"/>
+          </a:schemeClr>
+        </a:solidFill>
+        <a:round/>
+      </a:ln>
+    </cs:spPr>
+    <cs:defRPr sz="900" kern="1200"/>
+  </cs:categoryAxis>
+  <cs:chartArea mods="allowNoFillOverride allowNoLineOverride">
+    <cs:lnRef idx="0"/>
+    <cs:fillRef idx="0"/>
+    <cs:effectRef idx="0"/>
+    <cs:fontRef idx="minor">
+      <a:schemeClr val="tx1"/>
+    </cs:fontRef>
+    <cs:spPr>
+      <a:solidFill>
+        <a:schemeClr val="bg1"/>
+      </a:solidFill>
+      <a:ln w="9525" cap="flat" cmpd="sng" algn="ctr">
+        <a:solidFill>
+          <a:schemeClr val="tx1">
+            <a:lumMod val="15000"/>
+            <a:lumOff val="85000"/>
+          </a:schemeClr>
+        </a:solidFill>
+        <a:round/>
+      </a:ln>
+    </cs:spPr>
+    <cs:defRPr sz="1000" kern="1200"/>
+  </cs:chartArea>
+  <cs:dataLabel>
+    <cs:lnRef idx="0"/>
+    <cs:fillRef idx="0"/>
+    <cs:effectRef idx="0"/>
+    <cs:fontRef idx="minor">
+      <a:schemeClr val="tx1">
+        <a:lumMod val="75000"/>
+        <a:lumOff val="25000"/>
+      </a:schemeClr>
+    </cs:fontRef>
+    <cs:defRPr sz="900" kern="1200"/>
+  </cs:dataLabel>
+  <cs:dataLabelCallout>
+    <cs:lnRef idx="0"/>
+    <cs:fillRef idx="0"/>
+    <cs:effectRef idx="0"/>
+    <cs:fontRef idx="minor">
+      <a:schemeClr val="dk1">
+        <a:lumMod val="65000"/>
+        <a:lumOff val="35000"/>
+      </a:schemeClr>
+    </cs:fontRef>
+    <cs:spPr>
+      <a:solidFill>
+        <a:schemeClr val="lt1"/>
+      </a:solidFill>
+      <a:ln>
+        <a:solidFill>
+          <a:schemeClr val="dk1">
+            <a:lumMod val="25000"/>
+            <a:lumOff val="75000"/>
+          </a:schemeClr>
+        </a:solidFill>
+      </a:ln>
+    </cs:spPr>
+    <cs:defRPr sz="900" kern="1200"/>
+    <cs:bodyPr rot="0" spcFirstLastPara="1" vertOverflow="clip" horzOverflow="clip" vert="horz" wrap="square" lIns="36576" tIns="18288" rIns="36576" bIns="18288" anchor="ctr" anchorCtr="1">
+      <a:spAutoFit/>
+    </cs:bodyPr>
+  </cs:dataLabelCallout>
+  <cs:dataPoint>
+    <cs:lnRef idx="0"/>
+    <cs:fillRef idx="1">
+      <cs:styleClr val="auto"/>
+    </cs:fillRef>
+    <cs:effectRef idx="0"/>
+    <cs:fontRef idx="minor">
+      <a:schemeClr val="tx1"/>
+    </cs:fontRef>
+  </cs:dataPoint>
+  <cs:dataPoint3D>
+    <cs:lnRef idx="0"/>
+    <cs:fillRef idx="1">
+      <cs:styleClr val="auto"/>
+    </cs:fillRef>
+    <cs:effectRef idx="0"/>
+    <cs:fontRef idx="minor">
+      <a:schemeClr val="tx1"/>
+    </cs:fontRef>
+  </cs:dataPoint3D>
+  <cs:dataPointLine>
+    <cs:lnRef idx="0">
+      <cs:styleClr val="auto"/>
+    </cs:lnRef>
+    <cs:fillRef idx="1"/>
+    <cs:effectRef idx="0"/>
+    <cs:fontRef idx="minor">
+      <a:schemeClr val="tx1"/>
+    </cs:fontRef>
+    <cs:spPr>
+      <a:ln w="28575" cap="rnd">
+        <a:solidFill>
+          <a:schemeClr val="phClr"/>
+        </a:solidFill>
+        <a:round/>
+      </a:ln>
+    </cs:spPr>
+  </cs:dataPointLine>
+  <cs:dataPointMarker>
+    <cs:lnRef idx="0">
+      <cs:styleClr val="auto"/>
+    </cs:lnRef>
+    <cs:fillRef idx="1">
+      <cs:styleClr val="auto"/>
+    </cs:fillRef>
+    <cs:effectRef idx="0"/>
+    <cs:fontRef idx="minor">
+      <a:schemeClr val="tx1"/>
+    </cs:fontRef>
+    <cs:spPr>
+      <a:ln w="9525">
+        <a:solidFill>
+          <a:schemeClr val="phClr"/>
+        </a:solidFill>
+      </a:ln>
+    </cs:spPr>
+  </cs:dataPointMarker>
+  <cs:dataPointMarkerLayout symbol="circle" size="5"/>
+  <cs:dataPointWireframe>
+    <cs:lnRef idx="0">
+      <cs:styleClr val="auto"/>
+    </cs:lnRef>
+    <cs:fillRef idx="1"/>
+    <cs:effectRef idx="0"/>
+    <cs:fontRef idx="minor">
+      <a:schemeClr val="tx1"/>
+    </cs:fontRef>
+    <cs:spPr>
+      <a:ln w="9525" cap="rnd">
+        <a:solidFill>
+          <a:schemeClr val="phClr"/>
+        </a:solidFill>
+        <a:round/>
+      </a:ln>
+    </cs:spPr>
+  </cs:dataPointWireframe>
+  <cs:dataTable>
+    <cs:lnRef idx="0"/>
+    <cs:fillRef idx="0"/>
+    <cs:effectRef idx="0"/>
+    <cs:fontRef idx="minor">
+      <a:schemeClr val="tx1">
+        <a:lumMod val="65000"/>
+        <a:lumOff val="35000"/>
+      </a:schemeClr>
+    </cs:fontRef>
+    <cs:spPr>
+      <a:noFill/>
+      <a:ln w="9525" cap="flat" cmpd="sng" algn="ctr">
+        <a:solidFill>
+          <a:schemeClr val="tx1">
+            <a:lumMod val="15000"/>
+            <a:lumOff val="85000"/>
+          </a:schemeClr>
+        </a:solidFill>
+        <a:round/>
+      </a:ln>
+    </cs:spPr>
+    <cs:defRPr sz="900" kern="1200"/>
+  </cs:dataTable>
+  <cs:downBar>
+    <cs:lnRef idx="0"/>
+    <cs:fillRef idx="0"/>
+    <cs:effectRef idx="0"/>
+    <cs:fontRef idx="minor">
+      <a:schemeClr val="tx1"/>
+    </cs:fontRef>
+    <cs:spPr>
+      <a:solidFill>
+        <a:schemeClr val="dk1">
+          <a:lumMod val="75000"/>
+          <a:lumOff val="25000"/>
+        </a:schemeClr>
+      </a:solidFill>
+      <a:ln w="9525" cap="flat" cmpd="sng" algn="ctr">
+        <a:solidFill>
+          <a:schemeClr val="tx1">
+            <a:lumMod val="65000"/>
+            <a:lumOff val="35000"/>
+          </a:schemeClr>
+        </a:solidFill>
+        <a:round/>
+      </a:ln>
+    </cs:spPr>
+  </cs:downBar>
+  <cs:dropLine>
+    <cs:lnRef idx="0"/>
+    <cs:fillRef idx="0"/>
+    <cs:effectRef idx="0"/>
+    <cs:fontRef idx="minor">
+      <a:schemeClr val="tx1"/>
+    </cs:fontRef>
+    <cs:spPr>
+      <a:ln w="9525" cap="flat" cmpd="sng" algn="ctr">
+        <a:solidFill>
+          <a:schemeClr val="tx1">
+            <a:lumMod val="35000"/>
+            <a:lumOff val="65000"/>
+          </a:schemeClr>
+        </a:solidFill>
+        <a:round/>
+      </a:ln>
+    </cs:spPr>
+  </cs:dropLine>
+  <cs:errorBar>
+    <cs:lnRef idx="0"/>
+    <cs:fillRef idx="0"/>
+    <cs:effectRef idx="0"/>
+    <cs:fontRef idx="minor">
+      <a:schemeClr val="tx1"/>
+    </cs:fontRef>
+    <cs:spPr>
+      <a:ln w="9525" cap="flat" cmpd="sng" algn="ctr">
+        <a:solidFill>
+          <a:schemeClr val="tx1">
+            <a:lumMod val="65000"/>
+            <a:lumOff val="35000"/>
+          </a:schemeClr>
+        </a:solidFill>
+        <a:round/>
+      </a:ln>
+    </cs:spPr>
+  </cs:errorBar>
+  <cs:floor>
+    <cs:lnRef idx="0"/>
+    <cs:fillRef idx="0"/>
+    <cs:effectRef idx="0"/>
+    <cs:fontRef idx="minor">
+      <a:schemeClr val="tx1"/>
+    </cs:fontRef>
+    <cs:spPr>
+      <a:noFill/>
+      <a:ln>
+        <a:noFill/>
+      </a:ln>
+    </cs:spPr>
+  </cs:floor>
+  <cs:gridlineMajor>
+    <cs:lnRef idx="0"/>
+    <cs:fillRef idx="0"/>
+    <cs:effectRef idx="0"/>
+    <cs:fontRef idx="minor">
+      <a:schemeClr val="tx1"/>
+    </cs:fontRef>
+    <cs:spPr>
+      <a:ln w="9525" cap="flat" cmpd="sng" algn="ctr">
+        <a:solidFill>
+          <a:schemeClr val="tx1">
+            <a:lumMod val="15000"/>
+            <a:lumOff val="85000"/>
+          </a:schemeClr>
+        </a:solidFill>
+        <a:round/>
+      </a:ln>
+    </cs:spPr>
+  </cs:gridlineMajor>
+  <cs:gridlineMinor>
+    <cs:lnRef idx="0"/>
+    <cs:fillRef idx="0"/>
+    <cs:effectRef idx="0"/>
+    <cs:fontRef idx="minor">
+      <a:schemeClr val="tx1"/>
+    </cs:fontRef>
+    <cs:spPr>
+      <a:ln w="9525" cap="flat" cmpd="sng" algn="ctr">
+        <a:solidFill>
+          <a:schemeClr val="tx1">
+            <a:lumMod val="5000"/>
+            <a:lumOff val="95000"/>
+          </a:schemeClr>
+        </a:solidFill>
+        <a:round/>
+      </a:ln>
+    </cs:spPr>
+  </cs:gridlineMinor>
+  <cs:hiLoLine>
+    <cs:lnRef idx="0"/>
+    <cs:fillRef idx="0"/>
+    <cs:effectRef idx="0"/>
+    <cs:fontRef idx="minor">
+      <a:schemeClr val="tx1"/>
+    </cs:fontRef>
+    <cs:spPr>
+      <a:ln w="9525" cap="flat" cmpd="sng" algn="ctr">
+        <a:solidFill>
+          <a:schemeClr val="tx1">
+            <a:lumMod val="50000"/>
+            <a:lumOff val="50000"/>
+          </a:schemeClr>
+        </a:solidFill>
+        <a:round/>
+      </a:ln>
+    </cs:spPr>
+  </cs:hiLoLine>
+  <cs:leaderLine>
+    <cs:lnRef idx="0"/>
+    <cs:fillRef idx="0"/>
+    <cs:effectRef idx="0"/>
+    <cs:fontRef idx="minor">
+      <a:schemeClr val="tx1"/>
+    </cs:fontRef>
+    <cs:spPr>
+      <a:ln w="9525" cap="flat" cmpd="sng" algn="ctr">
+        <a:solidFill>
+          <a:schemeClr val="tx1">
+            <a:lumMod val="35000"/>
+            <a:lumOff val="65000"/>
+          </a:schemeClr>
+        </a:solidFill>
+        <a:round/>
+      </a:ln>
+    </cs:spPr>
+  </cs:leaderLine>
+  <cs:legend>
+    <cs:lnRef idx="0"/>
+    <cs:fillRef idx="0"/>
+    <cs:effectRef idx="0"/>
+    <cs:fontRef idx="minor">
+      <a:schemeClr val="tx1">
+        <a:lumMod val="65000"/>
+        <a:lumOff val="35000"/>
+      </a:schemeClr>
+    </cs:fontRef>
+    <cs:defRPr sz="900" kern="1200"/>
+  </cs:legend>
+  <cs:plotArea mods="allowNoFillOverride allowNoLineOverride">
+    <cs:lnRef idx="0"/>
+    <cs:fillRef idx="0"/>
+    <cs:effectRef idx="0"/>
+    <cs:fontRef idx="minor">
+      <a:schemeClr val="tx1"/>
+    </cs:fontRef>
+  </cs:plotArea>
+  <cs:plotArea3D mods="allowNoFillOverride allowNoLineOverride">
+    <cs:lnRef idx="0"/>
+    <cs:fillRef idx="0"/>
+    <cs:effectRef idx="0"/>
+    <cs:fontRef idx="minor">
+      <a:schemeClr val="tx1"/>
+    </cs:fontRef>
+  </cs:plotArea3D>
+  <cs:seriesAxis>
+    <cs:lnRef idx="0"/>
+    <cs:fillRef idx="0"/>
+    <cs:effectRef idx="0"/>
+    <cs:fontRef idx="minor">
+      <a:schemeClr val="tx1">
+        <a:lumMod val="65000"/>
+        <a:lumOff val="35000"/>
+      </a:schemeClr>
+    </cs:fontRef>
+    <cs:defRPr sz="900" kern="1200"/>
+  </cs:seriesAxis>
+  <cs:seriesLine>
+    <cs:lnRef idx="0"/>
+    <cs:fillRef idx="0"/>
+    <cs:effectRef idx="0"/>
+    <cs:fontRef idx="minor">
+      <a:schemeClr val="tx1"/>
+    </cs:fontRef>
+    <cs:spPr>
+      <a:ln w="9525" cap="flat" cmpd="sng" algn="ctr">
+        <a:solidFill>
+          <a:schemeClr val="tx1">
+            <a:lumMod val="35000"/>
+            <a:lumOff val="65000"/>
+          </a:schemeClr>
+        </a:solidFill>
+        <a:round/>
+      </a:ln>
+    </cs:spPr>
+  </cs:seriesLine>
+  <cs:title>
+    <cs:lnRef idx="0"/>
+    <cs:fillRef idx="0"/>
+    <cs:effectRef idx="0"/>
+    <cs:fontRef idx="minor">
+      <a:schemeClr val="tx1">
+        <a:lumMod val="65000"/>
+        <a:lumOff val="35000"/>
+      </a:schemeClr>
+    </cs:fontRef>
+    <cs:defRPr sz="1400" b="0" kern="1200" spc="0" baseline="0"/>
+  </cs:title>
+  <cs:trendline>
+    <cs:lnRef idx="0">
+      <cs:styleClr val="auto"/>
+    </cs:lnRef>
+    <cs:fillRef idx="0"/>
+    <cs:effectRef idx="0"/>
+    <cs:fontRef idx="minor">
+      <a:schemeClr val="tx1"/>
+    </cs:fontRef>
+    <cs:spPr>
+      <a:ln w="19050" cap="rnd">
+        <a:solidFill>
+          <a:schemeClr val="phClr"/>
+        </a:solidFill>
+        <a:prstDash val="sysDot"/>
+      </a:ln>
+    </cs:spPr>
+  </cs:trendline>
+  <cs:trendlineLabel>
+    <cs:lnRef idx="0"/>
+    <cs:fillRef idx="0"/>
+    <cs:effectRef idx="0"/>
+    <cs:fontRef idx="minor">
+      <a:schemeClr val="tx1">
+        <a:lumMod val="65000"/>
+        <a:lumOff val="35000"/>
+      </a:schemeClr>
+    </cs:fontRef>
+    <cs:defRPr sz="900" kern="1200"/>
+  </cs:trendlineLabel>
+  <cs:upBar>
+    <cs:lnRef idx="0"/>
+    <cs:fillRef idx="0"/>
+    <cs:effectRef idx="0"/>
+    <cs:fontRef idx="minor">
+      <a:schemeClr val="tx1"/>
+    </cs:fontRef>
+    <cs:spPr>
+      <a:solidFill>
+        <a:schemeClr val="lt1"/>
+      </a:solidFill>
+      <a:ln w="9525" cap="flat" cmpd="sng" algn="ctr">
+        <a:solidFill>
+          <a:schemeClr val="tx1">
+            <a:lumMod val="65000"/>
+            <a:lumOff val="35000"/>
+          </a:schemeClr>
+        </a:solidFill>
+        <a:round/>
+      </a:ln>
+    </cs:spPr>
+  </cs:upBar>
+  <cs:valueAxis>
+    <cs:lnRef idx="0"/>
+    <cs:fillRef idx="0"/>
+    <cs:effectRef idx="0"/>
+    <cs:fontRef idx="minor">
+      <a:schemeClr val="tx1">
+        <a:lumMod val="65000"/>
+        <a:lumOff val="35000"/>
+      </a:schemeClr>
+    </cs:fontRef>
+    <cs:defRPr sz="900" kern="1200"/>
+  </cs:valueAxis>
+  <cs:wall>
+    <cs:lnRef idx="0"/>
+    <cs:fillRef idx="0"/>
+    <cs:effectRef idx="0"/>
+    <cs:fontRef idx="minor">
+      <a:schemeClr val="tx1"/>
+    </cs:fontRef>
+    <cs:spPr>
+      <a:noFill/>
+      <a:ln>
+        <a:noFill/>
+      </a:ln>
+    </cs:spPr>
+  </cs:wall>
+</cs:chartStyle>
+</file>
+
+<file path=ppt/charts/style6.xml><?xml version="1.0" encoding="utf-8"?>
+<cs:chartStyle xmlns:cs="http://schemas.microsoft.com/office/drawing/2012/chartStyle" xmlns:a="http://schemas.openxmlformats.org/drawingml/2006/main" id="201">
+  <cs:axisTitle>
+    <cs:lnRef idx="0"/>
+    <cs:fillRef idx="0"/>
+    <cs:effectRef idx="0"/>
+    <cs:fontRef idx="minor">
+      <a:schemeClr val="tx1">
+        <a:lumMod val="65000"/>
+        <a:lumOff val="35000"/>
+      </a:schemeClr>
+    </cs:fontRef>
+    <cs:defRPr sz="1000" kern="1200"/>
+  </cs:axisTitle>
+  <cs:categoryAxis>
+    <cs:lnRef idx="0"/>
+    <cs:fillRef idx="0"/>
+    <cs:effectRef idx="0"/>
+    <cs:fontRef idx="minor">
+      <a:schemeClr val="tx1">
+        <a:lumMod val="65000"/>
+        <a:lumOff val="35000"/>
+      </a:schemeClr>
+    </cs:fontRef>
+    <cs:spPr>
+      <a:ln w="9525" cap="flat" cmpd="sng" algn="ctr">
+        <a:solidFill>
+          <a:schemeClr val="tx1">
+            <a:lumMod val="15000"/>
+            <a:lumOff val="85000"/>
+          </a:schemeClr>
+        </a:solidFill>
+        <a:round/>
+      </a:ln>
+    </cs:spPr>
+    <cs:defRPr sz="900" kern="1200"/>
+  </cs:categoryAxis>
+  <cs:chartArea mods="allowNoFillOverride allowNoLineOverride">
+    <cs:lnRef idx="0"/>
+    <cs:fillRef idx="0"/>
+    <cs:effectRef idx="0"/>
+    <cs:fontRef idx="minor">
+      <a:schemeClr val="tx1"/>
+    </cs:fontRef>
+    <cs:spPr>
+      <a:solidFill>
+        <a:schemeClr val="bg1"/>
+      </a:solidFill>
+      <a:ln w="9525" cap="flat" cmpd="sng" algn="ctr">
+        <a:solidFill>
+          <a:schemeClr val="tx1">
+            <a:lumMod val="15000"/>
+            <a:lumOff val="85000"/>
+          </a:schemeClr>
+        </a:solidFill>
+        <a:round/>
+      </a:ln>
+    </cs:spPr>
+    <cs:defRPr sz="1000" kern="1200"/>
+  </cs:chartArea>
+  <cs:dataLabel>
+    <cs:lnRef idx="0"/>
+    <cs:fillRef idx="0"/>
+    <cs:effectRef idx="0"/>
+    <cs:fontRef idx="minor">
+      <a:schemeClr val="tx1">
+        <a:lumMod val="75000"/>
+        <a:lumOff val="25000"/>
+      </a:schemeClr>
+    </cs:fontRef>
+    <cs:defRPr sz="900" kern="1200"/>
+  </cs:dataLabel>
+  <cs:dataLabelCallout>
+    <cs:lnRef idx="0"/>
+    <cs:fillRef idx="0"/>
+    <cs:effectRef idx="0"/>
+    <cs:fontRef idx="minor">
+      <a:schemeClr val="dk1">
+        <a:lumMod val="65000"/>
+        <a:lumOff val="35000"/>
+      </a:schemeClr>
+    </cs:fontRef>
+    <cs:spPr>
+      <a:solidFill>
+        <a:schemeClr val="lt1"/>
+      </a:solidFill>
+      <a:ln>
+        <a:solidFill>
+          <a:schemeClr val="dk1">
+            <a:lumMod val="25000"/>
+            <a:lumOff val="75000"/>
+          </a:schemeClr>
+        </a:solidFill>
+      </a:ln>
+    </cs:spPr>
+    <cs:defRPr sz="900" kern="1200"/>
+    <cs:bodyPr rot="0" spcFirstLastPara="1" vertOverflow="clip" horzOverflow="clip" vert="horz" wrap="square" lIns="36576" tIns="18288" rIns="36576" bIns="18288" anchor="ctr" anchorCtr="1">
+      <a:spAutoFit/>
+    </cs:bodyPr>
+  </cs:dataLabelCallout>
+  <cs:dataPoint>
+    <cs:lnRef idx="0"/>
+    <cs:fillRef idx="1">
+      <cs:styleClr val="auto"/>
+    </cs:fillRef>
+    <cs:effectRef idx="0"/>
+    <cs:fontRef idx="minor">
+      <a:schemeClr val="tx1"/>
+    </cs:fontRef>
+  </cs:dataPoint>
+  <cs:dataPoint3D>
+    <cs:lnRef idx="0"/>
+    <cs:fillRef idx="1">
+      <cs:styleClr val="auto"/>
+    </cs:fillRef>
+    <cs:effectRef idx="0"/>
+    <cs:fontRef idx="minor">
+      <a:schemeClr val="tx1"/>
+    </cs:fontRef>
+  </cs:dataPoint3D>
+  <cs:dataPointLine>
+    <cs:lnRef idx="0">
+      <cs:styleClr val="auto"/>
+    </cs:lnRef>
+    <cs:fillRef idx="1"/>
+    <cs:effectRef idx="0"/>
+    <cs:fontRef idx="minor">
+      <a:schemeClr val="tx1"/>
+    </cs:fontRef>
+    <cs:spPr>
+      <a:ln w="28575" cap="rnd">
+        <a:solidFill>
+          <a:schemeClr val="phClr"/>
+        </a:solidFill>
+        <a:round/>
+      </a:ln>
+    </cs:spPr>
+  </cs:dataPointLine>
+  <cs:dataPointMarker>
+    <cs:lnRef idx="0">
+      <cs:styleClr val="auto"/>
+    </cs:lnRef>
+    <cs:fillRef idx="1">
+      <cs:styleClr val="auto"/>
+    </cs:fillRef>
+    <cs:effectRef idx="0"/>
+    <cs:fontRef idx="minor">
+      <a:schemeClr val="tx1"/>
+    </cs:fontRef>
+    <cs:spPr>
+      <a:ln w="9525">
+        <a:solidFill>
+          <a:schemeClr val="phClr"/>
+        </a:solidFill>
+      </a:ln>
+    </cs:spPr>
+  </cs:dataPointMarker>
+  <cs:dataPointMarkerLayout symbol="circle" size="5"/>
+  <cs:dataPointWireframe>
+    <cs:lnRef idx="0">
+      <cs:styleClr val="auto"/>
+    </cs:lnRef>
+    <cs:fillRef idx="1"/>
+    <cs:effectRef idx="0"/>
+    <cs:fontRef idx="minor">
+      <a:schemeClr val="tx1"/>
+    </cs:fontRef>
+    <cs:spPr>
+      <a:ln w="9525" cap="rnd">
+        <a:solidFill>
+          <a:schemeClr val="phClr"/>
+        </a:solidFill>
+        <a:round/>
+      </a:ln>
+    </cs:spPr>
+  </cs:dataPointWireframe>
+  <cs:dataTable>
+    <cs:lnRef idx="0"/>
+    <cs:fillRef idx="0"/>
+    <cs:effectRef idx="0"/>
+    <cs:fontRef idx="minor">
+      <a:schemeClr val="tx1">
+        <a:lumMod val="65000"/>
+        <a:lumOff val="35000"/>
+      </a:schemeClr>
+    </cs:fontRef>
+    <cs:spPr>
+      <a:noFill/>
+      <a:ln w="9525" cap="flat" cmpd="sng" algn="ctr">
+        <a:solidFill>
+          <a:schemeClr val="tx1">
+            <a:lumMod val="15000"/>
+            <a:lumOff val="85000"/>
+          </a:schemeClr>
+        </a:solidFill>
+        <a:round/>
+      </a:ln>
+    </cs:spPr>
+    <cs:defRPr sz="900" kern="1200"/>
+  </cs:dataTable>
+  <cs:downBar>
+    <cs:lnRef idx="0"/>
+    <cs:fillRef idx="0"/>
+    <cs:effectRef idx="0"/>
+    <cs:fontRef idx="minor">
+      <a:schemeClr val="dk1"/>
+    </cs:fontRef>
+    <cs:spPr>
+      <a:solidFill>
+        <a:schemeClr val="dk1">
+          <a:lumMod val="65000"/>
+          <a:lumOff val="35000"/>
+        </a:schemeClr>
+      </a:solidFill>
+      <a:ln w="9525">
+        <a:solidFill>
+          <a:schemeClr val="tx1">
+            <a:lumMod val="65000"/>
+            <a:lumOff val="35000"/>
+          </a:schemeClr>
+        </a:solidFill>
+      </a:ln>
+    </cs:spPr>
+  </cs:downBar>
+  <cs:dropLine>
+    <cs:lnRef idx="0"/>
+    <cs:fillRef idx="0"/>
+    <cs:effectRef idx="0"/>
+    <cs:fontRef idx="minor">
+      <a:schemeClr val="tx1"/>
+    </cs:fontRef>
+    <cs:spPr>
+      <a:ln w="9525" cap="flat" cmpd="sng" algn="ctr">
+        <a:solidFill>
+          <a:schemeClr val="tx1">
+            <a:lumMod val="35000"/>
+            <a:lumOff val="65000"/>
+          </a:schemeClr>
+        </a:solidFill>
+        <a:round/>
+      </a:ln>
+    </cs:spPr>
+  </cs:dropLine>
+  <cs:errorBar>
+    <cs:lnRef idx="0"/>
+    <cs:fillRef idx="0"/>
+    <cs:effectRef idx="0"/>
+    <cs:fontRef idx="minor">
+      <a:schemeClr val="tx1"/>
+    </cs:fontRef>
+    <cs:spPr>
+      <a:ln w="9525" cap="flat" cmpd="sng" algn="ctr">
+        <a:solidFill>
+          <a:schemeClr val="tx1">
+            <a:lumMod val="65000"/>
+            <a:lumOff val="35000"/>
+          </a:schemeClr>
+        </a:solidFill>
+        <a:round/>
+      </a:ln>
+    </cs:spPr>
+  </cs:errorBar>
+  <cs:floor>
+    <cs:lnRef idx="0"/>
+    <cs:fillRef idx="0"/>
+    <cs:effectRef idx="0"/>
+    <cs:fontRef idx="minor">
+      <a:schemeClr val="tx1"/>
+    </cs:fontRef>
+    <cs:spPr>
+      <a:noFill/>
+      <a:ln>
+        <a:noFill/>
+      </a:ln>
+    </cs:spPr>
+  </cs:floor>
+  <cs:gridlineMajor>
+    <cs:lnRef idx="0"/>
+    <cs:fillRef idx="0"/>
+    <cs:effectRef idx="0"/>
+    <cs:fontRef idx="minor">
+      <a:schemeClr val="tx1"/>
+    </cs:fontRef>
+    <cs:spPr>
+      <a:ln w="9525" cap="flat" cmpd="sng" algn="ctr">
+        <a:solidFill>
+          <a:schemeClr val="tx1">
+            <a:lumMod val="15000"/>
+            <a:lumOff val="85000"/>
+          </a:schemeClr>
+        </a:solidFill>
+        <a:round/>
+      </a:ln>
+    </cs:spPr>
+  </cs:gridlineMajor>
+  <cs:gridlineMinor>
+    <cs:lnRef idx="0"/>
+    <cs:fillRef idx="0"/>
+    <cs:effectRef idx="0"/>
+    <cs:fontRef idx="minor">
+      <a:schemeClr val="tx1"/>
+    </cs:fontRef>
+    <cs:spPr>
+      <a:ln w="9525" cap="flat" cmpd="sng" algn="ctr">
+        <a:solidFill>
+          <a:schemeClr val="tx1">
+            <a:lumMod val="5000"/>
+            <a:lumOff val="95000"/>
+          </a:schemeClr>
+        </a:solidFill>
+        <a:round/>
+      </a:ln>
+    </cs:spPr>
+  </cs:gridlineMinor>
+  <cs:hiLoLine>
+    <cs:lnRef idx="0"/>
+    <cs:fillRef idx="0"/>
+    <cs:effectRef idx="0"/>
+    <cs:fontRef idx="minor">
+      <a:schemeClr val="tx1"/>
+    </cs:fontRef>
+    <cs:spPr>
+      <a:ln w="9525" cap="flat" cmpd="sng" algn="ctr">
+        <a:solidFill>
+          <a:schemeClr val="tx1">
+            <a:lumMod val="75000"/>
+            <a:lumOff val="25000"/>
+          </a:schemeClr>
+        </a:solidFill>
+        <a:round/>
+      </a:ln>
+    </cs:spPr>
+  </cs:hiLoLine>
+  <cs:leaderLine>
+    <cs:lnRef idx="0"/>
+    <cs:fillRef idx="0"/>
+    <cs:effectRef idx="0"/>
+    <cs:fontRef idx="minor">
+      <a:schemeClr val="tx1"/>
+    </cs:fontRef>
+    <cs:spPr>
+      <a:ln w="9525" cap="flat" cmpd="sng" algn="ctr">
+        <a:solidFill>
+          <a:schemeClr val="tx1">
+            <a:lumMod val="35000"/>
+            <a:lumOff val="65000"/>
+          </a:schemeClr>
+        </a:solidFill>
+        <a:round/>
+      </a:ln>
+    </cs:spPr>
+  </cs:leaderLine>
+  <cs:legend>
+    <cs:lnRef idx="0"/>
+    <cs:fillRef idx="0"/>
+    <cs:effectRef idx="0"/>
+    <cs:fontRef idx="minor">
+      <a:schemeClr val="tx1">
+        <a:lumMod val="65000"/>
+        <a:lumOff val="35000"/>
+      </a:schemeClr>
+    </cs:fontRef>
+    <cs:defRPr sz="900" kern="1200"/>
+  </cs:legend>
+  <cs:plotArea mods="allowNoFillOverride allowNoLineOverride">
+    <cs:lnRef idx="0"/>
+    <cs:fillRef idx="0"/>
+    <cs:effectRef idx="0"/>
+    <cs:fontRef idx="minor">
+      <a:schemeClr val="tx1"/>
+    </cs:fontRef>
+  </cs:plotArea>
+  <cs:plotArea3D mods="allowNoFillOverride allowNoLineOverride">
+    <cs:lnRef idx="0"/>
+    <cs:fillRef idx="0"/>
+    <cs:effectRef idx="0"/>
+    <cs:fontRef idx="minor">
+      <a:schemeClr val="tx1"/>
+    </cs:fontRef>
+  </cs:plotArea3D>
+  <cs:seriesAxis>
+    <cs:lnRef idx="0"/>
+    <cs:fillRef idx="0"/>
+    <cs:effectRef idx="0"/>
+    <cs:fontRef idx="minor">
+      <a:schemeClr val="tx1">
+        <a:lumMod val="65000"/>
+        <a:lumOff val="35000"/>
+      </a:schemeClr>
+    </cs:fontRef>
+    <cs:defRPr sz="900" kern="1200"/>
+  </cs:seriesAxis>
+  <cs:seriesLine>
+    <cs:lnRef idx="0"/>
+    <cs:fillRef idx="0"/>
+    <cs:effectRef idx="0"/>
+    <cs:fontRef idx="minor">
+      <a:schemeClr val="tx1"/>
+    </cs:fontRef>
+    <cs:spPr>
+      <a:ln w="9525" cap="flat" cmpd="sng" algn="ctr">
+        <a:solidFill>
+          <a:schemeClr val="tx1">
+            <a:lumMod val="35000"/>
+            <a:lumOff val="65000"/>
+          </a:schemeClr>
+        </a:solidFill>
+        <a:round/>
+      </a:ln>
+    </cs:spPr>
+  </cs:seriesLine>
+  <cs:title>
+    <cs:lnRef idx="0"/>
+    <cs:fillRef idx="0"/>
+    <cs:effectRef idx="0"/>
+    <cs:fontRef idx="minor">
+      <a:schemeClr val="tx1">
+        <a:lumMod val="65000"/>
+        <a:lumOff val="35000"/>
+      </a:schemeClr>
+    </cs:fontRef>
+    <cs:defRPr sz="1400" b="0" kern="1200" spc="0" baseline="0"/>
+  </cs:title>
+  <cs:trendline>
+    <cs:lnRef idx="0">
+      <cs:styleClr val="auto"/>
+    </cs:lnRef>
+    <cs:fillRef idx="0"/>
+    <cs:effectRef idx="0"/>
+    <cs:fontRef idx="minor">
+      <a:schemeClr val="tx1"/>
+    </cs:fontRef>
+    <cs:spPr>
+      <a:ln w="19050" cap="rnd">
+        <a:solidFill>
+          <a:schemeClr val="phClr"/>
+        </a:solidFill>
+        <a:prstDash val="sysDot"/>
+      </a:ln>
+    </cs:spPr>
+  </cs:trendline>
+  <cs:trendlineLabel>
+    <cs:lnRef idx="0"/>
+    <cs:fillRef idx="0"/>
+    <cs:effectRef idx="0"/>
+    <cs:fontRef idx="minor">
+      <a:schemeClr val="tx1">
+        <a:lumMod val="65000"/>
+        <a:lumOff val="35000"/>
+      </a:schemeClr>
+    </cs:fontRef>
+    <cs:defRPr sz="900" kern="1200"/>
+  </cs:trendlineLabel>
+  <cs:upBar>
+    <cs:lnRef idx="0"/>
+    <cs:fillRef idx="0"/>
+    <cs:effectRef idx="0"/>
+    <cs:fontRef idx="minor">
+      <a:schemeClr val="dk1"/>
+    </cs:fontRef>
+    <cs:spPr>
+      <a:solidFill>
+        <a:schemeClr val="lt1"/>
+      </a:solidFill>
+      <a:ln w="9525">
+        <a:solidFill>
+          <a:schemeClr val="tx1">
+            <a:lumMod val="15000"/>
+            <a:lumOff val="85000"/>
+          </a:schemeClr>
+        </a:solidFill>
+      </a:ln>
+    </cs:spPr>
+  </cs:upBar>
+  <cs:valueAxis>
+    <cs:lnRef idx="0"/>
+    <cs:fillRef idx="0"/>
+    <cs:effectRef idx="0"/>
+    <cs:fontRef idx="minor">
+      <a:schemeClr val="tx1">
+        <a:lumMod val="65000"/>
+        <a:lumOff val="35000"/>
+      </a:schemeClr>
+    </cs:fontRef>
+    <cs:defRPr sz="900" kern="1200"/>
+  </cs:valueAxis>
+  <cs:wall>
+    <cs:lnRef idx="0"/>
+    <cs:fillRef idx="0"/>
+    <cs:effectRef idx="0"/>
+    <cs:fontRef idx="minor">
+      <a:schemeClr val="tx1"/>
+    </cs:fontRef>
+    <cs:spPr>
+      <a:noFill/>
+      <a:ln>
+        <a:noFill/>
+      </a:ln>
+    </cs:spPr>
+  </cs:wall>
+</cs:chartStyle>
 </file>
 
 <file path=ppt/notesMasters/notesMaster1.xml><?xml version="1.0" encoding="utf-8"?>
@@ -7659,6 +13042,2835 @@
 </p:sld>
 </file>
 
+<file path=ppt/slides/slide10.xml><?xml version="1.0" encoding="utf-8"?>
+<p:sld xmlns:a="http://schemas.openxmlformats.org/drawingml/2006/main" xmlns:r="http://schemas.openxmlformats.org/officeDocument/2006/relationships" xmlns:p="http://schemas.openxmlformats.org/presentationml/2006/main">
+  <p:cSld>
+    <p:spTree>
+      <p:nvGrpSpPr>
+        <p:cNvPr id="1" name=""/>
+        <p:cNvGrpSpPr/>
+        <p:nvPr/>
+      </p:nvGrpSpPr>
+      <p:grpSpPr>
+        <a:xfrm>
+          <a:off x="0" y="0"/>
+          <a:ext cx="0" cy="0"/>
+          <a:chOff x="0" y="0"/>
+          <a:chExt cx="0" cy="0"/>
+        </a:xfrm>
+      </p:grpSpPr>
+      <p:sp>
+        <p:nvSpPr>
+          <p:cNvPr id="2" name="Заголовок 1"/>
+          <p:cNvSpPr>
+            <a:spLocks noGrp="1"/>
+          </p:cNvSpPr>
+          <p:nvPr>
+            <p:ph type="title"/>
+          </p:nvPr>
+        </p:nvSpPr>
+        <p:spPr/>
+        <p:txBody>
+          <a:bodyPr/>
+          <a:lstStyle/>
+          <a:p>
+            <a:r>
+              <a:rPr lang="uk-UA" dirty="0" smtClean="0"/>
+              <a:t>Нова популяція та подальші кроки</a:t>
+            </a:r>
+            <a:endParaRPr lang="ru-RU" dirty="0"/>
+          </a:p>
+        </p:txBody>
+      </p:sp>
+      <mc:AlternateContent xmlns:mc="http://schemas.openxmlformats.org/markup-compatibility/2006">
+        <mc:Choice xmlns:a14="http://schemas.microsoft.com/office/drawing/2010/main" Requires="a14">
+          <p:sp>
+            <p:nvSpPr>
+              <p:cNvPr id="3" name="Текст 2"/>
+              <p:cNvSpPr>
+                <a:spLocks noGrp="1"/>
+              </p:cNvSpPr>
+              <p:nvPr>
+                <p:ph type="body" idx="1"/>
+              </p:nvPr>
+            </p:nvSpPr>
+            <p:spPr/>
+            <p:txBody>
+              <a:bodyPr/>
+              <a:lstStyle/>
+              <a:p>
+                <a:r>
+                  <a:rPr lang="uk-UA" dirty="0" smtClean="0"/>
+                  <a:t>Включимо отриманих нащадків до популяції та приберемо з популяції два найгірші розв’язки.</a:t>
+                </a:r>
+              </a:p>
+              <a:p>
+                <a:pPr marL="114300" indent="0" algn="ctr">
+                  <a:buNone/>
+                </a:pPr>
+                <a:r>
+                  <a:rPr lang="uk-UA" sz="1600" dirty="0"/>
+                  <a:t>Нова популяція матиме вигляд:</a:t>
+                </a:r>
+                <a:endParaRPr lang="ru-RU" sz="1600" dirty="0"/>
+              </a:p>
+              <a:p>
+                <a:pPr marL="114300" lvl="0" indent="0" algn="ctr">
+                  <a:buNone/>
+                </a:pPr>
+                <a:r>
+                  <a:rPr lang="uk-UA" sz="1600" dirty="0"/>
+                  <a:t>(010010) </a:t>
+                </a:r>
+                <a14:m>
+                  <m:oMath xmlns:m="http://schemas.openxmlformats.org/officeDocument/2006/math">
+                    <m:sSub>
+                      <m:sSubPr>
+                        <m:ctrlPr>
+                          <a:rPr lang="ru-RU" sz="1600" i="1"/>
+                        </m:ctrlPr>
+                      </m:sSubPr>
+                      <m:e>
+                        <m:r>
+                          <a:rPr lang="uk-UA" sz="1600" i="1"/>
+                          <m:t>с</m:t>
+                        </m:r>
+                      </m:e>
+                      <m:sub>
+                        <m:r>
+                          <a:rPr lang="uk-UA" sz="1600" i="1"/>
+                          <m:t>5</m:t>
+                        </m:r>
+                      </m:sub>
+                    </m:sSub>
+                    <m:r>
+                      <a:rPr lang="uk-UA" sz="1600" i="1"/>
+                      <m:t>=2</m:t>
+                    </m:r>
+                  </m:oMath>
+                </a14:m>
+                <a:endParaRPr lang="ru-RU" sz="1600" dirty="0"/>
+              </a:p>
+              <a:p>
+                <a:pPr marL="114300" lvl="0" indent="0" algn="ctr">
+                  <a:buNone/>
+                </a:pPr>
+                <a:r>
+                  <a:rPr lang="uk-UA" sz="1600" dirty="0"/>
+                  <a:t>(001011) </a:t>
+                </a:r>
+                <a14:m>
+                  <m:oMath xmlns:m="http://schemas.openxmlformats.org/officeDocument/2006/math">
+                    <m:sSub>
+                      <m:sSubPr>
+                        <m:ctrlPr>
+                          <a:rPr lang="ru-RU" sz="1600" i="1"/>
+                        </m:ctrlPr>
+                      </m:sSubPr>
+                      <m:e>
+                        <m:r>
+                          <a:rPr lang="uk-UA" sz="1600" i="1"/>
+                          <m:t>с</m:t>
+                        </m:r>
+                      </m:e>
+                      <m:sub>
+                        <m:r>
+                          <a:rPr lang="uk-UA" sz="1600" i="1"/>
+                          <m:t>6</m:t>
+                        </m:r>
+                      </m:sub>
+                    </m:sSub>
+                    <m:r>
+                      <a:rPr lang="uk-UA" sz="1600" i="1"/>
+                      <m:t>=3</m:t>
+                    </m:r>
+                  </m:oMath>
+                </a14:m>
+                <a:endParaRPr lang="ru-RU" sz="1600" dirty="0"/>
+              </a:p>
+              <a:p>
+                <a:pPr marL="114300" lvl="0" indent="0" algn="ctr">
+                  <a:buNone/>
+                </a:pPr>
+                <a:r>
+                  <a:rPr lang="uk-UA" sz="1600" dirty="0"/>
+                  <a:t>(111000)</a:t>
+                </a:r>
+                <a14:m>
+                  <m:oMath xmlns:m="http://schemas.openxmlformats.org/officeDocument/2006/math">
+                    <m:r>
+                      <a:rPr lang="uk-UA" sz="1600" i="1"/>
+                      <m:t> </m:t>
+                    </m:r>
+                    <m:sSub>
+                      <m:sSubPr>
+                        <m:ctrlPr>
+                          <a:rPr lang="ru-RU" sz="1600" i="1"/>
+                        </m:ctrlPr>
+                      </m:sSubPr>
+                      <m:e>
+                        <m:r>
+                          <a:rPr lang="uk-UA" sz="1600" i="1"/>
+                          <m:t>с</m:t>
+                        </m:r>
+                      </m:e>
+                      <m:sub>
+                        <m:r>
+                          <a:rPr lang="uk-UA" sz="1600" i="1"/>
+                          <m:t>8</m:t>
+                        </m:r>
+                      </m:sub>
+                    </m:sSub>
+                    <m:r>
+                      <a:rPr lang="uk-UA" sz="1600" i="1"/>
+                      <m:t>=3</m:t>
+                    </m:r>
+                  </m:oMath>
+                </a14:m>
+                <a:endParaRPr lang="ru-RU" sz="1600" dirty="0"/>
+              </a:p>
+              <a:p>
+                <a:pPr marL="114300" lvl="0" indent="0" algn="ctr">
+                  <a:buNone/>
+                </a:pPr>
+                <a:r>
+                  <a:rPr lang="uk-UA" sz="1600" dirty="0"/>
+                  <a:t>(111010) </a:t>
+                </a:r>
+                <a14:m>
+                  <m:oMath xmlns:m="http://schemas.openxmlformats.org/officeDocument/2006/math">
+                    <m:sSub>
+                      <m:sSubPr>
+                        <m:ctrlPr>
+                          <a:rPr lang="ru-RU" sz="1600" i="1"/>
+                        </m:ctrlPr>
+                      </m:sSubPr>
+                      <m:e>
+                        <m:r>
+                          <a:rPr lang="uk-UA" sz="1600" i="1"/>
+                          <m:t>с</m:t>
+                        </m:r>
+                      </m:e>
+                      <m:sub>
+                        <m:r>
+                          <a:rPr lang="uk-UA" sz="1600" b="0" i="1" smtClean="0">
+                            <a:latin typeface="Cambria Math" panose="02040503050406030204" pitchFamily="18" charset="0"/>
+                          </a:rPr>
+                          <m:t>9</m:t>
+                        </m:r>
+                      </m:sub>
+                    </m:sSub>
+                    <m:r>
+                      <a:rPr lang="uk-UA" sz="1600" i="1"/>
+                      <m:t>=4</m:t>
+                    </m:r>
+                  </m:oMath>
+                </a14:m>
+                <a:endParaRPr lang="uk-UA" sz="1600" dirty="0" smtClean="0"/>
+              </a:p>
+              <a:p>
+                <a:r>
+                  <a:rPr lang="uk-UA" dirty="0" smtClean="0"/>
+                  <a:t>Алгоритм припиняє роботу, у разі якщо продовж 20 ітерацій немає покращення розв’язку.</a:t>
+                </a:r>
+                <a:endParaRPr lang="ru-RU" dirty="0"/>
+              </a:p>
+            </p:txBody>
+          </p:sp>
+        </mc:Choice>
+        <mc:Fallback>
+          <p:sp>
+            <p:nvSpPr>
+              <p:cNvPr id="3" name="Текст 2"/>
+              <p:cNvSpPr>
+                <a:spLocks noGrp="1" noRot="1" noChangeAspect="1" noMove="1" noResize="1" noEditPoints="1" noAdjustHandles="1" noChangeArrowheads="1" noChangeShapeType="1" noTextEdit="1"/>
+              </p:cNvSpPr>
+              <p:nvPr>
+                <p:ph type="body" idx="1"/>
+              </p:nvPr>
+            </p:nvSpPr>
+            <p:spPr>
+              <a:blipFill>
+                <a:blip r:embed="rId2"/>
+                <a:stretch>
+                  <a:fillRect/>
+                </a:stretch>
+              </a:blipFill>
+            </p:spPr>
+            <p:txBody>
+              <a:bodyPr/>
+              <a:lstStyle/>
+              <a:p>
+                <a:r>
+                  <a:rPr lang="ru-RU">
+                    <a:noFill/>
+                  </a:rPr>
+                  <a:t> </a:t>
+                </a:r>
+              </a:p>
+            </p:txBody>
+          </p:sp>
+        </mc:Fallback>
+      </mc:AlternateContent>
+    </p:spTree>
+    <p:extLst>
+      <p:ext uri="{BB962C8B-B14F-4D97-AF65-F5344CB8AC3E}">
+        <p14:creationId xmlns:p14="http://schemas.microsoft.com/office/powerpoint/2010/main" val="2622125838"/>
+      </p:ext>
+    </p:extLst>
+  </p:cSld>
+  <p:clrMapOvr>
+    <a:masterClrMapping/>
+  </p:clrMapOvr>
+  <p:timing>
+    <p:tnLst>
+      <p:par>
+        <p:cTn id="1" dur="indefinite" restart="never" nodeType="tmRoot"/>
+      </p:par>
+    </p:tnLst>
+  </p:timing>
+</p:sld>
+</file>
+
+<file path=ppt/slides/slide11.xml><?xml version="1.0" encoding="utf-8"?>
+<p:sld xmlns:a="http://schemas.openxmlformats.org/drawingml/2006/main" xmlns:r="http://schemas.openxmlformats.org/officeDocument/2006/relationships" xmlns:p="http://schemas.openxmlformats.org/presentationml/2006/main">
+  <p:cSld>
+    <p:spTree>
+      <p:nvGrpSpPr>
+        <p:cNvPr id="1" name=""/>
+        <p:cNvGrpSpPr/>
+        <p:nvPr/>
+      </p:nvGrpSpPr>
+      <p:grpSpPr>
+        <a:xfrm>
+          <a:off x="0" y="0"/>
+          <a:ext cx="0" cy="0"/>
+          <a:chOff x="0" y="0"/>
+          <a:chExt cx="0" cy="0"/>
+        </a:xfrm>
+      </p:grpSpPr>
+      <p:sp>
+        <p:nvSpPr>
+          <p:cNvPr id="2" name="Заголовок 1"/>
+          <p:cNvSpPr>
+            <a:spLocks noGrp="1"/>
+          </p:cNvSpPr>
+          <p:nvPr>
+            <p:ph type="title"/>
+          </p:nvPr>
+        </p:nvSpPr>
+        <p:spPr/>
+        <p:txBody>
+          <a:bodyPr/>
+          <a:lstStyle/>
+          <a:p>
+            <a:r>
+              <a:rPr lang="uk-UA" dirty="0" smtClean="0"/>
+              <a:t>Алгоритм мурашиних колоній</a:t>
+            </a:r>
+            <a:endParaRPr lang="ru-RU" dirty="0"/>
+          </a:p>
+        </p:txBody>
+      </p:sp>
+      <p:sp>
+        <p:nvSpPr>
+          <p:cNvPr id="3" name="Текст 2"/>
+          <p:cNvSpPr>
+            <a:spLocks noGrp="1"/>
+          </p:cNvSpPr>
+          <p:nvPr>
+            <p:ph type="body" idx="1"/>
+          </p:nvPr>
+        </p:nvSpPr>
+        <p:spPr/>
+        <p:txBody>
+          <a:bodyPr/>
+          <a:lstStyle/>
+          <a:p>
+            <a:endParaRPr lang="ru-RU" dirty="0"/>
+          </a:p>
+        </p:txBody>
+      </p:sp>
+      <p:pic>
+        <p:nvPicPr>
+          <p:cNvPr id="1026" name="Picture 2" descr="ÐÐ¾Ñ+Ð¾Ð¶ÐµÐµ Ð¸Ð·Ð¾Ð±ÑÐ°Ð¶ÐµÐ½Ð¸Ðµ"/>
+          <p:cNvPicPr>
+            <a:picLocks noChangeAspect="1" noChangeArrowheads="1"/>
+          </p:cNvPicPr>
+          <p:nvPr/>
+        </p:nvPicPr>
+        <p:blipFill>
+          <a:blip r:embed="rId2">
+            <a:extLst>
+              <a:ext uri="{28A0092B-C50C-407E-A947-70E740481C1C}">
+                <a14:useLocalDpi xmlns:a14="http://schemas.microsoft.com/office/drawing/2010/main" val="0"/>
+              </a:ext>
+            </a:extLst>
+          </a:blip>
+          <a:srcRect/>
+          <a:stretch>
+            <a:fillRect/>
+          </a:stretch>
+        </p:blipFill>
+        <p:spPr bwMode="auto">
+          <a:xfrm>
+            <a:off x="2974975" y="1211350"/>
+            <a:ext cx="3429000" cy="3429001"/>
+          </a:xfrm>
+          <a:prstGeom prst="rect">
+            <a:avLst/>
+          </a:prstGeom>
+          <a:noFill/>
+          <a:extLst>
+            <a:ext uri="{909E8E84-426E-40DD-AFC4-6F175D3DCCD1}">
+              <a14:hiddenFill xmlns:a14="http://schemas.microsoft.com/office/drawing/2010/main">
+                <a:solidFill>
+                  <a:srgbClr val="FFFFFF"/>
+                </a:solidFill>
+              </a14:hiddenFill>
+            </a:ext>
+          </a:extLst>
+        </p:spPr>
+      </p:pic>
+    </p:spTree>
+    <p:extLst>
+      <p:ext uri="{BB962C8B-B14F-4D97-AF65-F5344CB8AC3E}">
+        <p14:creationId xmlns:p14="http://schemas.microsoft.com/office/powerpoint/2010/main" val="3528827350"/>
+      </p:ext>
+    </p:extLst>
+  </p:cSld>
+  <p:clrMapOvr>
+    <a:masterClrMapping/>
+  </p:clrMapOvr>
+  <p:timing>
+    <p:tnLst>
+      <p:par>
+        <p:cTn id="1" dur="indefinite" restart="never" nodeType="tmRoot"/>
+      </p:par>
+    </p:tnLst>
+  </p:timing>
+</p:sld>
+</file>
+
+<file path=ppt/slides/slide12.xml><?xml version="1.0" encoding="utf-8"?>
+<p:sld xmlns:a="http://schemas.openxmlformats.org/drawingml/2006/main" xmlns:r="http://schemas.openxmlformats.org/officeDocument/2006/relationships" xmlns:p="http://schemas.openxmlformats.org/presentationml/2006/main">
+  <p:cSld>
+    <p:spTree>
+      <p:nvGrpSpPr>
+        <p:cNvPr id="1" name=""/>
+        <p:cNvGrpSpPr/>
+        <p:nvPr/>
+      </p:nvGrpSpPr>
+      <p:grpSpPr>
+        <a:xfrm>
+          <a:off x="0" y="0"/>
+          <a:ext cx="0" cy="0"/>
+          <a:chOff x="0" y="0"/>
+          <a:chExt cx="0" cy="0"/>
+        </a:xfrm>
+      </p:grpSpPr>
+      <p:sp>
+        <p:nvSpPr>
+          <p:cNvPr id="2" name="Заголовок 1"/>
+          <p:cNvSpPr>
+            <a:spLocks noGrp="1"/>
+          </p:cNvSpPr>
+          <p:nvPr>
+            <p:ph type="title"/>
+          </p:nvPr>
+        </p:nvSpPr>
+        <p:spPr/>
+        <p:txBody>
+          <a:bodyPr/>
+          <a:lstStyle/>
+          <a:p>
+            <a:r>
+              <a:rPr lang="uk-UA" dirty="0" smtClean="0"/>
+              <a:t>Ідея алгоритму</a:t>
+            </a:r>
+            <a:endParaRPr lang="ru-RU" dirty="0"/>
+          </a:p>
+        </p:txBody>
+      </p:sp>
+      <p:sp>
+        <p:nvSpPr>
+          <p:cNvPr id="3" name="Текст 2"/>
+          <p:cNvSpPr>
+            <a:spLocks noGrp="1"/>
+          </p:cNvSpPr>
+          <p:nvPr>
+            <p:ph type="body" idx="1"/>
+          </p:nvPr>
+        </p:nvSpPr>
+        <p:spPr/>
+        <p:txBody>
+          <a:bodyPr/>
+          <a:lstStyle/>
+          <a:p>
+            <a:endParaRPr lang="ru-RU" dirty="0"/>
+          </a:p>
+        </p:txBody>
+      </p:sp>
+      <p:pic>
+        <p:nvPicPr>
+          <p:cNvPr id="2050" name="Picture 2" descr="Aco branches.svg"/>
+          <p:cNvPicPr>
+            <a:picLocks noChangeAspect="1" noChangeArrowheads="1"/>
+          </p:cNvPicPr>
+          <p:nvPr/>
+        </p:nvPicPr>
+        <p:blipFill>
+          <a:blip r:embed="rId2">
+            <a:extLst>
+              <a:ext uri="{28A0092B-C50C-407E-A947-70E740481C1C}">
+                <a14:useLocalDpi xmlns:a14="http://schemas.microsoft.com/office/drawing/2010/main" val="0"/>
+              </a:ext>
+            </a:extLst>
+          </a:blip>
+          <a:srcRect/>
+          <a:stretch>
+            <a:fillRect/>
+          </a:stretch>
+        </p:blipFill>
+        <p:spPr bwMode="auto">
+          <a:xfrm>
+            <a:off x="2100612" y="1211350"/>
+            <a:ext cx="3810000" cy="2857500"/>
+          </a:xfrm>
+          <a:prstGeom prst="rect">
+            <a:avLst/>
+          </a:prstGeom>
+          <a:noFill/>
+          <a:extLst>
+            <a:ext uri="{909E8E84-426E-40DD-AFC4-6F175D3DCCD1}">
+              <a14:hiddenFill xmlns:a14="http://schemas.microsoft.com/office/drawing/2010/main">
+                <a:solidFill>
+                  <a:srgbClr val="FFFFFF"/>
+                </a:solidFill>
+              </a14:hiddenFill>
+            </a:ext>
+          </a:extLst>
+        </p:spPr>
+      </p:pic>
+    </p:spTree>
+    <p:extLst>
+      <p:ext uri="{BB962C8B-B14F-4D97-AF65-F5344CB8AC3E}">
+        <p14:creationId xmlns:p14="http://schemas.microsoft.com/office/powerpoint/2010/main" val="3781266736"/>
+      </p:ext>
+    </p:extLst>
+  </p:cSld>
+  <p:clrMapOvr>
+    <a:masterClrMapping/>
+  </p:clrMapOvr>
+  <p:timing>
+    <p:tnLst>
+      <p:par>
+        <p:cTn id="1" dur="indefinite" restart="never" nodeType="tmRoot"/>
+      </p:par>
+    </p:tnLst>
+  </p:timing>
+</p:sld>
+</file>
+
+<file path=ppt/slides/slide13.xml><?xml version="1.0" encoding="utf-8"?>
+<p:sld xmlns:a="http://schemas.openxmlformats.org/drawingml/2006/main" xmlns:r="http://schemas.openxmlformats.org/officeDocument/2006/relationships" xmlns:p="http://schemas.openxmlformats.org/presentationml/2006/main">
+  <p:cSld>
+    <p:spTree>
+      <p:nvGrpSpPr>
+        <p:cNvPr id="1" name=""/>
+        <p:cNvGrpSpPr/>
+        <p:nvPr/>
+      </p:nvGrpSpPr>
+      <p:grpSpPr>
+        <a:xfrm>
+          <a:off x="0" y="0"/>
+          <a:ext cx="0" cy="0"/>
+          <a:chOff x="0" y="0"/>
+          <a:chExt cx="0" cy="0"/>
+        </a:xfrm>
+      </p:grpSpPr>
+      <p:sp>
+        <p:nvSpPr>
+          <p:cNvPr id="2" name="Заголовок 1"/>
+          <p:cNvSpPr>
+            <a:spLocks noGrp="1"/>
+          </p:cNvSpPr>
+          <p:nvPr>
+            <p:ph type="title"/>
+          </p:nvPr>
+        </p:nvSpPr>
+        <p:spPr/>
+        <p:txBody>
+          <a:bodyPr/>
+          <a:lstStyle/>
+          <a:p>
+            <a:r>
+              <a:rPr lang="uk-UA" dirty="0" smtClean="0"/>
+              <a:t>Застосування алгоритму</a:t>
+            </a:r>
+            <a:endParaRPr lang="ru-RU" dirty="0"/>
+          </a:p>
+        </p:txBody>
+      </p:sp>
+      <p:sp>
+        <p:nvSpPr>
+          <p:cNvPr id="3" name="Текст 2"/>
+          <p:cNvSpPr>
+            <a:spLocks noGrp="1"/>
+          </p:cNvSpPr>
+          <p:nvPr>
+            <p:ph type="body" idx="1"/>
+          </p:nvPr>
+        </p:nvSpPr>
+        <p:spPr/>
+        <p:txBody>
+          <a:bodyPr/>
+          <a:lstStyle/>
+          <a:p>
+            <a:endParaRPr lang="ru-RU"/>
+          </a:p>
+        </p:txBody>
+      </p:sp>
+      <p:pic>
+        <p:nvPicPr>
+          <p:cNvPr id="4" name="Рисунок 3"/>
+          <p:cNvPicPr>
+            <a:picLocks noChangeAspect="1"/>
+          </p:cNvPicPr>
+          <p:nvPr/>
+        </p:nvPicPr>
+        <p:blipFill>
+          <a:blip r:embed="rId2"/>
+          <a:stretch>
+            <a:fillRect/>
+          </a:stretch>
+        </p:blipFill>
+        <p:spPr>
+          <a:xfrm>
+            <a:off x="904555" y="1994195"/>
+            <a:ext cx="2991389" cy="1562666"/>
+          </a:xfrm>
+          <a:prstGeom prst="rect">
+            <a:avLst/>
+          </a:prstGeom>
+        </p:spPr>
+      </p:pic>
+      <p:pic>
+        <p:nvPicPr>
+          <p:cNvPr id="5" name="Рисунок 4"/>
+          <p:cNvPicPr/>
+          <p:nvPr/>
+        </p:nvPicPr>
+        <p:blipFill>
+          <a:blip r:embed="rId3"/>
+          <a:stretch>
+            <a:fillRect/>
+          </a:stretch>
+        </p:blipFill>
+        <p:spPr>
+          <a:xfrm>
+            <a:off x="4558310" y="1211350"/>
+            <a:ext cx="3870960" cy="3146425"/>
+          </a:xfrm>
+          <a:prstGeom prst="rect">
+            <a:avLst/>
+          </a:prstGeom>
+        </p:spPr>
+      </p:pic>
+    </p:spTree>
+    <p:extLst>
+      <p:ext uri="{BB962C8B-B14F-4D97-AF65-F5344CB8AC3E}">
+        <p14:creationId xmlns:p14="http://schemas.microsoft.com/office/powerpoint/2010/main" val="221332430"/>
+      </p:ext>
+    </p:extLst>
+  </p:cSld>
+  <p:clrMapOvr>
+    <a:masterClrMapping/>
+  </p:clrMapOvr>
+  <p:timing>
+    <p:tnLst>
+      <p:par>
+        <p:cTn id="1" dur="indefinite" restart="never" nodeType="tmRoot"/>
+      </p:par>
+    </p:tnLst>
+  </p:timing>
+</p:sld>
+</file>
+
+<file path=ppt/slides/slide14.xml><?xml version="1.0" encoding="utf-8"?>
+<p:sld xmlns:a="http://schemas.openxmlformats.org/drawingml/2006/main" xmlns:r="http://schemas.openxmlformats.org/officeDocument/2006/relationships" xmlns:p="http://schemas.openxmlformats.org/presentationml/2006/main">
+  <p:cSld>
+    <p:spTree>
+      <p:nvGrpSpPr>
+        <p:cNvPr id="1" name=""/>
+        <p:cNvGrpSpPr/>
+        <p:nvPr/>
+      </p:nvGrpSpPr>
+      <p:grpSpPr>
+        <a:xfrm>
+          <a:off x="0" y="0"/>
+          <a:ext cx="0" cy="0"/>
+          <a:chOff x="0" y="0"/>
+          <a:chExt cx="0" cy="0"/>
+        </a:xfrm>
+      </p:grpSpPr>
+      <p:sp>
+        <p:nvSpPr>
+          <p:cNvPr id="2" name="Заголовок 1"/>
+          <p:cNvSpPr>
+            <a:spLocks noGrp="1"/>
+          </p:cNvSpPr>
+          <p:nvPr>
+            <p:ph type="title"/>
+          </p:nvPr>
+        </p:nvSpPr>
+        <p:spPr/>
+        <p:txBody>
+          <a:bodyPr/>
+          <a:lstStyle/>
+          <a:p>
+            <a:r>
+              <a:rPr lang="uk-UA" dirty="0" smtClean="0"/>
+              <a:t>Перші кроки</a:t>
+            </a:r>
+            <a:endParaRPr lang="ru-RU" dirty="0"/>
+          </a:p>
+        </p:txBody>
+      </p:sp>
+      <p:sp>
+        <p:nvSpPr>
+          <p:cNvPr id="3" name="Текст 2"/>
+          <p:cNvSpPr>
+            <a:spLocks noGrp="1"/>
+          </p:cNvSpPr>
+          <p:nvPr>
+            <p:ph type="body" idx="1"/>
+          </p:nvPr>
+        </p:nvSpPr>
+        <p:spPr>
+          <a:xfrm>
+            <a:off x="4533254" y="1595776"/>
+            <a:ext cx="4198458" cy="3002400"/>
+          </a:xfrm>
+        </p:spPr>
+        <p:txBody>
+          <a:bodyPr/>
+          <a:lstStyle/>
+          <a:p>
+            <a:r>
+              <a:rPr lang="uk-UA" dirty="0" smtClean="0"/>
+              <a:t>Визначаємо початкову вершину випадковим чином. Ймовірності старту </a:t>
+            </a:r>
+            <a:r>
+              <a:rPr lang="uk-UA" dirty="0" err="1" smtClean="0"/>
+              <a:t>прямопропорційні</a:t>
+            </a:r>
+            <a:r>
+              <a:rPr lang="uk-UA" dirty="0" smtClean="0"/>
+              <a:t> кількості суміжних вершин.</a:t>
+            </a:r>
+            <a:endParaRPr lang="ru-RU" dirty="0"/>
+          </a:p>
+        </p:txBody>
+      </p:sp>
+      <p:pic>
+        <p:nvPicPr>
+          <p:cNvPr id="5" name="Рисунок 4"/>
+          <p:cNvPicPr>
+            <a:picLocks noChangeAspect="1"/>
+          </p:cNvPicPr>
+          <p:nvPr/>
+        </p:nvPicPr>
+        <p:blipFill>
+          <a:blip r:embed="rId2"/>
+          <a:stretch>
+            <a:fillRect/>
+          </a:stretch>
+        </p:blipFill>
+        <p:spPr>
+          <a:xfrm>
+            <a:off x="198652" y="1211349"/>
+            <a:ext cx="3784412" cy="3567089"/>
+          </a:xfrm>
+          <a:prstGeom prst="rect">
+            <a:avLst/>
+          </a:prstGeom>
+        </p:spPr>
+      </p:pic>
+    </p:spTree>
+    <p:extLst>
+      <p:ext uri="{BB962C8B-B14F-4D97-AF65-F5344CB8AC3E}">
+        <p14:creationId xmlns:p14="http://schemas.microsoft.com/office/powerpoint/2010/main" val="606396246"/>
+      </p:ext>
+    </p:extLst>
+  </p:cSld>
+  <p:clrMapOvr>
+    <a:masterClrMapping/>
+  </p:clrMapOvr>
+  <p:timing>
+    <p:tnLst>
+      <p:par>
+        <p:cTn id="1" dur="indefinite" restart="never" nodeType="tmRoot"/>
+      </p:par>
+    </p:tnLst>
+  </p:timing>
+</p:sld>
+</file>
+
+<file path=ppt/slides/slide15.xml><?xml version="1.0" encoding="utf-8"?>
+<p:sld xmlns:a="http://schemas.openxmlformats.org/drawingml/2006/main" xmlns:r="http://schemas.openxmlformats.org/officeDocument/2006/relationships" xmlns:p="http://schemas.openxmlformats.org/presentationml/2006/main">
+  <p:cSld>
+    <p:spTree>
+      <p:nvGrpSpPr>
+        <p:cNvPr id="1" name=""/>
+        <p:cNvGrpSpPr/>
+        <p:nvPr/>
+      </p:nvGrpSpPr>
+      <p:grpSpPr>
+        <a:xfrm>
+          <a:off x="0" y="0"/>
+          <a:ext cx="0" cy="0"/>
+          <a:chOff x="0" y="0"/>
+          <a:chExt cx="0" cy="0"/>
+        </a:xfrm>
+      </p:grpSpPr>
+      <p:sp>
+        <p:nvSpPr>
+          <p:cNvPr id="2" name="Заголовок 1"/>
+          <p:cNvSpPr>
+            <a:spLocks noGrp="1"/>
+          </p:cNvSpPr>
+          <p:nvPr>
+            <p:ph type="title"/>
+          </p:nvPr>
+        </p:nvSpPr>
+        <p:spPr/>
+        <p:txBody>
+          <a:bodyPr/>
+          <a:lstStyle/>
+          <a:p>
+            <a:r>
+              <a:rPr lang="uk-UA" dirty="0" smtClean="0"/>
+              <a:t>Подальші переходи</a:t>
+            </a:r>
+            <a:endParaRPr lang="ru-RU" dirty="0"/>
+          </a:p>
+        </p:txBody>
+      </p:sp>
+      <mc:AlternateContent xmlns:mc="http://schemas.openxmlformats.org/markup-compatibility/2006">
+        <mc:Choice xmlns:a14="http://schemas.microsoft.com/office/drawing/2010/main" Requires="a14">
+          <p:sp>
+            <p:nvSpPr>
+              <p:cNvPr id="3" name="Текст 2"/>
+              <p:cNvSpPr>
+                <a:spLocks noGrp="1"/>
+              </p:cNvSpPr>
+              <p:nvPr>
+                <p:ph type="body" idx="1"/>
+              </p:nvPr>
+            </p:nvSpPr>
+            <p:spPr>
+              <a:xfrm>
+                <a:off x="4238786" y="1595776"/>
+                <a:ext cx="4492926" cy="3002400"/>
+              </a:xfrm>
+            </p:spPr>
+            <p:txBody>
+              <a:bodyPr/>
+              <a:lstStyle/>
+              <a:p>
+                <a:r>
+                  <a:rPr lang="uk-UA" dirty="0" smtClean="0"/>
+                  <a:t>За формулою (1) вираховуємо ймовірність подальшого переходу</a:t>
+                </a:r>
+              </a:p>
+              <a:p>
+                <a:pPr marL="114300" indent="0" algn="ctr">
+                  <a:buNone/>
+                </a:pPr>
+                <a:r>
+                  <a:rPr lang="ru-RU" dirty="0" smtClean="0"/>
+                  <a:t>                                       </a:t>
+                </a:r>
+                <a14:m>
+                  <m:oMath xmlns:m="http://schemas.openxmlformats.org/officeDocument/2006/math">
+                    <m:sSub>
+                      <m:sSubPr>
+                        <m:ctrlPr>
+                          <a:rPr lang="ru-RU" i="1"/>
+                        </m:ctrlPr>
+                      </m:sSubPr>
+                      <m:e>
+                        <m:r>
+                          <a:rPr lang="uk-UA" i="1"/>
+                          <m:t>𝑃</m:t>
+                        </m:r>
+                      </m:e>
+                      <m:sub>
+                        <m:r>
+                          <a:rPr lang="uk-UA" i="1"/>
+                          <m:t>𝑖</m:t>
+                        </m:r>
+                      </m:sub>
+                    </m:sSub>
+                    <m:d>
+                      <m:dPr>
+                        <m:ctrlPr>
+                          <a:rPr lang="ru-RU" i="1"/>
+                        </m:ctrlPr>
+                      </m:dPr>
+                      <m:e>
+                        <m:r>
+                          <a:rPr lang="uk-UA" i="1"/>
+                          <m:t>𝑆</m:t>
+                        </m:r>
+                      </m:e>
+                    </m:d>
+                    <m:r>
+                      <a:rPr lang="uk-UA" i="1"/>
+                      <m:t>= </m:t>
+                    </m:r>
+                    <m:f>
+                      <m:fPr>
+                        <m:ctrlPr>
+                          <a:rPr lang="ru-RU" i="1"/>
+                        </m:ctrlPr>
+                      </m:fPr>
+                      <m:num>
+                        <m:sSub>
+                          <m:sSubPr>
+                            <m:ctrlPr>
+                              <a:rPr lang="ru-RU" i="1"/>
+                            </m:ctrlPr>
+                          </m:sSubPr>
+                          <m:e>
+                            <m:r>
+                              <a:rPr lang="uk-UA" i="1"/>
+                              <m:t>𝑘</m:t>
+                            </m:r>
+                          </m:e>
+                          <m:sub>
+                            <m:r>
+                              <a:rPr lang="uk-UA" i="1"/>
+                              <m:t>𝑖</m:t>
+                            </m:r>
+                          </m:sub>
+                        </m:sSub>
+                        <m:r>
+                          <a:rPr lang="uk-UA" i="1"/>
+                          <m:t>∗</m:t>
+                        </m:r>
+                        <m:sSub>
+                          <m:sSubPr>
+                            <m:ctrlPr>
+                              <a:rPr lang="ru-RU" i="1"/>
+                            </m:ctrlPr>
+                          </m:sSubPr>
+                          <m:e>
+                            <m:r>
+                              <a:rPr lang="en-US" i="1"/>
+                              <m:t>𝑓</m:t>
+                            </m:r>
+                          </m:e>
+                          <m:sub>
+                            <m:r>
+                              <a:rPr lang="uk-UA" i="1"/>
+                              <m:t>𝑖𝑠</m:t>
+                            </m:r>
+                          </m:sub>
+                        </m:sSub>
+                      </m:num>
+                      <m:den>
+                        <m:nary>
+                          <m:naryPr>
+                            <m:chr m:val="∑"/>
+                            <m:limLoc m:val="undOvr"/>
+                            <m:subHide m:val="on"/>
+                            <m:supHide m:val="on"/>
+                            <m:ctrlPr>
+                              <a:rPr lang="ru-RU" i="1"/>
+                            </m:ctrlPr>
+                          </m:naryPr>
+                          <m:sub/>
+                          <m:sup/>
+                          <m:e>
+                            <m:sSub>
+                              <m:sSubPr>
+                                <m:ctrlPr>
+                                  <a:rPr lang="ru-RU" i="1"/>
+                                </m:ctrlPr>
+                              </m:sSubPr>
+                              <m:e>
+                                <m:r>
+                                  <a:rPr lang="uk-UA" i="1"/>
+                                  <m:t>𝑘</m:t>
+                                </m:r>
+                              </m:e>
+                              <m:sub>
+                                <m:r>
+                                  <a:rPr lang="uk-UA" i="1"/>
+                                  <m:t>𝑖</m:t>
+                                </m:r>
+                              </m:sub>
+                            </m:sSub>
+                            <m:r>
+                              <a:rPr lang="uk-UA" i="1"/>
+                              <m:t>∗</m:t>
+                            </m:r>
+                            <m:sSub>
+                              <m:sSubPr>
+                                <m:ctrlPr>
+                                  <a:rPr lang="ru-RU" i="1"/>
+                                </m:ctrlPr>
+                              </m:sSubPr>
+                              <m:e>
+                                <m:r>
+                                  <a:rPr lang="en-US" i="1"/>
+                                  <m:t>𝑓</m:t>
+                                </m:r>
+                              </m:e>
+                              <m:sub>
+                                <m:r>
+                                  <a:rPr lang="uk-UA" i="1"/>
+                                  <m:t>𝑖𝑠</m:t>
+                                </m:r>
+                              </m:sub>
+                            </m:sSub>
+                          </m:e>
+                        </m:nary>
+                      </m:den>
+                    </m:f>
+                  </m:oMath>
+                </a14:m>
+                <a:r>
+                  <a:rPr lang="ru-RU" dirty="0" smtClean="0"/>
+                  <a:t> 		(1) </a:t>
+                </a:r>
+                <a:endParaRPr lang="ru-RU" dirty="0"/>
+              </a:p>
+            </p:txBody>
+          </p:sp>
+        </mc:Choice>
+        <mc:Fallback>
+          <p:sp>
+            <p:nvSpPr>
+              <p:cNvPr id="3" name="Текст 2"/>
+              <p:cNvSpPr>
+                <a:spLocks noGrp="1" noRot="1" noChangeAspect="1" noMove="1" noResize="1" noEditPoints="1" noAdjustHandles="1" noChangeArrowheads="1" noChangeShapeType="1" noTextEdit="1"/>
+              </p:cNvSpPr>
+              <p:nvPr>
+                <p:ph type="body" idx="1"/>
+              </p:nvPr>
+            </p:nvSpPr>
+            <p:spPr>
+              <a:xfrm>
+                <a:off x="4238786" y="1595776"/>
+                <a:ext cx="4492926" cy="3002400"/>
+              </a:xfrm>
+              <a:blipFill>
+                <a:blip r:embed="rId2"/>
+                <a:stretch>
+                  <a:fillRect/>
+                </a:stretch>
+              </a:blipFill>
+            </p:spPr>
+            <p:txBody>
+              <a:bodyPr/>
+              <a:lstStyle/>
+              <a:p>
+                <a:r>
+                  <a:rPr lang="ru-RU">
+                    <a:noFill/>
+                  </a:rPr>
+                  <a:t> </a:t>
+                </a:r>
+              </a:p>
+            </p:txBody>
+          </p:sp>
+        </mc:Fallback>
+      </mc:AlternateContent>
+      <p:pic>
+        <p:nvPicPr>
+          <p:cNvPr id="4" name="Рисунок 3"/>
+          <p:cNvPicPr>
+            <a:picLocks noChangeAspect="1"/>
+          </p:cNvPicPr>
+          <p:nvPr/>
+        </p:nvPicPr>
+        <p:blipFill>
+          <a:blip r:embed="rId3"/>
+          <a:stretch>
+            <a:fillRect/>
+          </a:stretch>
+        </p:blipFill>
+        <p:spPr>
+          <a:xfrm>
+            <a:off x="125822" y="1595776"/>
+            <a:ext cx="3438788" cy="955983"/>
+          </a:xfrm>
+          <a:prstGeom prst="rect">
+            <a:avLst/>
+          </a:prstGeom>
+        </p:spPr>
+      </p:pic>
+      <p:pic>
+        <p:nvPicPr>
+          <p:cNvPr id="5" name="Рисунок 4"/>
+          <p:cNvPicPr/>
+          <p:nvPr/>
+        </p:nvPicPr>
+        <p:blipFill>
+          <a:blip r:embed="rId4"/>
+          <a:stretch>
+            <a:fillRect/>
+          </a:stretch>
+        </p:blipFill>
+        <p:spPr>
+          <a:xfrm>
+            <a:off x="125822" y="2551758"/>
+            <a:ext cx="3438788" cy="2046417"/>
+          </a:xfrm>
+          <a:prstGeom prst="rect">
+            <a:avLst/>
+          </a:prstGeom>
+        </p:spPr>
+      </p:pic>
+    </p:spTree>
+    <p:extLst>
+      <p:ext uri="{BB962C8B-B14F-4D97-AF65-F5344CB8AC3E}">
+        <p14:creationId xmlns:p14="http://schemas.microsoft.com/office/powerpoint/2010/main" val="3477561078"/>
+      </p:ext>
+    </p:extLst>
+  </p:cSld>
+  <p:clrMapOvr>
+    <a:masterClrMapping/>
+  </p:clrMapOvr>
+  <p:timing>
+    <p:tnLst>
+      <p:par>
+        <p:cTn id="1" dur="indefinite" restart="never" nodeType="tmRoot"/>
+      </p:par>
+    </p:tnLst>
+  </p:timing>
+</p:sld>
+</file>
+
+<file path=ppt/slides/slide16.xml><?xml version="1.0" encoding="utf-8"?>
+<p:sld xmlns:a="http://schemas.openxmlformats.org/drawingml/2006/main" xmlns:r="http://schemas.openxmlformats.org/officeDocument/2006/relationships" xmlns:p="http://schemas.openxmlformats.org/presentationml/2006/main">
+  <p:cSld>
+    <p:spTree>
+      <p:nvGrpSpPr>
+        <p:cNvPr id="1" name=""/>
+        <p:cNvGrpSpPr/>
+        <p:nvPr/>
+      </p:nvGrpSpPr>
+      <p:grpSpPr>
+        <a:xfrm>
+          <a:off x="0" y="0"/>
+          <a:ext cx="0" cy="0"/>
+          <a:chOff x="0" y="0"/>
+          <a:chExt cx="0" cy="0"/>
+        </a:xfrm>
+      </p:grpSpPr>
+      <p:sp>
+        <p:nvSpPr>
+          <p:cNvPr id="2" name="Заголовок 1"/>
+          <p:cNvSpPr>
+            <a:spLocks noGrp="1"/>
+          </p:cNvSpPr>
+          <p:nvPr>
+            <p:ph type="title"/>
+          </p:nvPr>
+        </p:nvSpPr>
+        <p:spPr/>
+        <p:txBody>
+          <a:bodyPr/>
+          <a:lstStyle/>
+          <a:p>
+            <a:r>
+              <a:rPr lang="uk-UA" dirty="0" smtClean="0"/>
+              <a:t>Подальші переходи</a:t>
+            </a:r>
+            <a:endParaRPr lang="ru-RU" dirty="0"/>
+          </a:p>
+        </p:txBody>
+      </p:sp>
+      <mc:AlternateContent xmlns:mc="http://schemas.openxmlformats.org/markup-compatibility/2006">
+        <mc:Choice xmlns:a14="http://schemas.microsoft.com/office/drawing/2010/main" Requires="a14">
+          <p:sp>
+            <p:nvSpPr>
+              <p:cNvPr id="3" name="Текст 2"/>
+              <p:cNvSpPr>
+                <a:spLocks noGrp="1"/>
+              </p:cNvSpPr>
+              <p:nvPr>
+                <p:ph type="body" idx="1"/>
+              </p:nvPr>
+            </p:nvSpPr>
+            <p:spPr>
+              <a:xfrm>
+                <a:off x="3029918" y="1595776"/>
+                <a:ext cx="5701793" cy="3002400"/>
+              </a:xfrm>
+            </p:spPr>
+            <p:txBody>
+              <a:bodyPr/>
+              <a:lstStyle/>
+              <a:p>
+                <a:pPr marL="114300" indent="0">
+                  <a:buNone/>
+                </a:pPr>
+                <a:r>
+                  <a:rPr lang="ru-RU" dirty="0" smtClean="0"/>
+                  <a:t>Перераху</a:t>
+                </a:r>
+                <a:r>
+                  <a:rPr lang="uk-UA" dirty="0" err="1" smtClean="0"/>
+                  <a:t>ємо</a:t>
+                </a:r>
+                <a:r>
+                  <a:rPr lang="uk-UA" dirty="0" smtClean="0"/>
+                  <a:t> ймовірності</a:t>
+                </a:r>
+              </a:p>
+              <a:p>
+                <a:pPr marL="114300" indent="0">
+                  <a:buNone/>
+                </a:pPr>
+                <a:endParaRPr lang="uk-UA" dirty="0" smtClean="0"/>
+              </a:p>
+              <a:p>
+                <a:pPr marL="114300" indent="0">
+                  <a:buNone/>
+                </a:pPr>
+                <a:endParaRPr lang="uk-UA" dirty="0"/>
+              </a:p>
+              <a:p>
+                <a:pPr marL="114300" indent="0">
+                  <a:buNone/>
+                </a:pPr>
+                <a:r>
+                  <a:rPr lang="uk-UA" dirty="0"/>
+                  <a:t>4 вершина </a:t>
+                </a:r>
+                <a:r>
+                  <a:rPr lang="uk-UA" dirty="0" smtClean="0"/>
+                  <a:t>0 </a:t>
+                </a:r>
+                <a:r>
+                  <a:rPr lang="uk-UA" dirty="0"/>
+                  <a:t>так як </a:t>
+                </a:r>
+                <a14:m>
+                  <m:oMath xmlns:m="http://schemas.openxmlformats.org/officeDocument/2006/math">
+                    <m:sSub>
+                      <m:sSubPr>
+                        <m:ctrlPr>
+                          <a:rPr lang="ru-RU" i="1"/>
+                        </m:ctrlPr>
+                      </m:sSubPr>
+                      <m:e>
+                        <m:r>
+                          <a:rPr lang="en-US" i="1"/>
+                          <m:t>𝑘</m:t>
+                        </m:r>
+                      </m:e>
+                      <m:sub>
+                        <m:r>
+                          <a:rPr lang="uk-UA" i="1"/>
+                          <m:t>4</m:t>
+                        </m:r>
+                      </m:sub>
+                    </m:sSub>
+                    <m:d>
+                      <m:dPr>
+                        <m:ctrlPr>
+                          <a:rPr lang="ru-RU" i="1"/>
+                        </m:ctrlPr>
+                      </m:dPr>
+                      <m:e>
+                        <m:r>
+                          <a:rPr lang="uk-UA" i="1"/>
+                          <m:t>3, 1</m:t>
+                        </m:r>
+                      </m:e>
+                    </m:d>
+                    <m:r>
+                      <a:rPr lang="uk-UA" i="1"/>
+                      <m:t>=</m:t>
+                    </m:r>
+                    <m:r>
+                      <a:rPr lang="uk-UA" b="0" i="1" smtClean="0">
+                        <a:latin typeface="Cambria Math" panose="02040503050406030204" pitchFamily="18" charset="0"/>
+                      </a:rPr>
+                      <m:t>0</m:t>
+                    </m:r>
+                  </m:oMath>
+                </a14:m>
+                <a:r>
+                  <a:rPr lang="uk-UA" dirty="0"/>
+                  <a:t>. Тобто 4 вершина не суміжна кожному елементу поточного шляху</a:t>
+                </a:r>
+                <a:r>
+                  <a:rPr lang="uk-UA" dirty="0" smtClean="0"/>
+                  <a:t>.</a:t>
+                </a:r>
+              </a:p>
+              <a:p>
+                <a:pPr marL="114300" indent="0">
+                  <a:buNone/>
+                </a:pPr>
+                <a:endParaRPr lang="uk-UA" dirty="0"/>
+              </a:p>
+              <a:p>
+                <a:pPr marL="114300" indent="0">
+                  <a:buNone/>
+                </a:pPr>
+                <a:r>
+                  <a:rPr lang="uk-UA" dirty="0"/>
+                  <a:t>Перша ітерація завершена так як усі </a:t>
+                </a:r>
+                <a14:m>
+                  <m:oMath xmlns:m="http://schemas.openxmlformats.org/officeDocument/2006/math">
+                    <m:sSub>
+                      <m:sSubPr>
+                        <m:ctrlPr>
+                          <a:rPr lang="ru-RU" i="1"/>
+                        </m:ctrlPr>
+                      </m:sSubPr>
+                      <m:e>
+                        <m:r>
+                          <a:rPr lang="en-US" i="1"/>
+                          <m:t>𝑘</m:t>
+                        </m:r>
+                      </m:e>
+                      <m:sub>
+                        <m:r>
+                          <a:rPr lang="uk-UA" i="1"/>
+                          <m:t>𝑖</m:t>
+                        </m:r>
+                      </m:sub>
+                    </m:sSub>
+                    <m:d>
+                      <m:dPr>
+                        <m:ctrlPr>
+                          <a:rPr lang="ru-RU" i="1"/>
+                        </m:ctrlPr>
+                      </m:dPr>
+                      <m:e>
+                        <m:r>
+                          <a:rPr lang="uk-UA" i="1"/>
+                          <m:t>3, 1, 2</m:t>
+                        </m:r>
+                      </m:e>
+                    </m:d>
+                    <m:r>
+                      <a:rPr lang="uk-UA" i="1"/>
+                      <m:t>=0</m:t>
+                    </m:r>
+                  </m:oMath>
+                </a14:m>
+                <a:endParaRPr lang="ru-RU" dirty="0"/>
+              </a:p>
+              <a:p>
+                <a:pPr marL="114300" indent="0">
+                  <a:buNone/>
+                </a:pPr>
+                <a:endParaRPr lang="ru-RU" dirty="0"/>
+              </a:p>
+              <a:p>
+                <a:pPr marL="114300" indent="0">
+                  <a:buNone/>
+                </a:pPr>
+                <a:endParaRPr lang="ru-RU" dirty="0"/>
+              </a:p>
+            </p:txBody>
+          </p:sp>
+        </mc:Choice>
+        <mc:Fallback>
+          <p:sp>
+            <p:nvSpPr>
+              <p:cNvPr id="3" name="Текст 2"/>
+              <p:cNvSpPr>
+                <a:spLocks noGrp="1" noRot="1" noChangeAspect="1" noMove="1" noResize="1" noEditPoints="1" noAdjustHandles="1" noChangeArrowheads="1" noChangeShapeType="1" noTextEdit="1"/>
+              </p:cNvSpPr>
+              <p:nvPr>
+                <p:ph type="body" idx="1"/>
+              </p:nvPr>
+            </p:nvSpPr>
+            <p:spPr>
+              <a:xfrm>
+                <a:off x="3029918" y="1595776"/>
+                <a:ext cx="5701793" cy="3002400"/>
+              </a:xfrm>
+              <a:blipFill>
+                <a:blip r:embed="rId2"/>
+                <a:stretch>
+                  <a:fillRect/>
+                </a:stretch>
+              </a:blipFill>
+            </p:spPr>
+            <p:txBody>
+              <a:bodyPr/>
+              <a:lstStyle/>
+              <a:p>
+                <a:r>
+                  <a:rPr lang="ru-RU">
+                    <a:noFill/>
+                  </a:rPr>
+                  <a:t> </a:t>
+                </a:r>
+              </a:p>
+            </p:txBody>
+          </p:sp>
+        </mc:Fallback>
+      </mc:AlternateContent>
+      <p:pic>
+        <p:nvPicPr>
+          <p:cNvPr id="9" name="Рисунок 8"/>
+          <p:cNvPicPr/>
+          <p:nvPr/>
+        </p:nvPicPr>
+        <p:blipFill>
+          <a:blip r:embed="rId3"/>
+          <a:stretch>
+            <a:fillRect/>
+          </a:stretch>
+        </p:blipFill>
+        <p:spPr>
+          <a:xfrm>
+            <a:off x="3143896" y="2033345"/>
+            <a:ext cx="3830341" cy="624614"/>
+          </a:xfrm>
+          <a:prstGeom prst="rect">
+            <a:avLst/>
+          </a:prstGeom>
+        </p:spPr>
+      </p:pic>
+      <p:pic>
+        <p:nvPicPr>
+          <p:cNvPr id="10" name="Рисунок 9"/>
+          <p:cNvPicPr/>
+          <p:nvPr/>
+        </p:nvPicPr>
+        <p:blipFill>
+          <a:blip r:embed="rId4"/>
+          <a:stretch>
+            <a:fillRect/>
+          </a:stretch>
+        </p:blipFill>
+        <p:spPr>
+          <a:xfrm>
+            <a:off x="0" y="1693992"/>
+            <a:ext cx="2933700" cy="2685415"/>
+          </a:xfrm>
+          <a:prstGeom prst="rect">
+            <a:avLst/>
+          </a:prstGeom>
+        </p:spPr>
+      </p:pic>
+    </p:spTree>
+    <p:extLst>
+      <p:ext uri="{BB962C8B-B14F-4D97-AF65-F5344CB8AC3E}">
+        <p14:creationId xmlns:p14="http://schemas.microsoft.com/office/powerpoint/2010/main" val="1247828003"/>
+      </p:ext>
+    </p:extLst>
+  </p:cSld>
+  <p:clrMapOvr>
+    <a:masterClrMapping/>
+  </p:clrMapOvr>
+  <p:timing>
+    <p:tnLst>
+      <p:par>
+        <p:cTn id="1" dur="indefinite" restart="never" nodeType="tmRoot"/>
+      </p:par>
+    </p:tnLst>
+  </p:timing>
+</p:sld>
+</file>
+
+<file path=ppt/slides/slide17.xml><?xml version="1.0" encoding="utf-8"?>
+<p:sld xmlns:a="http://schemas.openxmlformats.org/drawingml/2006/main" xmlns:r="http://schemas.openxmlformats.org/officeDocument/2006/relationships" xmlns:p="http://schemas.openxmlformats.org/presentationml/2006/main">
+  <p:cSld>
+    <p:spTree>
+      <p:nvGrpSpPr>
+        <p:cNvPr id="1" name=""/>
+        <p:cNvGrpSpPr/>
+        <p:nvPr/>
+      </p:nvGrpSpPr>
+      <p:grpSpPr>
+        <a:xfrm>
+          <a:off x="0" y="0"/>
+          <a:ext cx="0" cy="0"/>
+          <a:chOff x="0" y="0"/>
+          <a:chExt cx="0" cy="0"/>
+        </a:xfrm>
+      </p:grpSpPr>
+      <p:sp>
+        <p:nvSpPr>
+          <p:cNvPr id="2" name="Заголовок 1"/>
+          <p:cNvSpPr>
+            <a:spLocks noGrp="1"/>
+          </p:cNvSpPr>
+          <p:nvPr>
+            <p:ph type="title"/>
+          </p:nvPr>
+        </p:nvSpPr>
+        <p:spPr/>
+        <p:txBody>
+          <a:bodyPr/>
+          <a:lstStyle/>
+          <a:p>
+            <a:r>
+              <a:rPr lang="uk-UA" dirty="0" smtClean="0"/>
+              <a:t>Перерахунок феромонів</a:t>
+            </a:r>
+            <a:endParaRPr lang="ru-RU" dirty="0"/>
+          </a:p>
+        </p:txBody>
+      </p:sp>
+      <mc:AlternateContent xmlns:mc="http://schemas.openxmlformats.org/markup-compatibility/2006">
+        <mc:Choice xmlns:a14="http://schemas.microsoft.com/office/drawing/2010/main" Requires="a14">
+          <p:sp>
+            <p:nvSpPr>
+              <p:cNvPr id="3" name="Текст 2"/>
+              <p:cNvSpPr>
+                <a:spLocks noGrp="1"/>
+              </p:cNvSpPr>
+              <p:nvPr>
+                <p:ph type="body" idx="1"/>
+              </p:nvPr>
+            </p:nvSpPr>
+            <p:spPr>
+              <a:xfrm>
+                <a:off x="2410112" y="1363851"/>
+                <a:ext cx="6321600" cy="3234325"/>
+              </a:xfrm>
+            </p:spPr>
+            <p:txBody>
+              <a:bodyPr/>
+              <a:lstStyle/>
+              <a:p>
+                <a:pPr marL="114300" indent="0">
+                  <a:buNone/>
+                </a:pPr>
+                <a:r>
+                  <a:rPr lang="uk-UA" dirty="0" smtClean="0"/>
+                  <a:t>Перерахуємо феромони за формулами:</a:t>
+                </a:r>
+              </a:p>
+              <a:p>
+                <a:r>
+                  <a:rPr lang="uk-UA" dirty="0" smtClean="0"/>
+                  <a:t>Вершина входить у шлях:</a:t>
+                </a:r>
+              </a:p>
+              <a:p>
+                <a:pPr marL="114300" indent="0">
+                  <a:buNone/>
+                </a:pPr>
+                <a14:m>
+                  <m:oMathPara xmlns:m="http://schemas.openxmlformats.org/officeDocument/2006/math">
+                    <m:oMathParaPr>
+                      <m:jc m:val="centerGroup"/>
+                    </m:oMathParaPr>
+                    <m:oMath xmlns:m="http://schemas.openxmlformats.org/officeDocument/2006/math">
+                      <m:sSubSup>
+                        <m:sSubSupPr>
+                          <m:ctrlPr>
+                            <a:rPr lang="ru-RU" i="1"/>
+                          </m:ctrlPr>
+                        </m:sSubSupPr>
+                        <m:e>
+                          <m:r>
+                            <a:rPr lang="uk-UA" i="1"/>
+                            <m:t>𝑓</m:t>
+                          </m:r>
+                        </m:e>
+                        <m:sub>
+                          <m:r>
+                            <a:rPr lang="uk-UA" i="1"/>
+                            <m:t>𝑖𝑗</m:t>
+                          </m:r>
+                        </m:sub>
+                        <m:sup>
+                          <m:r>
+                            <a:rPr lang="uk-UA" i="1"/>
+                            <m:t>∗</m:t>
+                          </m:r>
+                        </m:sup>
+                      </m:sSubSup>
+                      <m:r>
+                        <a:rPr lang="uk-UA" i="1"/>
+                        <m:t>= </m:t>
+                      </m:r>
+                      <m:sSub>
+                        <m:sSubPr>
+                          <m:ctrlPr>
+                            <a:rPr lang="ru-RU" i="1"/>
+                          </m:ctrlPr>
+                        </m:sSubPr>
+                        <m:e>
+                          <m:r>
+                            <a:rPr lang="uk-UA" i="1"/>
+                            <m:t>𝑓</m:t>
+                          </m:r>
+                        </m:e>
+                        <m:sub>
+                          <m:r>
+                            <a:rPr lang="uk-UA" i="1"/>
+                            <m:t>𝑖𝑗</m:t>
+                          </m:r>
+                        </m:sub>
+                      </m:sSub>
+                      <m:r>
+                        <a:rPr lang="uk-UA" i="1"/>
+                        <m:t>+</m:t>
+                      </m:r>
+                      <m:d>
+                        <m:dPr>
+                          <m:ctrlPr>
+                            <a:rPr lang="ru-RU" i="1"/>
+                          </m:ctrlPr>
+                        </m:dPr>
+                        <m:e>
+                          <m:r>
+                            <a:rPr lang="uk-UA" i="1"/>
+                            <m:t>1−</m:t>
+                          </m:r>
+                          <m:r>
+                            <a:rPr lang="uk-UA" i="1"/>
+                            <m:t>𝜌</m:t>
+                          </m:r>
+                        </m:e>
+                      </m:d>
+                      <m:r>
+                        <a:rPr lang="uk-UA" i="1"/>
+                        <m:t>∗ </m:t>
+                      </m:r>
+                      <m:f>
+                        <m:fPr>
+                          <m:ctrlPr>
+                            <a:rPr lang="ru-RU" i="1"/>
+                          </m:ctrlPr>
+                        </m:fPr>
+                        <m:num>
+                          <m:r>
+                            <a:rPr lang="en-US" i="1"/>
+                            <m:t>𝐿</m:t>
+                          </m:r>
+                        </m:num>
+                        <m:den>
+                          <m:r>
+                            <a:rPr lang="uk-UA" i="1"/>
+                            <m:t>𝑁</m:t>
+                          </m:r>
+                        </m:den>
+                      </m:f>
+                      <m:r>
+                        <a:rPr lang="uk-UA" b="0" i="0" smtClean="0">
+                          <a:latin typeface="Cambria Math" panose="02040503050406030204" pitchFamily="18" charset="0"/>
+                        </a:rPr>
+                        <m:t>,</m:t>
+                      </m:r>
+                    </m:oMath>
+                  </m:oMathPara>
+                </a14:m>
+                <a:endParaRPr lang="uk-UA" b="0" dirty="0" smtClean="0"/>
+              </a:p>
+              <a:p>
+                <a:pPr marL="114300" indent="0">
+                  <a:buNone/>
+                </a:pPr>
+                <a:r>
+                  <a:rPr lang="uk-UA" dirty="0"/>
+                  <a:t>д</a:t>
+                </a:r>
+                <a:r>
+                  <a:rPr lang="uk-UA" dirty="0" smtClean="0"/>
+                  <a:t>е </a:t>
+                </a:r>
+                <a:r>
+                  <a:rPr lang="en-US" dirty="0"/>
+                  <a:t>L</a:t>
+                </a:r>
+                <a:r>
+                  <a:rPr lang="ru-RU" dirty="0"/>
+                  <a:t> – </a:t>
+                </a:r>
+                <a:r>
+                  <a:rPr lang="uk-UA" dirty="0"/>
+                  <a:t>кількість вершин у знайденому шляху, </a:t>
+                </a:r>
+                <a:r>
+                  <a:rPr lang="en-US" dirty="0"/>
+                  <a:t>N</a:t>
+                </a:r>
+                <a:r>
+                  <a:rPr lang="ru-RU" dirty="0"/>
+                  <a:t> – </a:t>
+                </a:r>
+                <a:r>
+                  <a:rPr lang="uk-UA" dirty="0"/>
+                  <a:t>вершин </a:t>
+                </a:r>
+                <a:r>
+                  <a:rPr lang="uk-UA" dirty="0" smtClean="0"/>
+                  <a:t>всього.</a:t>
+                </a:r>
+              </a:p>
+              <a:p>
+                <a:r>
+                  <a:rPr lang="uk-UA" dirty="0"/>
+                  <a:t> </a:t>
+                </a:r>
+                <a:r>
+                  <a:rPr lang="uk-UA" dirty="0" smtClean="0"/>
+                  <a:t>Не входить:</a:t>
+                </a:r>
+              </a:p>
+              <a:p>
+                <a:pPr marL="114300" indent="0">
+                  <a:buNone/>
+                </a:pPr>
+                <a14:m>
+                  <m:oMathPara xmlns:m="http://schemas.openxmlformats.org/officeDocument/2006/math">
+                    <m:oMathParaPr>
+                      <m:jc m:val="centerGroup"/>
+                    </m:oMathParaPr>
+                    <m:oMath xmlns:m="http://schemas.openxmlformats.org/officeDocument/2006/math">
+                      <m:sSubSup>
+                        <m:sSubSupPr>
+                          <m:ctrlPr>
+                            <a:rPr lang="ru-RU" i="1"/>
+                          </m:ctrlPr>
+                        </m:sSubSupPr>
+                        <m:e>
+                          <m:r>
+                            <a:rPr lang="uk-UA" i="1"/>
+                            <m:t>𝑓</m:t>
+                          </m:r>
+                        </m:e>
+                        <m:sub>
+                          <m:r>
+                            <a:rPr lang="uk-UA" i="1"/>
+                            <m:t>𝑖𝑗</m:t>
+                          </m:r>
+                        </m:sub>
+                        <m:sup>
+                          <m:r>
+                            <a:rPr lang="uk-UA" i="1"/>
+                            <m:t>∗</m:t>
+                          </m:r>
+                        </m:sup>
+                      </m:sSubSup>
+                      <m:r>
+                        <a:rPr lang="uk-UA" i="1"/>
+                        <m:t>= </m:t>
+                      </m:r>
+                      <m:sSub>
+                        <m:sSubPr>
+                          <m:ctrlPr>
+                            <a:rPr lang="ru-RU" i="1"/>
+                          </m:ctrlPr>
+                        </m:sSubPr>
+                        <m:e>
+                          <m:r>
+                            <a:rPr lang="uk-UA" i="1"/>
+                            <m:t>𝑓</m:t>
+                          </m:r>
+                        </m:e>
+                        <m:sub>
+                          <m:r>
+                            <a:rPr lang="uk-UA" i="1"/>
+                            <m:t>𝑖𝑗</m:t>
+                          </m:r>
+                        </m:sub>
+                      </m:sSub>
+                      <m:r>
+                        <a:rPr lang="uk-UA" i="1"/>
+                        <m:t>∗</m:t>
+                      </m:r>
+                      <m:r>
+                        <a:rPr lang="uk-UA" i="1"/>
+                        <m:t>𝜌</m:t>
+                      </m:r>
+                      <m:r>
+                        <a:rPr lang="uk-UA" i="1"/>
+                        <m:t> </m:t>
+                      </m:r>
+                    </m:oMath>
+                  </m:oMathPara>
+                </a14:m>
+                <a:endParaRPr lang="ru-RU" dirty="0"/>
+              </a:p>
+              <a:p>
+                <a:pPr marL="114300" indent="0">
+                  <a:buNone/>
+                </a:pPr>
+                <a:endParaRPr lang="ru-RU" dirty="0"/>
+              </a:p>
+              <a:p>
+                <a:pPr marL="114300" indent="0">
+                  <a:buNone/>
+                </a:pPr>
+                <a:endParaRPr lang="ru-RU" dirty="0"/>
+              </a:p>
+            </p:txBody>
+          </p:sp>
+        </mc:Choice>
+        <mc:Fallback>
+          <p:sp>
+            <p:nvSpPr>
+              <p:cNvPr id="3" name="Текст 2"/>
+              <p:cNvSpPr>
+                <a:spLocks noGrp="1" noRot="1" noChangeAspect="1" noMove="1" noResize="1" noEditPoints="1" noAdjustHandles="1" noChangeArrowheads="1" noChangeShapeType="1" noTextEdit="1"/>
+              </p:cNvSpPr>
+              <p:nvPr>
+                <p:ph type="body" idx="1"/>
+              </p:nvPr>
+            </p:nvSpPr>
+            <p:spPr>
+              <a:xfrm>
+                <a:off x="2410112" y="1363851"/>
+                <a:ext cx="6321600" cy="3234325"/>
+              </a:xfrm>
+              <a:blipFill>
+                <a:blip r:embed="rId2"/>
+                <a:stretch>
+                  <a:fillRect/>
+                </a:stretch>
+              </a:blipFill>
+            </p:spPr>
+            <p:txBody>
+              <a:bodyPr/>
+              <a:lstStyle/>
+              <a:p>
+                <a:r>
+                  <a:rPr lang="ru-RU">
+                    <a:noFill/>
+                  </a:rPr>
+                  <a:t> </a:t>
+                </a:r>
+              </a:p>
+            </p:txBody>
+          </p:sp>
+        </mc:Fallback>
+      </mc:AlternateContent>
+      <p:graphicFrame>
+        <p:nvGraphicFramePr>
+          <p:cNvPr id="4" name="Таблица 3"/>
+          <p:cNvGraphicFramePr>
+            <a:graphicFrameLocks noGrp="1"/>
+          </p:cNvGraphicFramePr>
+          <p:nvPr>
+            <p:extLst>
+              <p:ext uri="{D42A27DB-BD31-4B8C-83A1-F6EECF244321}">
+                <p14:modId xmlns:p14="http://schemas.microsoft.com/office/powerpoint/2010/main" val="1164164564"/>
+              </p:ext>
+            </p:extLst>
+          </p:nvPr>
+        </p:nvGraphicFramePr>
+        <p:xfrm>
+          <a:off x="92531" y="2190057"/>
+          <a:ext cx="2224465" cy="2076471"/>
+        </p:xfrm>
+        <a:graphic>
+          <a:graphicData uri="http://schemas.openxmlformats.org/drawingml/2006/table">
+            <a:tbl>
+              <a:tblPr firstRow="1" firstCol="1" bandRow="1">
+                <a:tableStyleId>{9C128410-66C6-4D36-986E-70A37BD2A468}</a:tableStyleId>
+              </a:tblPr>
+              <a:tblGrid>
+                <a:gridCol w="444893">
+                  <a:extLst>
+                    <a:ext uri="{9D8B030D-6E8A-4147-A177-3AD203B41FA5}">
+                      <a16:colId xmlns:a16="http://schemas.microsoft.com/office/drawing/2014/main" val="3599136220"/>
+                    </a:ext>
+                  </a:extLst>
+                </a:gridCol>
+                <a:gridCol w="444893">
+                  <a:extLst>
+                    <a:ext uri="{9D8B030D-6E8A-4147-A177-3AD203B41FA5}">
+                      <a16:colId xmlns:a16="http://schemas.microsoft.com/office/drawing/2014/main" val="3362059554"/>
+                    </a:ext>
+                  </a:extLst>
+                </a:gridCol>
+                <a:gridCol w="444893">
+                  <a:extLst>
+                    <a:ext uri="{9D8B030D-6E8A-4147-A177-3AD203B41FA5}">
+                      <a16:colId xmlns:a16="http://schemas.microsoft.com/office/drawing/2014/main" val="2805540732"/>
+                    </a:ext>
+                  </a:extLst>
+                </a:gridCol>
+                <a:gridCol w="444893">
+                  <a:extLst>
+                    <a:ext uri="{9D8B030D-6E8A-4147-A177-3AD203B41FA5}">
+                      <a16:colId xmlns:a16="http://schemas.microsoft.com/office/drawing/2014/main" val="3980137433"/>
+                    </a:ext>
+                  </a:extLst>
+                </a:gridCol>
+                <a:gridCol w="444893">
+                  <a:extLst>
+                    <a:ext uri="{9D8B030D-6E8A-4147-A177-3AD203B41FA5}">
+                      <a16:colId xmlns:a16="http://schemas.microsoft.com/office/drawing/2014/main" val="1434295125"/>
+                    </a:ext>
+                  </a:extLst>
+                </a:gridCol>
+              </a:tblGrid>
+              <a:tr h="430697">
+                <a:tc>
+                  <a:txBody>
+                    <a:bodyPr/>
+                    <a:lstStyle/>
+                    <a:p>
+                      <a:pPr algn="r">
+                        <a:lnSpc>
+                          <a:spcPct val="107000"/>
+                        </a:lnSpc>
+                        <a:spcAft>
+                          <a:spcPts val="0"/>
+                        </a:spcAft>
+                      </a:pPr>
+                      <a:r>
+                        <a:rPr lang="ru-RU" sz="1100">
+                          <a:effectLst/>
+                        </a:rPr>
+                        <a:t>0</a:t>
+                      </a:r>
+                      <a:endParaRPr lang="ru-RU" sz="1100">
+                        <a:effectLst/>
+                        <a:latin typeface="Calibri" panose="020F0502020204030204" pitchFamily="34" charset="0"/>
+                        <a:ea typeface="Calibri" panose="020F0502020204030204" pitchFamily="34" charset="0"/>
+                        <a:cs typeface="Times New Roman" panose="02020603050405020304" pitchFamily="18" charset="0"/>
+                      </a:endParaRPr>
+                    </a:p>
+                  </a:txBody>
+                  <a:tcPr marL="68580" marR="68580" marT="0" marB="0" anchor="b"/>
+                </a:tc>
+                <a:tc>
+                  <a:txBody>
+                    <a:bodyPr/>
+                    <a:lstStyle/>
+                    <a:p>
+                      <a:pPr algn="r">
+                        <a:lnSpc>
+                          <a:spcPct val="107000"/>
+                        </a:lnSpc>
+                        <a:spcAft>
+                          <a:spcPts val="0"/>
+                        </a:spcAft>
+                      </a:pPr>
+                      <a:r>
+                        <a:rPr lang="ru-RU" sz="1100">
+                          <a:effectLst/>
+                        </a:rPr>
+                        <a:t>1,36</a:t>
+                      </a:r>
+                      <a:endParaRPr lang="ru-RU" sz="1100">
+                        <a:effectLst/>
+                        <a:latin typeface="Calibri" panose="020F0502020204030204" pitchFamily="34" charset="0"/>
+                        <a:ea typeface="Calibri" panose="020F0502020204030204" pitchFamily="34" charset="0"/>
+                        <a:cs typeface="Times New Roman" panose="02020603050405020304" pitchFamily="18" charset="0"/>
+                      </a:endParaRPr>
+                    </a:p>
+                  </a:txBody>
+                  <a:tcPr marL="68580" marR="68580" marT="0" marB="0" anchor="b"/>
+                </a:tc>
+                <a:tc>
+                  <a:txBody>
+                    <a:bodyPr/>
+                    <a:lstStyle/>
+                    <a:p>
+                      <a:pPr algn="r">
+                        <a:lnSpc>
+                          <a:spcPct val="107000"/>
+                        </a:lnSpc>
+                        <a:spcAft>
+                          <a:spcPts val="0"/>
+                        </a:spcAft>
+                      </a:pPr>
+                      <a:r>
+                        <a:rPr lang="ru-RU" sz="1100">
+                          <a:effectLst/>
+                        </a:rPr>
+                        <a:t>1,36</a:t>
+                      </a:r>
+                      <a:endParaRPr lang="ru-RU" sz="1100">
+                        <a:effectLst/>
+                        <a:latin typeface="Calibri" panose="020F0502020204030204" pitchFamily="34" charset="0"/>
+                        <a:ea typeface="Calibri" panose="020F0502020204030204" pitchFamily="34" charset="0"/>
+                        <a:cs typeface="Times New Roman" panose="02020603050405020304" pitchFamily="18" charset="0"/>
+                      </a:endParaRPr>
+                    </a:p>
+                  </a:txBody>
+                  <a:tcPr marL="68580" marR="68580" marT="0" marB="0" anchor="b"/>
+                </a:tc>
+                <a:tc>
+                  <a:txBody>
+                    <a:bodyPr/>
+                    <a:lstStyle/>
+                    <a:p>
+                      <a:pPr algn="r">
+                        <a:lnSpc>
+                          <a:spcPct val="107000"/>
+                        </a:lnSpc>
+                        <a:spcAft>
+                          <a:spcPts val="0"/>
+                        </a:spcAft>
+                      </a:pPr>
+                      <a:r>
+                        <a:rPr lang="ru-RU" sz="1100">
+                          <a:effectLst/>
+                        </a:rPr>
+                        <a:t>0</a:t>
+                      </a:r>
+                      <a:endParaRPr lang="ru-RU" sz="1100">
+                        <a:effectLst/>
+                        <a:latin typeface="Calibri" panose="020F0502020204030204" pitchFamily="34" charset="0"/>
+                        <a:ea typeface="Calibri" panose="020F0502020204030204" pitchFamily="34" charset="0"/>
+                        <a:cs typeface="Times New Roman" panose="02020603050405020304" pitchFamily="18" charset="0"/>
+                      </a:endParaRPr>
+                    </a:p>
+                  </a:txBody>
+                  <a:tcPr marL="68580" marR="68580" marT="0" marB="0" anchor="b"/>
+                </a:tc>
+                <a:tc>
+                  <a:txBody>
+                    <a:bodyPr/>
+                    <a:lstStyle/>
+                    <a:p>
+                      <a:pPr algn="r">
+                        <a:lnSpc>
+                          <a:spcPct val="107000"/>
+                        </a:lnSpc>
+                        <a:spcAft>
+                          <a:spcPts val="0"/>
+                        </a:spcAft>
+                      </a:pPr>
+                      <a:r>
+                        <a:rPr lang="ru-RU" sz="1100">
+                          <a:effectLst/>
+                        </a:rPr>
+                        <a:t>0,4</a:t>
+                      </a:r>
+                      <a:endParaRPr lang="ru-RU" sz="1100">
+                        <a:effectLst/>
+                        <a:latin typeface="Calibri" panose="020F0502020204030204" pitchFamily="34" charset="0"/>
+                        <a:ea typeface="Calibri" panose="020F0502020204030204" pitchFamily="34" charset="0"/>
+                        <a:cs typeface="Times New Roman" panose="02020603050405020304" pitchFamily="18" charset="0"/>
+                      </a:endParaRPr>
+                    </a:p>
+                  </a:txBody>
+                  <a:tcPr marL="68580" marR="68580" marT="0" marB="0" anchor="b"/>
+                </a:tc>
+                <a:extLst>
+                  <a:ext uri="{0D108BD9-81ED-4DB2-BD59-A6C34878D82A}">
+                    <a16:rowId xmlns:a16="http://schemas.microsoft.com/office/drawing/2014/main" val="2773325957"/>
+                  </a:ext>
+                </a:extLst>
+              </a:tr>
+              <a:tr h="430697">
+                <a:tc>
+                  <a:txBody>
+                    <a:bodyPr/>
+                    <a:lstStyle/>
+                    <a:p>
+                      <a:pPr algn="r">
+                        <a:lnSpc>
+                          <a:spcPct val="107000"/>
+                        </a:lnSpc>
+                        <a:spcAft>
+                          <a:spcPts val="0"/>
+                        </a:spcAft>
+                      </a:pPr>
+                      <a:r>
+                        <a:rPr lang="ru-RU" sz="1100">
+                          <a:effectLst/>
+                        </a:rPr>
+                        <a:t>1,36</a:t>
+                      </a:r>
+                      <a:endParaRPr lang="ru-RU" sz="1100">
+                        <a:effectLst/>
+                        <a:latin typeface="Calibri" panose="020F0502020204030204" pitchFamily="34" charset="0"/>
+                        <a:ea typeface="Calibri" panose="020F0502020204030204" pitchFamily="34" charset="0"/>
+                        <a:cs typeface="Times New Roman" panose="02020603050405020304" pitchFamily="18" charset="0"/>
+                      </a:endParaRPr>
+                    </a:p>
+                  </a:txBody>
+                  <a:tcPr marL="68580" marR="68580" marT="0" marB="0" anchor="b"/>
+                </a:tc>
+                <a:tc>
+                  <a:txBody>
+                    <a:bodyPr/>
+                    <a:lstStyle/>
+                    <a:p>
+                      <a:pPr algn="r">
+                        <a:lnSpc>
+                          <a:spcPct val="107000"/>
+                        </a:lnSpc>
+                        <a:spcAft>
+                          <a:spcPts val="0"/>
+                        </a:spcAft>
+                      </a:pPr>
+                      <a:r>
+                        <a:rPr lang="ru-RU" sz="1100">
+                          <a:effectLst/>
+                        </a:rPr>
+                        <a:t>0</a:t>
+                      </a:r>
+                      <a:endParaRPr lang="ru-RU" sz="1100">
+                        <a:effectLst/>
+                        <a:latin typeface="Calibri" panose="020F0502020204030204" pitchFamily="34" charset="0"/>
+                        <a:ea typeface="Calibri" panose="020F0502020204030204" pitchFamily="34" charset="0"/>
+                        <a:cs typeface="Times New Roman" panose="02020603050405020304" pitchFamily="18" charset="0"/>
+                      </a:endParaRPr>
+                    </a:p>
+                  </a:txBody>
+                  <a:tcPr marL="68580" marR="68580" marT="0" marB="0" anchor="b"/>
+                </a:tc>
+                <a:tc>
+                  <a:txBody>
+                    <a:bodyPr/>
+                    <a:lstStyle/>
+                    <a:p>
+                      <a:pPr algn="r">
+                        <a:lnSpc>
+                          <a:spcPct val="107000"/>
+                        </a:lnSpc>
+                        <a:spcAft>
+                          <a:spcPts val="0"/>
+                        </a:spcAft>
+                      </a:pPr>
+                      <a:r>
+                        <a:rPr lang="ru-RU" sz="1100">
+                          <a:effectLst/>
+                        </a:rPr>
+                        <a:t>1,36</a:t>
+                      </a:r>
+                      <a:endParaRPr lang="ru-RU" sz="1100">
+                        <a:effectLst/>
+                        <a:latin typeface="Calibri" panose="020F0502020204030204" pitchFamily="34" charset="0"/>
+                        <a:ea typeface="Calibri" panose="020F0502020204030204" pitchFamily="34" charset="0"/>
+                        <a:cs typeface="Times New Roman" panose="02020603050405020304" pitchFamily="18" charset="0"/>
+                      </a:endParaRPr>
+                    </a:p>
+                  </a:txBody>
+                  <a:tcPr marL="68580" marR="68580" marT="0" marB="0" anchor="b"/>
+                </a:tc>
+                <a:tc>
+                  <a:txBody>
+                    <a:bodyPr/>
+                    <a:lstStyle/>
+                    <a:p>
+                      <a:pPr algn="r">
+                        <a:lnSpc>
+                          <a:spcPct val="107000"/>
+                        </a:lnSpc>
+                        <a:spcAft>
+                          <a:spcPts val="0"/>
+                        </a:spcAft>
+                      </a:pPr>
+                      <a:r>
+                        <a:rPr lang="ru-RU" sz="1100">
+                          <a:effectLst/>
+                        </a:rPr>
+                        <a:t>0</a:t>
+                      </a:r>
+                      <a:endParaRPr lang="ru-RU" sz="1100">
+                        <a:effectLst/>
+                        <a:latin typeface="Calibri" panose="020F0502020204030204" pitchFamily="34" charset="0"/>
+                        <a:ea typeface="Calibri" panose="020F0502020204030204" pitchFamily="34" charset="0"/>
+                        <a:cs typeface="Times New Roman" panose="02020603050405020304" pitchFamily="18" charset="0"/>
+                      </a:endParaRPr>
+                    </a:p>
+                  </a:txBody>
+                  <a:tcPr marL="68580" marR="68580" marT="0" marB="0" anchor="b"/>
+                </a:tc>
+                <a:tc>
+                  <a:txBody>
+                    <a:bodyPr/>
+                    <a:lstStyle/>
+                    <a:p>
+                      <a:pPr algn="r">
+                        <a:lnSpc>
+                          <a:spcPct val="107000"/>
+                        </a:lnSpc>
+                        <a:spcAft>
+                          <a:spcPts val="0"/>
+                        </a:spcAft>
+                      </a:pPr>
+                      <a:r>
+                        <a:rPr lang="ru-RU" sz="1100">
+                          <a:effectLst/>
+                        </a:rPr>
+                        <a:t>0</a:t>
+                      </a:r>
+                      <a:endParaRPr lang="ru-RU" sz="1100">
+                        <a:effectLst/>
+                        <a:latin typeface="Calibri" panose="020F0502020204030204" pitchFamily="34" charset="0"/>
+                        <a:ea typeface="Calibri" panose="020F0502020204030204" pitchFamily="34" charset="0"/>
+                        <a:cs typeface="Times New Roman" panose="02020603050405020304" pitchFamily="18" charset="0"/>
+                      </a:endParaRPr>
+                    </a:p>
+                  </a:txBody>
+                  <a:tcPr marL="68580" marR="68580" marT="0" marB="0" anchor="b"/>
+                </a:tc>
+                <a:extLst>
+                  <a:ext uri="{0D108BD9-81ED-4DB2-BD59-A6C34878D82A}">
+                    <a16:rowId xmlns:a16="http://schemas.microsoft.com/office/drawing/2014/main" val="910840368"/>
+                  </a:ext>
+                </a:extLst>
+              </a:tr>
+              <a:tr h="430697">
+                <a:tc>
+                  <a:txBody>
+                    <a:bodyPr/>
+                    <a:lstStyle/>
+                    <a:p>
+                      <a:pPr algn="r">
+                        <a:lnSpc>
+                          <a:spcPct val="107000"/>
+                        </a:lnSpc>
+                        <a:spcAft>
+                          <a:spcPts val="0"/>
+                        </a:spcAft>
+                      </a:pPr>
+                      <a:r>
+                        <a:rPr lang="ru-RU" sz="1100">
+                          <a:effectLst/>
+                        </a:rPr>
+                        <a:t>1,36</a:t>
+                      </a:r>
+                      <a:endParaRPr lang="ru-RU" sz="1100">
+                        <a:effectLst/>
+                        <a:latin typeface="Calibri" panose="020F0502020204030204" pitchFamily="34" charset="0"/>
+                        <a:ea typeface="Calibri" panose="020F0502020204030204" pitchFamily="34" charset="0"/>
+                        <a:cs typeface="Times New Roman" panose="02020603050405020304" pitchFamily="18" charset="0"/>
+                      </a:endParaRPr>
+                    </a:p>
+                  </a:txBody>
+                  <a:tcPr marL="68580" marR="68580" marT="0" marB="0" anchor="b"/>
+                </a:tc>
+                <a:tc>
+                  <a:txBody>
+                    <a:bodyPr/>
+                    <a:lstStyle/>
+                    <a:p>
+                      <a:pPr algn="r">
+                        <a:lnSpc>
+                          <a:spcPct val="107000"/>
+                        </a:lnSpc>
+                        <a:spcAft>
+                          <a:spcPts val="0"/>
+                        </a:spcAft>
+                      </a:pPr>
+                      <a:r>
+                        <a:rPr lang="ru-RU" sz="1100">
+                          <a:effectLst/>
+                        </a:rPr>
+                        <a:t>1,36</a:t>
+                      </a:r>
+                      <a:endParaRPr lang="ru-RU" sz="1100">
+                        <a:effectLst/>
+                        <a:latin typeface="Calibri" panose="020F0502020204030204" pitchFamily="34" charset="0"/>
+                        <a:ea typeface="Calibri" panose="020F0502020204030204" pitchFamily="34" charset="0"/>
+                        <a:cs typeface="Times New Roman" panose="02020603050405020304" pitchFamily="18" charset="0"/>
+                      </a:endParaRPr>
+                    </a:p>
+                  </a:txBody>
+                  <a:tcPr marL="68580" marR="68580" marT="0" marB="0" anchor="b"/>
+                </a:tc>
+                <a:tc>
+                  <a:txBody>
+                    <a:bodyPr/>
+                    <a:lstStyle/>
+                    <a:p>
+                      <a:pPr algn="r">
+                        <a:lnSpc>
+                          <a:spcPct val="107000"/>
+                        </a:lnSpc>
+                        <a:spcAft>
+                          <a:spcPts val="0"/>
+                        </a:spcAft>
+                      </a:pPr>
+                      <a:r>
+                        <a:rPr lang="ru-RU" sz="1100">
+                          <a:effectLst/>
+                        </a:rPr>
+                        <a:t>0</a:t>
+                      </a:r>
+                      <a:endParaRPr lang="ru-RU" sz="1100">
+                        <a:effectLst/>
+                        <a:latin typeface="Calibri" panose="020F0502020204030204" pitchFamily="34" charset="0"/>
+                        <a:ea typeface="Calibri" panose="020F0502020204030204" pitchFamily="34" charset="0"/>
+                        <a:cs typeface="Times New Roman" panose="02020603050405020304" pitchFamily="18" charset="0"/>
+                      </a:endParaRPr>
+                    </a:p>
+                  </a:txBody>
+                  <a:tcPr marL="68580" marR="68580" marT="0" marB="0" anchor="b"/>
+                </a:tc>
+                <a:tc>
+                  <a:txBody>
+                    <a:bodyPr/>
+                    <a:lstStyle/>
+                    <a:p>
+                      <a:pPr algn="r">
+                        <a:lnSpc>
+                          <a:spcPct val="107000"/>
+                        </a:lnSpc>
+                        <a:spcAft>
+                          <a:spcPts val="0"/>
+                        </a:spcAft>
+                      </a:pPr>
+                      <a:r>
+                        <a:rPr lang="ru-RU" sz="1100">
+                          <a:effectLst/>
+                        </a:rPr>
+                        <a:t>0,4</a:t>
+                      </a:r>
+                      <a:endParaRPr lang="ru-RU" sz="1100">
+                        <a:effectLst/>
+                        <a:latin typeface="Calibri" panose="020F0502020204030204" pitchFamily="34" charset="0"/>
+                        <a:ea typeface="Calibri" panose="020F0502020204030204" pitchFamily="34" charset="0"/>
+                        <a:cs typeface="Times New Roman" panose="02020603050405020304" pitchFamily="18" charset="0"/>
+                      </a:endParaRPr>
+                    </a:p>
+                  </a:txBody>
+                  <a:tcPr marL="68580" marR="68580" marT="0" marB="0" anchor="b"/>
+                </a:tc>
+                <a:tc>
+                  <a:txBody>
+                    <a:bodyPr/>
+                    <a:lstStyle/>
+                    <a:p>
+                      <a:pPr algn="r">
+                        <a:lnSpc>
+                          <a:spcPct val="107000"/>
+                        </a:lnSpc>
+                        <a:spcAft>
+                          <a:spcPts val="0"/>
+                        </a:spcAft>
+                      </a:pPr>
+                      <a:r>
+                        <a:rPr lang="ru-RU" sz="1100">
+                          <a:effectLst/>
+                        </a:rPr>
+                        <a:t>0,4</a:t>
+                      </a:r>
+                      <a:endParaRPr lang="ru-RU" sz="1100">
+                        <a:effectLst/>
+                        <a:latin typeface="Calibri" panose="020F0502020204030204" pitchFamily="34" charset="0"/>
+                        <a:ea typeface="Calibri" panose="020F0502020204030204" pitchFamily="34" charset="0"/>
+                        <a:cs typeface="Times New Roman" panose="02020603050405020304" pitchFamily="18" charset="0"/>
+                      </a:endParaRPr>
+                    </a:p>
+                  </a:txBody>
+                  <a:tcPr marL="68580" marR="68580" marT="0" marB="0" anchor="b"/>
+                </a:tc>
+                <a:extLst>
+                  <a:ext uri="{0D108BD9-81ED-4DB2-BD59-A6C34878D82A}">
+                    <a16:rowId xmlns:a16="http://schemas.microsoft.com/office/drawing/2014/main" val="1214272252"/>
+                  </a:ext>
+                </a:extLst>
+              </a:tr>
+              <a:tr h="353683">
+                <a:tc>
+                  <a:txBody>
+                    <a:bodyPr/>
+                    <a:lstStyle/>
+                    <a:p>
+                      <a:pPr algn="r">
+                        <a:lnSpc>
+                          <a:spcPct val="107000"/>
+                        </a:lnSpc>
+                        <a:spcAft>
+                          <a:spcPts val="0"/>
+                        </a:spcAft>
+                      </a:pPr>
+                      <a:r>
+                        <a:rPr lang="ru-RU" sz="1100">
+                          <a:effectLst/>
+                        </a:rPr>
+                        <a:t>0</a:t>
+                      </a:r>
+                      <a:endParaRPr lang="ru-RU" sz="1100">
+                        <a:effectLst/>
+                        <a:latin typeface="Calibri" panose="020F0502020204030204" pitchFamily="34" charset="0"/>
+                        <a:ea typeface="Calibri" panose="020F0502020204030204" pitchFamily="34" charset="0"/>
+                        <a:cs typeface="Times New Roman" panose="02020603050405020304" pitchFamily="18" charset="0"/>
+                      </a:endParaRPr>
+                    </a:p>
+                  </a:txBody>
+                  <a:tcPr marL="68580" marR="68580" marT="0" marB="0" anchor="b"/>
+                </a:tc>
+                <a:tc>
+                  <a:txBody>
+                    <a:bodyPr/>
+                    <a:lstStyle/>
+                    <a:p>
+                      <a:pPr algn="r">
+                        <a:lnSpc>
+                          <a:spcPct val="107000"/>
+                        </a:lnSpc>
+                        <a:spcAft>
+                          <a:spcPts val="0"/>
+                        </a:spcAft>
+                      </a:pPr>
+                      <a:r>
+                        <a:rPr lang="ru-RU" sz="1100">
+                          <a:effectLst/>
+                        </a:rPr>
+                        <a:t>0</a:t>
+                      </a:r>
+                      <a:endParaRPr lang="ru-RU" sz="1100">
+                        <a:effectLst/>
+                        <a:latin typeface="Calibri" panose="020F0502020204030204" pitchFamily="34" charset="0"/>
+                        <a:ea typeface="Calibri" panose="020F0502020204030204" pitchFamily="34" charset="0"/>
+                        <a:cs typeface="Times New Roman" panose="02020603050405020304" pitchFamily="18" charset="0"/>
+                      </a:endParaRPr>
+                    </a:p>
+                  </a:txBody>
+                  <a:tcPr marL="68580" marR="68580" marT="0" marB="0" anchor="b"/>
+                </a:tc>
+                <a:tc>
+                  <a:txBody>
+                    <a:bodyPr/>
+                    <a:lstStyle/>
+                    <a:p>
+                      <a:pPr algn="r">
+                        <a:lnSpc>
+                          <a:spcPct val="107000"/>
+                        </a:lnSpc>
+                        <a:spcAft>
+                          <a:spcPts val="0"/>
+                        </a:spcAft>
+                      </a:pPr>
+                      <a:r>
+                        <a:rPr lang="ru-RU" sz="1100">
+                          <a:effectLst/>
+                        </a:rPr>
+                        <a:t>0,4</a:t>
+                      </a:r>
+                      <a:endParaRPr lang="ru-RU" sz="1100">
+                        <a:effectLst/>
+                        <a:latin typeface="Calibri" panose="020F0502020204030204" pitchFamily="34" charset="0"/>
+                        <a:ea typeface="Calibri" panose="020F0502020204030204" pitchFamily="34" charset="0"/>
+                        <a:cs typeface="Times New Roman" panose="02020603050405020304" pitchFamily="18" charset="0"/>
+                      </a:endParaRPr>
+                    </a:p>
+                  </a:txBody>
+                  <a:tcPr marL="68580" marR="68580" marT="0" marB="0" anchor="b"/>
+                </a:tc>
+                <a:tc>
+                  <a:txBody>
+                    <a:bodyPr/>
+                    <a:lstStyle/>
+                    <a:p>
+                      <a:pPr algn="r">
+                        <a:lnSpc>
+                          <a:spcPct val="107000"/>
+                        </a:lnSpc>
+                        <a:spcAft>
+                          <a:spcPts val="0"/>
+                        </a:spcAft>
+                      </a:pPr>
+                      <a:r>
+                        <a:rPr lang="ru-RU" sz="1100">
+                          <a:effectLst/>
+                        </a:rPr>
+                        <a:t>0</a:t>
+                      </a:r>
+                      <a:endParaRPr lang="ru-RU" sz="1100">
+                        <a:effectLst/>
+                        <a:latin typeface="Calibri" panose="020F0502020204030204" pitchFamily="34" charset="0"/>
+                        <a:ea typeface="Calibri" panose="020F0502020204030204" pitchFamily="34" charset="0"/>
+                        <a:cs typeface="Times New Roman" panose="02020603050405020304" pitchFamily="18" charset="0"/>
+                      </a:endParaRPr>
+                    </a:p>
+                  </a:txBody>
+                  <a:tcPr marL="68580" marR="68580" marT="0" marB="0" anchor="b"/>
+                </a:tc>
+                <a:tc>
+                  <a:txBody>
+                    <a:bodyPr/>
+                    <a:lstStyle/>
+                    <a:p>
+                      <a:pPr algn="r">
+                        <a:lnSpc>
+                          <a:spcPct val="107000"/>
+                        </a:lnSpc>
+                        <a:spcAft>
+                          <a:spcPts val="0"/>
+                        </a:spcAft>
+                      </a:pPr>
+                      <a:r>
+                        <a:rPr lang="ru-RU" sz="1100">
+                          <a:effectLst/>
+                        </a:rPr>
+                        <a:t>0,4</a:t>
+                      </a:r>
+                      <a:endParaRPr lang="ru-RU" sz="1100">
+                        <a:effectLst/>
+                        <a:latin typeface="Calibri" panose="020F0502020204030204" pitchFamily="34" charset="0"/>
+                        <a:ea typeface="Calibri" panose="020F0502020204030204" pitchFamily="34" charset="0"/>
+                        <a:cs typeface="Times New Roman" panose="02020603050405020304" pitchFamily="18" charset="0"/>
+                      </a:endParaRPr>
+                    </a:p>
+                  </a:txBody>
+                  <a:tcPr marL="68580" marR="68580" marT="0" marB="0" anchor="b"/>
+                </a:tc>
+                <a:extLst>
+                  <a:ext uri="{0D108BD9-81ED-4DB2-BD59-A6C34878D82A}">
+                    <a16:rowId xmlns:a16="http://schemas.microsoft.com/office/drawing/2014/main" val="4143112724"/>
+                  </a:ext>
+                </a:extLst>
+              </a:tr>
+              <a:tr h="430697">
+                <a:tc>
+                  <a:txBody>
+                    <a:bodyPr/>
+                    <a:lstStyle/>
+                    <a:p>
+                      <a:pPr algn="r">
+                        <a:lnSpc>
+                          <a:spcPct val="107000"/>
+                        </a:lnSpc>
+                        <a:spcAft>
+                          <a:spcPts val="0"/>
+                        </a:spcAft>
+                      </a:pPr>
+                      <a:r>
+                        <a:rPr lang="ru-RU" sz="1100">
+                          <a:effectLst/>
+                        </a:rPr>
+                        <a:t>1,36</a:t>
+                      </a:r>
+                      <a:endParaRPr lang="ru-RU" sz="1100">
+                        <a:effectLst/>
+                        <a:latin typeface="Calibri" panose="020F0502020204030204" pitchFamily="34" charset="0"/>
+                        <a:ea typeface="Calibri" panose="020F0502020204030204" pitchFamily="34" charset="0"/>
+                        <a:cs typeface="Times New Roman" panose="02020603050405020304" pitchFamily="18" charset="0"/>
+                      </a:endParaRPr>
+                    </a:p>
+                  </a:txBody>
+                  <a:tcPr marL="68580" marR="68580" marT="0" marB="0" anchor="b"/>
+                </a:tc>
+                <a:tc>
+                  <a:txBody>
+                    <a:bodyPr/>
+                    <a:lstStyle/>
+                    <a:p>
+                      <a:pPr algn="r">
+                        <a:lnSpc>
+                          <a:spcPct val="107000"/>
+                        </a:lnSpc>
+                        <a:spcAft>
+                          <a:spcPts val="0"/>
+                        </a:spcAft>
+                      </a:pPr>
+                      <a:r>
+                        <a:rPr lang="ru-RU" sz="1100">
+                          <a:effectLst/>
+                        </a:rPr>
+                        <a:t>0</a:t>
+                      </a:r>
+                      <a:endParaRPr lang="ru-RU" sz="1100">
+                        <a:effectLst/>
+                        <a:latin typeface="Calibri" panose="020F0502020204030204" pitchFamily="34" charset="0"/>
+                        <a:ea typeface="Calibri" panose="020F0502020204030204" pitchFamily="34" charset="0"/>
+                        <a:cs typeface="Times New Roman" panose="02020603050405020304" pitchFamily="18" charset="0"/>
+                      </a:endParaRPr>
+                    </a:p>
+                  </a:txBody>
+                  <a:tcPr marL="68580" marR="68580" marT="0" marB="0" anchor="b"/>
+                </a:tc>
+                <a:tc>
+                  <a:txBody>
+                    <a:bodyPr/>
+                    <a:lstStyle/>
+                    <a:p>
+                      <a:pPr algn="r">
+                        <a:lnSpc>
+                          <a:spcPct val="107000"/>
+                        </a:lnSpc>
+                        <a:spcAft>
+                          <a:spcPts val="0"/>
+                        </a:spcAft>
+                      </a:pPr>
+                      <a:r>
+                        <a:rPr lang="ru-RU" sz="1100">
+                          <a:effectLst/>
+                        </a:rPr>
+                        <a:t>0,4</a:t>
+                      </a:r>
+                      <a:endParaRPr lang="ru-RU" sz="1100">
+                        <a:effectLst/>
+                        <a:latin typeface="Calibri" panose="020F0502020204030204" pitchFamily="34" charset="0"/>
+                        <a:ea typeface="Calibri" panose="020F0502020204030204" pitchFamily="34" charset="0"/>
+                        <a:cs typeface="Times New Roman" panose="02020603050405020304" pitchFamily="18" charset="0"/>
+                      </a:endParaRPr>
+                    </a:p>
+                  </a:txBody>
+                  <a:tcPr marL="68580" marR="68580" marT="0" marB="0" anchor="b"/>
+                </a:tc>
+                <a:tc>
+                  <a:txBody>
+                    <a:bodyPr/>
+                    <a:lstStyle/>
+                    <a:p>
+                      <a:pPr algn="r">
+                        <a:lnSpc>
+                          <a:spcPct val="107000"/>
+                        </a:lnSpc>
+                        <a:spcAft>
+                          <a:spcPts val="0"/>
+                        </a:spcAft>
+                      </a:pPr>
+                      <a:r>
+                        <a:rPr lang="ru-RU" sz="1100">
+                          <a:effectLst/>
+                        </a:rPr>
+                        <a:t>0,4</a:t>
+                      </a:r>
+                      <a:endParaRPr lang="ru-RU" sz="1100">
+                        <a:effectLst/>
+                        <a:latin typeface="Calibri" panose="020F0502020204030204" pitchFamily="34" charset="0"/>
+                        <a:ea typeface="Calibri" panose="020F0502020204030204" pitchFamily="34" charset="0"/>
+                        <a:cs typeface="Times New Roman" panose="02020603050405020304" pitchFamily="18" charset="0"/>
+                      </a:endParaRPr>
+                    </a:p>
+                  </a:txBody>
+                  <a:tcPr marL="68580" marR="68580" marT="0" marB="0" anchor="b"/>
+                </a:tc>
+                <a:tc>
+                  <a:txBody>
+                    <a:bodyPr/>
+                    <a:lstStyle/>
+                    <a:p>
+                      <a:pPr algn="r">
+                        <a:lnSpc>
+                          <a:spcPct val="107000"/>
+                        </a:lnSpc>
+                        <a:spcAft>
+                          <a:spcPts val="0"/>
+                        </a:spcAft>
+                      </a:pPr>
+                      <a:r>
+                        <a:rPr lang="ru-RU" sz="1100" dirty="0">
+                          <a:effectLst/>
+                        </a:rPr>
+                        <a:t>0</a:t>
+                      </a:r>
+                      <a:endParaRPr lang="ru-RU" sz="1100" dirty="0">
+                        <a:effectLst/>
+                        <a:latin typeface="Calibri" panose="020F0502020204030204" pitchFamily="34" charset="0"/>
+                        <a:ea typeface="Calibri" panose="020F0502020204030204" pitchFamily="34" charset="0"/>
+                        <a:cs typeface="Times New Roman" panose="02020603050405020304" pitchFamily="18" charset="0"/>
+                      </a:endParaRPr>
+                    </a:p>
+                  </a:txBody>
+                  <a:tcPr marL="68580" marR="68580" marT="0" marB="0" anchor="b"/>
+                </a:tc>
+                <a:extLst>
+                  <a:ext uri="{0D108BD9-81ED-4DB2-BD59-A6C34878D82A}">
+                    <a16:rowId xmlns:a16="http://schemas.microsoft.com/office/drawing/2014/main" val="3875617794"/>
+                  </a:ext>
+                </a:extLst>
+              </a:tr>
+            </a:tbl>
+          </a:graphicData>
+        </a:graphic>
+      </p:graphicFrame>
+    </p:spTree>
+    <p:extLst>
+      <p:ext uri="{BB962C8B-B14F-4D97-AF65-F5344CB8AC3E}">
+        <p14:creationId xmlns:p14="http://schemas.microsoft.com/office/powerpoint/2010/main" val="2157286661"/>
+      </p:ext>
+    </p:extLst>
+  </p:cSld>
+  <p:clrMapOvr>
+    <a:masterClrMapping/>
+  </p:clrMapOvr>
+  <p:timing>
+    <p:tnLst>
+      <p:par>
+        <p:cTn id="1" dur="indefinite" restart="never" nodeType="tmRoot"/>
+      </p:par>
+    </p:tnLst>
+  </p:timing>
+</p:sld>
+</file>
+
+<file path=ppt/slides/slide18.xml><?xml version="1.0" encoding="utf-8"?>
+<p:sld xmlns:a="http://schemas.openxmlformats.org/drawingml/2006/main" xmlns:r="http://schemas.openxmlformats.org/officeDocument/2006/relationships" xmlns:p="http://schemas.openxmlformats.org/presentationml/2006/main">
+  <p:cSld>
+    <p:spTree>
+      <p:nvGrpSpPr>
+        <p:cNvPr id="1" name=""/>
+        <p:cNvGrpSpPr/>
+        <p:nvPr/>
+      </p:nvGrpSpPr>
+      <p:grpSpPr>
+        <a:xfrm>
+          <a:off x="0" y="0"/>
+          <a:ext cx="0" cy="0"/>
+          <a:chOff x="0" y="0"/>
+          <a:chExt cx="0" cy="0"/>
+        </a:xfrm>
+      </p:grpSpPr>
+      <p:sp>
+        <p:nvSpPr>
+          <p:cNvPr id="2" name="Заголовок 1"/>
+          <p:cNvSpPr>
+            <a:spLocks noGrp="1"/>
+          </p:cNvSpPr>
+          <p:nvPr>
+            <p:ph type="title"/>
+          </p:nvPr>
+        </p:nvSpPr>
+        <p:spPr/>
+        <p:txBody>
+          <a:bodyPr/>
+          <a:lstStyle/>
+          <a:p>
+            <a:r>
+              <a:rPr lang="uk-UA" dirty="0" smtClean="0"/>
+              <a:t>Наступні ітерації</a:t>
+            </a:r>
+            <a:endParaRPr lang="ru-RU" dirty="0"/>
+          </a:p>
+        </p:txBody>
+      </p:sp>
+      <p:sp>
+        <p:nvSpPr>
+          <p:cNvPr id="3" name="Текст 2"/>
+          <p:cNvSpPr>
+            <a:spLocks noGrp="1"/>
+          </p:cNvSpPr>
+          <p:nvPr>
+            <p:ph type="body" idx="1"/>
+          </p:nvPr>
+        </p:nvSpPr>
+        <p:spPr/>
+        <p:txBody>
+          <a:bodyPr/>
+          <a:lstStyle/>
+          <a:p>
+            <a:r>
+              <a:rPr lang="uk-UA" dirty="0" smtClean="0"/>
+              <a:t>Кроки алгоритму повторюються з урахуванням нових значень матриці феромонів.</a:t>
+            </a:r>
+          </a:p>
+          <a:p>
+            <a:r>
+              <a:rPr lang="uk-UA" dirty="0" smtClean="0"/>
+              <a:t>Алгоритм припиняє роботу, якщо впродовж 20 ітерацій немає покращення розв’язку.</a:t>
+            </a:r>
+            <a:endParaRPr lang="ru-RU" dirty="0"/>
+          </a:p>
+        </p:txBody>
+      </p:sp>
+    </p:spTree>
+    <p:extLst>
+      <p:ext uri="{BB962C8B-B14F-4D97-AF65-F5344CB8AC3E}">
+        <p14:creationId xmlns:p14="http://schemas.microsoft.com/office/powerpoint/2010/main" val="3519843832"/>
+      </p:ext>
+    </p:extLst>
+  </p:cSld>
+  <p:clrMapOvr>
+    <a:masterClrMapping/>
+  </p:clrMapOvr>
+  <p:timing>
+    <p:tnLst>
+      <p:par>
+        <p:cTn id="1" dur="indefinite" restart="never" nodeType="tmRoot"/>
+      </p:par>
+    </p:tnLst>
+  </p:timing>
+</p:sld>
+</file>
+
+<file path=ppt/slides/slide19.xml><?xml version="1.0" encoding="utf-8"?>
+<p:sld xmlns:a="http://schemas.openxmlformats.org/drawingml/2006/main" xmlns:r="http://schemas.openxmlformats.org/officeDocument/2006/relationships" xmlns:p="http://schemas.openxmlformats.org/presentationml/2006/main">
+  <p:cSld>
+    <p:spTree>
+      <p:nvGrpSpPr>
+        <p:cNvPr id="1" name=""/>
+        <p:cNvGrpSpPr/>
+        <p:nvPr/>
+      </p:nvGrpSpPr>
+      <p:grpSpPr>
+        <a:xfrm>
+          <a:off x="0" y="0"/>
+          <a:ext cx="0" cy="0"/>
+          <a:chOff x="0" y="0"/>
+          <a:chExt cx="0" cy="0"/>
+        </a:xfrm>
+      </p:grpSpPr>
+      <p:sp>
+        <p:nvSpPr>
+          <p:cNvPr id="2" name="Заголовок 1"/>
+          <p:cNvSpPr>
+            <a:spLocks noGrp="1"/>
+          </p:cNvSpPr>
+          <p:nvPr>
+            <p:ph type="title"/>
+          </p:nvPr>
+        </p:nvSpPr>
+        <p:spPr/>
+        <p:txBody>
+          <a:bodyPr/>
+          <a:lstStyle/>
+          <a:p>
+            <a:r>
+              <a:rPr lang="uk-UA" dirty="0" smtClean="0"/>
+              <a:t>Архітектура програмного продукту</a:t>
+            </a:r>
+            <a:endParaRPr lang="ru-RU" dirty="0"/>
+          </a:p>
+        </p:txBody>
+      </p:sp>
+      <p:sp>
+        <p:nvSpPr>
+          <p:cNvPr id="3" name="Текст 2"/>
+          <p:cNvSpPr>
+            <a:spLocks noGrp="1"/>
+          </p:cNvSpPr>
+          <p:nvPr>
+            <p:ph type="body" idx="1"/>
+          </p:nvPr>
+        </p:nvSpPr>
+        <p:spPr/>
+        <p:txBody>
+          <a:bodyPr/>
+          <a:lstStyle/>
+          <a:p>
+            <a:endParaRPr lang="ru-RU"/>
+          </a:p>
+        </p:txBody>
+      </p:sp>
+    </p:spTree>
+    <p:extLst>
+      <p:ext uri="{BB962C8B-B14F-4D97-AF65-F5344CB8AC3E}">
+        <p14:creationId xmlns:p14="http://schemas.microsoft.com/office/powerpoint/2010/main" val="1015002562"/>
+      </p:ext>
+    </p:extLst>
+  </p:cSld>
+  <p:clrMapOvr>
+    <a:masterClrMapping/>
+  </p:clrMapOvr>
+  <p:timing>
+    <p:tnLst>
+      <p:par>
+        <p:cTn id="1" dur="indefinite" restart="never" nodeType="tmRoot"/>
+      </p:par>
+    </p:tnLst>
+  </p:timing>
+</p:sld>
+</file>
+
 <file path=ppt/slides/slide2.xml><?xml version="1.0" encoding="utf-8"?>
 <p:sld xmlns:a="http://schemas.openxmlformats.org/drawingml/2006/main" xmlns:r="http://schemas.openxmlformats.org/officeDocument/2006/relationships" xmlns:p="http://schemas.openxmlformats.org/presentationml/2006/main">
   <p:cSld>
@@ -7837,6 +16049,506 @@
         </p:txBody>
       </p:sp>
     </p:spTree>
+  </p:cSld>
+  <p:clrMapOvr>
+    <a:masterClrMapping/>
+  </p:clrMapOvr>
+  <p:timing>
+    <p:tnLst>
+      <p:par>
+        <p:cTn id="1" dur="indefinite" restart="never" nodeType="tmRoot"/>
+      </p:par>
+    </p:tnLst>
+  </p:timing>
+</p:sld>
+</file>
+
+<file path=ppt/slides/slide20.xml><?xml version="1.0" encoding="utf-8"?>
+<p:sld xmlns:a="http://schemas.openxmlformats.org/drawingml/2006/main" xmlns:r="http://schemas.openxmlformats.org/officeDocument/2006/relationships" xmlns:p="http://schemas.openxmlformats.org/presentationml/2006/main">
+  <p:cSld>
+    <p:spTree>
+      <p:nvGrpSpPr>
+        <p:cNvPr id="1" name=""/>
+        <p:cNvGrpSpPr/>
+        <p:nvPr/>
+      </p:nvGrpSpPr>
+      <p:grpSpPr>
+        <a:xfrm>
+          <a:off x="0" y="0"/>
+          <a:ext cx="0" cy="0"/>
+          <a:chOff x="0" y="0"/>
+          <a:chExt cx="0" cy="0"/>
+        </a:xfrm>
+      </p:grpSpPr>
+      <p:sp>
+        <p:nvSpPr>
+          <p:cNvPr id="2" name="Заголовок 1"/>
+          <p:cNvSpPr>
+            <a:spLocks noGrp="1"/>
+          </p:cNvSpPr>
+          <p:nvPr>
+            <p:ph type="title"/>
+          </p:nvPr>
+        </p:nvSpPr>
+        <p:spPr/>
+        <p:txBody>
+          <a:bodyPr/>
+          <a:lstStyle/>
+          <a:p>
+            <a:r>
+              <a:rPr lang="uk-UA" dirty="0" smtClean="0"/>
+              <a:t>Покажи тут </a:t>
+            </a:r>
+            <a:r>
+              <a:rPr lang="uk-UA" dirty="0" err="1" smtClean="0"/>
+              <a:t>что</a:t>
+            </a:r>
+            <a:r>
+              <a:rPr lang="uk-UA" dirty="0" smtClean="0"/>
+              <a:t> </a:t>
+            </a:r>
+            <a:r>
+              <a:rPr lang="uk-UA" dirty="0" err="1" smtClean="0"/>
+              <a:t>нибудь</a:t>
+            </a:r>
+            <a:r>
+              <a:rPr lang="uk-UA" dirty="0" smtClean="0"/>
+              <a:t> </a:t>
+            </a:r>
+            <a:r>
+              <a:rPr lang="uk-UA" dirty="0" err="1" smtClean="0"/>
+              <a:t>интересное</a:t>
+            </a:r>
+            <a:r>
+              <a:rPr lang="uk-UA" dirty="0" smtClean="0"/>
+              <a:t> про нашу </a:t>
+            </a:r>
+            <a:r>
+              <a:rPr lang="uk-UA" dirty="0" err="1" smtClean="0"/>
+              <a:t>прогу</a:t>
+            </a:r>
+            <a:r>
+              <a:rPr lang="uk-UA" dirty="0" smtClean="0"/>
+              <a:t> и </a:t>
+            </a:r>
+            <a:r>
+              <a:rPr lang="uk-UA" dirty="0" err="1" smtClean="0"/>
+              <a:t>переименуй</a:t>
+            </a:r>
+            <a:r>
+              <a:rPr lang="uk-UA" dirty="0" smtClean="0"/>
+              <a:t> заголовок</a:t>
+            </a:r>
+            <a:endParaRPr lang="ru-RU" dirty="0"/>
+          </a:p>
+        </p:txBody>
+      </p:sp>
+      <p:sp>
+        <p:nvSpPr>
+          <p:cNvPr id="3" name="Текст 2"/>
+          <p:cNvSpPr>
+            <a:spLocks noGrp="1"/>
+          </p:cNvSpPr>
+          <p:nvPr>
+            <p:ph type="body" idx="1"/>
+          </p:nvPr>
+        </p:nvSpPr>
+        <p:spPr/>
+        <p:txBody>
+          <a:bodyPr/>
+          <a:lstStyle/>
+          <a:p>
+            <a:endParaRPr lang="ru-RU" dirty="0"/>
+          </a:p>
+        </p:txBody>
+      </p:sp>
+    </p:spTree>
+    <p:extLst>
+      <p:ext uri="{BB962C8B-B14F-4D97-AF65-F5344CB8AC3E}">
+        <p14:creationId xmlns:p14="http://schemas.microsoft.com/office/powerpoint/2010/main" val="3005118869"/>
+      </p:ext>
+    </p:extLst>
+  </p:cSld>
+  <p:clrMapOvr>
+    <a:masterClrMapping/>
+  </p:clrMapOvr>
+  <p:timing>
+    <p:tnLst>
+      <p:par>
+        <p:cTn id="1" dur="indefinite" restart="never" nodeType="tmRoot"/>
+      </p:par>
+    </p:tnLst>
+  </p:timing>
+</p:sld>
+</file>
+
+<file path=ppt/slides/slide21.xml><?xml version="1.0" encoding="utf-8"?>
+<p:sld xmlns:a="http://schemas.openxmlformats.org/drawingml/2006/main" xmlns:r="http://schemas.openxmlformats.org/officeDocument/2006/relationships" xmlns:p="http://schemas.openxmlformats.org/presentationml/2006/main">
+  <p:cSld>
+    <p:spTree>
+      <p:nvGrpSpPr>
+        <p:cNvPr id="1" name=""/>
+        <p:cNvGrpSpPr/>
+        <p:nvPr/>
+      </p:nvGrpSpPr>
+      <p:grpSpPr>
+        <a:xfrm>
+          <a:off x="0" y="0"/>
+          <a:ext cx="0" cy="0"/>
+          <a:chOff x="0" y="0"/>
+          <a:chExt cx="0" cy="0"/>
+        </a:xfrm>
+      </p:grpSpPr>
+      <p:sp>
+        <p:nvSpPr>
+          <p:cNvPr id="2" name="Заголовок 1"/>
+          <p:cNvSpPr>
+            <a:spLocks noGrp="1"/>
+          </p:cNvSpPr>
+          <p:nvPr>
+            <p:ph type="title"/>
+          </p:nvPr>
+        </p:nvSpPr>
+        <p:spPr/>
+        <p:txBody>
+          <a:bodyPr/>
+          <a:lstStyle/>
+          <a:p>
+            <a:r>
+              <a:rPr lang="uk-UA" dirty="0" smtClean="0"/>
+              <a:t>Аналіз генетичного алгоритму</a:t>
+            </a:r>
+            <a:endParaRPr lang="ru-RU" dirty="0"/>
+          </a:p>
+        </p:txBody>
+      </p:sp>
+      <p:sp>
+        <p:nvSpPr>
+          <p:cNvPr id="3" name="Текст 2"/>
+          <p:cNvSpPr>
+            <a:spLocks noGrp="1"/>
+          </p:cNvSpPr>
+          <p:nvPr>
+            <p:ph type="body" idx="1"/>
+          </p:nvPr>
+        </p:nvSpPr>
+        <p:spPr/>
+        <p:txBody>
+          <a:bodyPr/>
+          <a:lstStyle/>
+          <a:p>
+            <a:endParaRPr lang="ru-RU" dirty="0"/>
+          </a:p>
+        </p:txBody>
+      </p:sp>
+      <p:graphicFrame>
+        <p:nvGraphicFramePr>
+          <p:cNvPr id="4" name="Диаграмма 3"/>
+          <p:cNvGraphicFramePr>
+            <a:graphicFrameLocks/>
+          </p:cNvGraphicFramePr>
+          <p:nvPr>
+            <p:extLst>
+              <p:ext uri="{D42A27DB-BD31-4B8C-83A1-F6EECF244321}">
+                <p14:modId xmlns:p14="http://schemas.microsoft.com/office/powerpoint/2010/main" val="2105669641"/>
+              </p:ext>
+            </p:extLst>
+          </p:nvPr>
+        </p:nvGraphicFramePr>
+        <p:xfrm>
+          <a:off x="247973" y="1471370"/>
+          <a:ext cx="4316278" cy="2743200"/>
+        </p:xfrm>
+        <a:graphic>
+          <a:graphicData uri="http://schemas.openxmlformats.org/drawingml/2006/chart">
+            <c:chart xmlns:c="http://schemas.openxmlformats.org/drawingml/2006/chart" xmlns:r="http://schemas.openxmlformats.org/officeDocument/2006/relationships" r:id="rId2"/>
+          </a:graphicData>
+        </a:graphic>
+      </p:graphicFrame>
+      <p:graphicFrame>
+        <p:nvGraphicFramePr>
+          <p:cNvPr id="5" name="Диаграмма 4"/>
+          <p:cNvGraphicFramePr>
+            <a:graphicFrameLocks/>
+          </p:cNvGraphicFramePr>
+          <p:nvPr>
+            <p:extLst>
+              <p:ext uri="{D42A27DB-BD31-4B8C-83A1-F6EECF244321}">
+                <p14:modId xmlns:p14="http://schemas.microsoft.com/office/powerpoint/2010/main" val="2993763525"/>
+              </p:ext>
+            </p:extLst>
+          </p:nvPr>
+        </p:nvGraphicFramePr>
+        <p:xfrm>
+          <a:off x="4463173" y="1595776"/>
+          <a:ext cx="4625340" cy="1908810"/>
+        </p:xfrm>
+        <a:graphic>
+          <a:graphicData uri="http://schemas.openxmlformats.org/drawingml/2006/chart">
+            <c:chart xmlns:c="http://schemas.openxmlformats.org/drawingml/2006/chart" xmlns:r="http://schemas.openxmlformats.org/officeDocument/2006/relationships" r:id="rId3"/>
+          </a:graphicData>
+        </a:graphic>
+      </p:graphicFrame>
+    </p:spTree>
+    <p:extLst>
+      <p:ext uri="{BB962C8B-B14F-4D97-AF65-F5344CB8AC3E}">
+        <p14:creationId xmlns:p14="http://schemas.microsoft.com/office/powerpoint/2010/main" val="1630555884"/>
+      </p:ext>
+    </p:extLst>
+  </p:cSld>
+  <p:clrMapOvr>
+    <a:masterClrMapping/>
+  </p:clrMapOvr>
+  <p:timing>
+    <p:tnLst>
+      <p:par>
+        <p:cTn id="1" dur="indefinite" restart="never" nodeType="tmRoot"/>
+      </p:par>
+    </p:tnLst>
+  </p:timing>
+</p:sld>
+</file>
+
+<file path=ppt/slides/slide22.xml><?xml version="1.0" encoding="utf-8"?>
+<p:sld xmlns:a="http://schemas.openxmlformats.org/drawingml/2006/main" xmlns:r="http://schemas.openxmlformats.org/officeDocument/2006/relationships" xmlns:p="http://schemas.openxmlformats.org/presentationml/2006/main">
+  <p:cSld>
+    <p:spTree>
+      <p:nvGrpSpPr>
+        <p:cNvPr id="1" name=""/>
+        <p:cNvGrpSpPr/>
+        <p:nvPr/>
+      </p:nvGrpSpPr>
+      <p:grpSpPr>
+        <a:xfrm>
+          <a:off x="0" y="0"/>
+          <a:ext cx="0" cy="0"/>
+          <a:chOff x="0" y="0"/>
+          <a:chExt cx="0" cy="0"/>
+        </a:xfrm>
+      </p:grpSpPr>
+      <p:sp>
+        <p:nvSpPr>
+          <p:cNvPr id="2" name="Заголовок 1"/>
+          <p:cNvSpPr>
+            <a:spLocks noGrp="1"/>
+          </p:cNvSpPr>
+          <p:nvPr>
+            <p:ph type="title"/>
+          </p:nvPr>
+        </p:nvSpPr>
+        <p:spPr/>
+        <p:txBody>
+          <a:bodyPr/>
+          <a:lstStyle/>
+          <a:p>
+            <a:r>
+              <a:rPr lang="uk-UA" dirty="0" smtClean="0"/>
+              <a:t>Аналіз мурашиного алгоритму</a:t>
+            </a:r>
+            <a:endParaRPr lang="ru-RU" dirty="0"/>
+          </a:p>
+        </p:txBody>
+      </p:sp>
+      <p:sp>
+        <p:nvSpPr>
+          <p:cNvPr id="3" name="Текст 2"/>
+          <p:cNvSpPr>
+            <a:spLocks noGrp="1"/>
+          </p:cNvSpPr>
+          <p:nvPr>
+            <p:ph type="body" idx="1"/>
+          </p:nvPr>
+        </p:nvSpPr>
+        <p:spPr/>
+        <p:txBody>
+          <a:bodyPr/>
+          <a:lstStyle/>
+          <a:p>
+            <a:endParaRPr lang="ru-RU" dirty="0"/>
+          </a:p>
+        </p:txBody>
+      </p:sp>
+      <p:graphicFrame>
+        <p:nvGraphicFramePr>
+          <p:cNvPr id="4" name="Диаграмма 3"/>
+          <p:cNvGraphicFramePr>
+            <a:graphicFrameLocks/>
+          </p:cNvGraphicFramePr>
+          <p:nvPr>
+            <p:extLst>
+              <p:ext uri="{D42A27DB-BD31-4B8C-83A1-F6EECF244321}">
+                <p14:modId xmlns:p14="http://schemas.microsoft.com/office/powerpoint/2010/main" val="2390845277"/>
+              </p:ext>
+            </p:extLst>
+          </p:nvPr>
+        </p:nvGraphicFramePr>
+        <p:xfrm>
+          <a:off x="193729" y="1211350"/>
+          <a:ext cx="4572000" cy="2743200"/>
+        </p:xfrm>
+        <a:graphic>
+          <a:graphicData uri="http://schemas.openxmlformats.org/drawingml/2006/chart">
+            <c:chart xmlns:c="http://schemas.openxmlformats.org/drawingml/2006/chart" xmlns:r="http://schemas.openxmlformats.org/officeDocument/2006/relationships" r:id="rId2"/>
+          </a:graphicData>
+        </a:graphic>
+      </p:graphicFrame>
+      <p:graphicFrame>
+        <p:nvGraphicFramePr>
+          <p:cNvPr id="5" name="Диаграмма 4"/>
+          <p:cNvGraphicFramePr>
+            <a:graphicFrameLocks/>
+          </p:cNvGraphicFramePr>
+          <p:nvPr>
+            <p:extLst>
+              <p:ext uri="{D42A27DB-BD31-4B8C-83A1-F6EECF244321}">
+                <p14:modId xmlns:p14="http://schemas.microsoft.com/office/powerpoint/2010/main" val="1569464672"/>
+              </p:ext>
+            </p:extLst>
+          </p:nvPr>
+        </p:nvGraphicFramePr>
+        <p:xfrm>
+          <a:off x="4584190" y="1595776"/>
+          <a:ext cx="4137660" cy="1779270"/>
+        </p:xfrm>
+        <a:graphic>
+          <a:graphicData uri="http://schemas.openxmlformats.org/drawingml/2006/chart">
+            <c:chart xmlns:c="http://schemas.openxmlformats.org/drawingml/2006/chart" xmlns:r="http://schemas.openxmlformats.org/officeDocument/2006/relationships" r:id="rId3"/>
+          </a:graphicData>
+        </a:graphic>
+      </p:graphicFrame>
+    </p:spTree>
+    <p:extLst>
+      <p:ext uri="{BB962C8B-B14F-4D97-AF65-F5344CB8AC3E}">
+        <p14:creationId xmlns:p14="http://schemas.microsoft.com/office/powerpoint/2010/main" val="3005490719"/>
+      </p:ext>
+    </p:extLst>
+  </p:cSld>
+  <p:clrMapOvr>
+    <a:masterClrMapping/>
+  </p:clrMapOvr>
+  <p:timing>
+    <p:tnLst>
+      <p:par>
+        <p:cTn id="1" dur="indefinite" restart="never" nodeType="tmRoot"/>
+      </p:par>
+    </p:tnLst>
+  </p:timing>
+</p:sld>
+</file>
+
+<file path=ppt/slides/slide23.xml><?xml version="1.0" encoding="utf-8"?>
+<p:sld xmlns:a="http://schemas.openxmlformats.org/drawingml/2006/main" xmlns:r="http://schemas.openxmlformats.org/officeDocument/2006/relationships" xmlns:p="http://schemas.openxmlformats.org/presentationml/2006/main">
+  <p:cSld>
+    <p:spTree>
+      <p:nvGrpSpPr>
+        <p:cNvPr id="1" name=""/>
+        <p:cNvGrpSpPr/>
+        <p:nvPr/>
+      </p:nvGrpSpPr>
+      <p:grpSpPr>
+        <a:xfrm>
+          <a:off x="0" y="0"/>
+          <a:ext cx="0" cy="0"/>
+          <a:chOff x="0" y="0"/>
+          <a:chExt cx="0" cy="0"/>
+        </a:xfrm>
+      </p:grpSpPr>
+      <p:sp>
+        <p:nvSpPr>
+          <p:cNvPr id="2" name="Заголовок 1"/>
+          <p:cNvSpPr>
+            <a:spLocks noGrp="1"/>
+          </p:cNvSpPr>
+          <p:nvPr>
+            <p:ph type="title"/>
+          </p:nvPr>
+        </p:nvSpPr>
+        <p:spPr/>
+        <p:txBody>
+          <a:bodyPr/>
+          <a:lstStyle/>
+          <a:p>
+            <a:r>
+              <a:rPr lang="uk-UA" dirty="0" smtClean="0"/>
+              <a:t>Порівняльна характеристика двох алгоритмів</a:t>
+            </a:r>
+            <a:endParaRPr lang="ru-RU" dirty="0"/>
+          </a:p>
+        </p:txBody>
+      </p:sp>
+      <p:sp>
+        <p:nvSpPr>
+          <p:cNvPr id="3" name="Текст 2"/>
+          <p:cNvSpPr>
+            <a:spLocks noGrp="1"/>
+          </p:cNvSpPr>
+          <p:nvPr>
+            <p:ph type="body" idx="1"/>
+          </p:nvPr>
+        </p:nvSpPr>
+        <p:spPr/>
+        <p:txBody>
+          <a:bodyPr/>
+          <a:lstStyle/>
+          <a:p>
+            <a:endParaRPr lang="ru-RU" dirty="0"/>
+          </a:p>
+        </p:txBody>
+      </p:sp>
+      <p:graphicFrame>
+        <p:nvGraphicFramePr>
+          <p:cNvPr id="4" name="Диаграмма 3"/>
+          <p:cNvGraphicFramePr>
+            <a:graphicFrameLocks/>
+          </p:cNvGraphicFramePr>
+          <p:nvPr>
+            <p:extLst>
+              <p:ext uri="{D42A27DB-BD31-4B8C-83A1-F6EECF244321}">
+                <p14:modId xmlns:p14="http://schemas.microsoft.com/office/powerpoint/2010/main" val="2047768076"/>
+              </p:ext>
+            </p:extLst>
+          </p:nvPr>
+        </p:nvGraphicFramePr>
+        <p:xfrm>
+          <a:off x="0" y="1448123"/>
+          <a:ext cx="4572000" cy="2743200"/>
+        </p:xfrm>
+        <a:graphic>
+          <a:graphicData uri="http://schemas.openxmlformats.org/drawingml/2006/chart">
+            <c:chart xmlns:c="http://schemas.openxmlformats.org/drawingml/2006/chart" xmlns:r="http://schemas.openxmlformats.org/officeDocument/2006/relationships" r:id="rId2"/>
+          </a:graphicData>
+        </a:graphic>
+      </p:graphicFrame>
+      <p:graphicFrame>
+        <p:nvGraphicFramePr>
+          <p:cNvPr id="5" name="Диаграмма 4"/>
+          <p:cNvGraphicFramePr>
+            <a:graphicFrameLocks/>
+          </p:cNvGraphicFramePr>
+          <p:nvPr>
+            <p:extLst>
+              <p:ext uri="{D42A27DB-BD31-4B8C-83A1-F6EECF244321}">
+                <p14:modId xmlns:p14="http://schemas.microsoft.com/office/powerpoint/2010/main" val="1883297992"/>
+              </p:ext>
+            </p:extLst>
+          </p:nvPr>
+        </p:nvGraphicFramePr>
+        <p:xfrm>
+          <a:off x="4432516" y="1832549"/>
+          <a:ext cx="4572000" cy="2743200"/>
+        </p:xfrm>
+        <a:graphic>
+          <a:graphicData uri="http://schemas.openxmlformats.org/drawingml/2006/chart">
+            <c:chart xmlns:c="http://schemas.openxmlformats.org/drawingml/2006/chart" xmlns:r="http://schemas.openxmlformats.org/officeDocument/2006/relationships" r:id="rId3"/>
+          </a:graphicData>
+        </a:graphic>
+      </p:graphicFrame>
+    </p:spTree>
+    <p:extLst>
+      <p:ext uri="{BB962C8B-B14F-4D97-AF65-F5344CB8AC3E}">
+        <p14:creationId xmlns:p14="http://schemas.microsoft.com/office/powerpoint/2010/main" val="3852555390"/>
+      </p:ext>
+    </p:extLst>
   </p:cSld>
   <p:clrMapOvr>
     <a:masterClrMapping/>
@@ -12300,6 +21012,30 @@
           <a:chExt cx="0" cy="0"/>
         </a:xfrm>
       </p:grpSpPr>
+      <p:pic>
+        <p:nvPicPr>
+          <p:cNvPr id="4" name="Рисунок 3"/>
+          <p:cNvPicPr>
+            <a:picLocks noChangeAspect="1"/>
+          </p:cNvPicPr>
+          <p:nvPr/>
+        </p:nvPicPr>
+        <p:blipFill>
+          <a:blip r:embed="rId3"/>
+          <a:stretch>
+            <a:fillRect/>
+          </a:stretch>
+        </p:blipFill>
+        <p:spPr>
+          <a:xfrm>
+            <a:off x="450273" y="1402066"/>
+            <a:ext cx="8271577" cy="2010275"/>
+          </a:xfrm>
+          <a:prstGeom prst="rect">
+            <a:avLst/>
+          </a:prstGeom>
+        </p:spPr>
+      </p:pic>
       <p:sp>
         <p:nvSpPr>
           <p:cNvPr id="121" name="Google Shape;121;p20"/>
@@ -12380,9 +21116,179 @@
           </a:p>
         </p:txBody>
       </p:sp>
+      <p:sp>
+        <p:nvSpPr>
+          <p:cNvPr id="2" name="TextBox 1"/>
+          <p:cNvSpPr txBox="1"/>
+          <p:nvPr/>
+        </p:nvSpPr>
+        <p:spPr>
+          <a:xfrm>
+            <a:off x="450273" y="3020291"/>
+            <a:ext cx="2763898" cy="738664"/>
+          </a:xfrm>
+          <a:prstGeom prst="rect">
+            <a:avLst/>
+          </a:prstGeom>
+          <a:noFill/>
+        </p:spPr>
+        <p:txBody>
+          <a:bodyPr wrap="none" rtlCol="0">
+            <a:spAutoFit/>
+          </a:bodyPr>
+          <a:lstStyle/>
+          <a:p>
+            <a:r>
+              <a:rPr lang="uk-UA" dirty="0" smtClean="0"/>
+              <a:t>По обраній випадковим чином</a:t>
+            </a:r>
+          </a:p>
+          <a:p>
+            <a:r>
+              <a:rPr lang="uk-UA" dirty="0"/>
+              <a:t>т</a:t>
+            </a:r>
+            <a:r>
+              <a:rPr lang="uk-UA" dirty="0" smtClean="0"/>
+              <a:t>очці кросинговеру проведемо</a:t>
+            </a:r>
+          </a:p>
+          <a:p>
+            <a:r>
+              <a:rPr lang="uk-UA" dirty="0" smtClean="0"/>
+              <a:t>схрещення.</a:t>
+            </a:r>
+            <a:endParaRPr lang="ru-RU" dirty="0"/>
+          </a:p>
+        </p:txBody>
+      </p:sp>
+    </p:spTree>
+  </p:cSld>
+  <p:clrMapOvr>
+    <a:masterClrMapping/>
+  </p:clrMapOvr>
+  <p:timing>
+    <p:tnLst>
+      <p:par>
+        <p:cTn id="1" dur="indefinite" restart="never" nodeType="tmRoot"/>
+      </p:par>
+    </p:tnLst>
+  </p:timing>
+</p:sld>
+</file>
+
+<file path=ppt/slides/slide9.xml><?xml version="1.0" encoding="utf-8"?>
+<p:sld xmlns:a="http://schemas.openxmlformats.org/drawingml/2006/main" xmlns:r="http://schemas.openxmlformats.org/officeDocument/2006/relationships" xmlns:p="http://schemas.openxmlformats.org/presentationml/2006/main">
+  <p:cSld>
+    <p:spTree>
+      <p:nvGrpSpPr>
+        <p:cNvPr id="1" name=""/>
+        <p:cNvGrpSpPr/>
+        <p:nvPr/>
+      </p:nvGrpSpPr>
+      <p:grpSpPr>
+        <a:xfrm>
+          <a:off x="0" y="0"/>
+          <a:ext cx="0" cy="0"/>
+          <a:chOff x="0" y="0"/>
+          <a:chExt cx="0" cy="0"/>
+        </a:xfrm>
+      </p:grpSpPr>
+      <p:sp>
+        <p:nvSpPr>
+          <p:cNvPr id="2" name="Заголовок 1"/>
+          <p:cNvSpPr>
+            <a:spLocks noGrp="1"/>
+          </p:cNvSpPr>
+          <p:nvPr>
+            <p:ph type="title"/>
+          </p:nvPr>
+        </p:nvSpPr>
+        <p:spPr/>
+        <p:txBody>
+          <a:bodyPr/>
+          <a:lstStyle/>
+          <a:p>
+            <a:r>
+              <a:rPr lang="uk-UA" dirty="0" smtClean="0"/>
+              <a:t>Мутація та локальне покращення</a:t>
+            </a:r>
+            <a:endParaRPr lang="ru-RU" dirty="0"/>
+          </a:p>
+        </p:txBody>
+      </p:sp>
+      <p:sp>
+        <p:nvSpPr>
+          <p:cNvPr id="3" name="Текст 2"/>
+          <p:cNvSpPr>
+            <a:spLocks noGrp="1"/>
+          </p:cNvSpPr>
+          <p:nvPr>
+            <p:ph type="body" idx="1"/>
+          </p:nvPr>
+        </p:nvSpPr>
+        <p:spPr/>
+        <p:txBody>
+          <a:bodyPr/>
+          <a:lstStyle/>
+          <a:p>
+            <a:r>
+              <a:rPr lang="uk-UA" dirty="0" smtClean="0"/>
+              <a:t>Мутація – з ймовірністю 0,1 випадковий ген нащадка змінює своє значення. Другий нащадок змінює третій ген.</a:t>
+            </a:r>
+          </a:p>
+          <a:p>
+            <a:endParaRPr lang="uk-UA" dirty="0"/>
+          </a:p>
+          <a:p>
+            <a:endParaRPr lang="uk-UA" dirty="0" smtClean="0"/>
+          </a:p>
+          <a:p>
+            <a:r>
+              <a:rPr lang="uk-UA" dirty="0" smtClean="0"/>
+              <a:t>Локальне покращення – якщо нащадок не </a:t>
+            </a:r>
+            <a:r>
+              <a:rPr lang="uk-UA" dirty="0" err="1" smtClean="0"/>
+              <a:t>задовільняє</a:t>
+            </a:r>
+            <a:r>
+              <a:rPr lang="uk-UA" dirty="0" smtClean="0"/>
+              <a:t> умові, прибираємо найбільш конфліктну тварину доти, доки розв’язок не стане прийнятним.</a:t>
+            </a:r>
+          </a:p>
+          <a:p>
+            <a:endParaRPr lang="ru-RU" dirty="0"/>
+          </a:p>
+        </p:txBody>
+      </p:sp>
       <p:pic>
         <p:nvPicPr>
-          <p:cNvPr id="3" name="Рисунок 2"/>
+          <p:cNvPr id="7" name="Рисунок 6"/>
+          <p:cNvPicPr>
+            <a:picLocks noChangeAspect="1"/>
+          </p:cNvPicPr>
+          <p:nvPr/>
+        </p:nvPicPr>
+        <p:blipFill>
+          <a:blip r:embed="rId2"/>
+          <a:stretch>
+            <a:fillRect/>
+          </a:stretch>
+        </p:blipFill>
+        <p:spPr>
+          <a:xfrm>
+            <a:off x="0" y="1595777"/>
+            <a:ext cx="2581668" cy="1219616"/>
+          </a:xfrm>
+          <a:prstGeom prst="rect">
+            <a:avLst/>
+          </a:prstGeom>
+        </p:spPr>
+      </p:pic>
+      <p:pic>
+        <p:nvPicPr>
+          <p:cNvPr id="8" name="Рисунок 7"/>
           <p:cNvPicPr>
             <a:picLocks noChangeAspect="1"/>
           </p:cNvPicPr>
@@ -12396,8 +21302,8 @@
         </p:blipFill>
         <p:spPr>
           <a:xfrm>
-            <a:off x="164123" y="1457182"/>
-            <a:ext cx="8979877" cy="2333280"/>
+            <a:off x="1" y="3096976"/>
+            <a:ext cx="2410112" cy="1105714"/>
           </a:xfrm>
           <a:prstGeom prst="rect">
             <a:avLst/>
@@ -12405,6 +21311,11 @@
         </p:spPr>
       </p:pic>
     </p:spTree>
+    <p:extLst>
+      <p:ext uri="{BB962C8B-B14F-4D97-AF65-F5344CB8AC3E}">
+        <p14:creationId xmlns:p14="http://schemas.microsoft.com/office/powerpoint/2010/main" val="1443439821"/>
+      </p:ext>
+    </p:extLst>
   </p:cSld>
   <p:clrMapOvr>
     <a:masterClrMapping/>
